--- a/Zajecia 3 - Przygotowanie badania/DeskResearch.pptx
+++ b/Zajecia 3 - Przygotowanie badania/DeskResearch.pptx
@@ -7,24 +7,29 @@
   <p:sldIdLst>
     <p:sldId id="256" r:id="rId2"/>
     <p:sldId id="259" r:id="rId3"/>
-    <p:sldId id="258" r:id="rId4"/>
-    <p:sldId id="257" r:id="rId5"/>
-    <p:sldId id="262" r:id="rId6"/>
-    <p:sldId id="261" r:id="rId7"/>
-    <p:sldId id="263" r:id="rId8"/>
-    <p:sldId id="266" r:id="rId9"/>
-    <p:sldId id="264" r:id="rId10"/>
-    <p:sldId id="265" r:id="rId11"/>
-    <p:sldId id="267" r:id="rId12"/>
-    <p:sldId id="268" r:id="rId13"/>
-    <p:sldId id="269" r:id="rId14"/>
-    <p:sldId id="270" r:id="rId15"/>
-    <p:sldId id="260" r:id="rId16"/>
-    <p:sldId id="271" r:id="rId17"/>
-    <p:sldId id="272" r:id="rId18"/>
-    <p:sldId id="273" r:id="rId19"/>
-    <p:sldId id="274" r:id="rId20"/>
-    <p:sldId id="275" r:id="rId21"/>
+    <p:sldId id="276" r:id="rId4"/>
+    <p:sldId id="277" r:id="rId5"/>
+    <p:sldId id="280" r:id="rId6"/>
+    <p:sldId id="258" r:id="rId7"/>
+    <p:sldId id="257" r:id="rId8"/>
+    <p:sldId id="262" r:id="rId9"/>
+    <p:sldId id="261" r:id="rId10"/>
+    <p:sldId id="263" r:id="rId11"/>
+    <p:sldId id="266" r:id="rId12"/>
+    <p:sldId id="278" r:id="rId13"/>
+    <p:sldId id="264" r:id="rId14"/>
+    <p:sldId id="267" r:id="rId15"/>
+    <p:sldId id="265" r:id="rId16"/>
+    <p:sldId id="268" r:id="rId17"/>
+    <p:sldId id="279" r:id="rId18"/>
+    <p:sldId id="269" r:id="rId19"/>
+    <p:sldId id="270" r:id="rId20"/>
+    <p:sldId id="260" r:id="rId21"/>
+    <p:sldId id="271" r:id="rId22"/>
+    <p:sldId id="272" r:id="rId23"/>
+    <p:sldId id="273" r:id="rId24"/>
+    <p:sldId id="274" r:id="rId25"/>
+    <p:sldId id="275" r:id="rId26"/>
   </p:sldIdLst>
   <p:sldSz cx="12192000" cy="6858000"/>
   <p:notesSz cx="6858000" cy="9144000"/>
@@ -129,11 +134,18 @@
         <p14:section name="Default Section" id="{57665DB8-D1D3-4716-B146-0E8A69E8E1E5}">
           <p14:sldIdLst>
             <p14:sldId id="256"/>
+          </p14:sldIdLst>
+        </p14:section>
+        <p14:section name="Po co?" id="{2AA7D426-9A50-4206-96EF-B5781BC4F42C}">
+          <p14:sldIdLst>
             <p14:sldId id="259"/>
+            <p14:sldId id="276"/>
+            <p14:sldId id="277"/>
           </p14:sldIdLst>
         </p14:section>
         <p14:section name="Google" id="{25CEFD1D-8F9C-4605-8BB7-6263FD832327}">
           <p14:sldIdLst>
+            <p14:sldId id="280"/>
             <p14:sldId id="258"/>
             <p14:sldId id="257"/>
             <p14:sldId id="262"/>
@@ -148,14 +160,16 @@
         </p14:section>
         <p14:section name="Statystyka Publiczna" id="{7B55274D-2199-409A-AB55-62ED4B058E5B}">
           <p14:sldIdLst>
+            <p14:sldId id="278"/>
             <p14:sldId id="264"/>
+            <p14:sldId id="267"/>
             <p14:sldId id="265"/>
-            <p14:sldId id="267"/>
             <p14:sldId id="268"/>
           </p14:sldIdLst>
         </p14:section>
         <p14:section name="Rejestry gospodarcze" id="{5672FD1D-BE9D-4968-A03B-1E12CAEF2C6B}">
           <p14:sldIdLst>
+            <p14:sldId id="279"/>
             <p14:sldId id="269"/>
             <p14:sldId id="270"/>
             <p14:sldId id="260"/>
@@ -187,6 +201,14 @@
 </p:presentation>
 </file>
 
+<file path=ppt/revisionInfo.xml><?xml version="1.0" encoding="utf-8"?>
+<p1510:revInfo xmlns:a="http://schemas.openxmlformats.org/drawingml/2006/main" xmlns:r="http://schemas.openxmlformats.org/officeDocument/2006/relationships" xmlns:p1510="http://schemas.microsoft.com/office/powerpoint/2015/10/main">
+  <p1510:revLst>
+    <p1510:client id="{D14146C1-D3E9-41C3-A190-D8ACEB2FF98E}" v="1" dt="2023-10-26T09:25:19.567"/>
+  </p1510:revLst>
+</p1510:revInfo>
+</file>
+
 <file path=ppt/changesInfos/changesInfo1.xml><?xml version="1.0" encoding="utf-8"?>
 <pc:chgInfo xmlns:a="http://schemas.openxmlformats.org/drawingml/2006/main" xmlns:r="http://schemas.openxmlformats.org/officeDocument/2006/relationships" xmlns:ac="http://schemas.microsoft.com/office/drawing/2013/main/command" xmlns:pc="http://schemas.microsoft.com/office/powerpoint/2013/main/command">
   <pc:docChgLst>
@@ -2125,13 +2147,28 @@
   </pc:docChgLst>
   <pc:docChgLst>
     <pc:chgData name="Jakub Rybacki" userId="71160f026d85cc38" providerId="LiveId" clId="{D14146C1-D3E9-41C3-A190-D8ACEB2FF98E}"/>
-    <pc:docChg chg="undo custSel addSld modSld addSection modSection">
-      <pc:chgData name="Jakub Rybacki" userId="71160f026d85cc38" providerId="LiveId" clId="{D14146C1-D3E9-41C3-A190-D8ACEB2FF98E}" dt="2023-10-19T03:37:21.193" v="193" actId="20577"/>
+    <pc:docChg chg="undo custSel addSld delSld modSld sldOrd addSection modSection">
+      <pc:chgData name="Jakub Rybacki" userId="71160f026d85cc38" providerId="LiveId" clId="{D14146C1-D3E9-41C3-A190-D8ACEB2FF98E}" dt="2023-10-26T09:34:01.681" v="708" actId="20577"/>
       <pc:docMkLst>
         <pc:docMk/>
       </pc:docMkLst>
       <pc:sldChg chg="modSp mod">
-        <pc:chgData name="Jakub Rybacki" userId="71160f026d85cc38" providerId="LiveId" clId="{D14146C1-D3E9-41C3-A190-D8ACEB2FF98E}" dt="2023-10-19T03:29:41.450" v="45" actId="20577"/>
+        <pc:chgData name="Jakub Rybacki" userId="71160f026d85cc38" providerId="LiveId" clId="{D14146C1-D3E9-41C3-A190-D8ACEB2FF98E}" dt="2023-10-26T09:22:57.781" v="227" actId="313"/>
+        <pc:sldMkLst>
+          <pc:docMk/>
+          <pc:sldMk cId="214827207" sldId="257"/>
+        </pc:sldMkLst>
+        <pc:spChg chg="mod">
+          <ac:chgData name="Jakub Rybacki" userId="71160f026d85cc38" providerId="LiveId" clId="{D14146C1-D3E9-41C3-A190-D8ACEB2FF98E}" dt="2023-10-26T09:22:57.781" v="227" actId="313"/>
+          <ac:spMkLst>
+            <pc:docMk/>
+            <pc:sldMk cId="214827207" sldId="257"/>
+            <ac:spMk id="3" creationId="{B3149526-2EA7-51EC-5DDF-11497C7F9F3D}"/>
+          </ac:spMkLst>
+        </pc:spChg>
+      </pc:sldChg>
+      <pc:sldChg chg="modSp mod ord">
+        <pc:chgData name="Jakub Rybacki" userId="71160f026d85cc38" providerId="LiveId" clId="{D14146C1-D3E9-41C3-A190-D8ACEB2FF98E}" dt="2023-10-26T09:27:40.403" v="462"/>
         <pc:sldMkLst>
           <pc:docMk/>
           <pc:sldMk cId="4293947993" sldId="259"/>
@@ -2142,6 +2179,43 @@
             <pc:docMk/>
             <pc:sldMk cId="4293947993" sldId="259"/>
             <ac:spMk id="3" creationId="{E271E7B7-90D9-9D19-D5BB-7520486959EA}"/>
+          </ac:spMkLst>
+        </pc:spChg>
+      </pc:sldChg>
+      <pc:sldChg chg="modSp mod">
+        <pc:chgData name="Jakub Rybacki" userId="71160f026d85cc38" providerId="LiveId" clId="{D14146C1-D3E9-41C3-A190-D8ACEB2FF98E}" dt="2023-10-26T09:23:18.492" v="234" actId="20577"/>
+        <pc:sldMkLst>
+          <pc:docMk/>
+          <pc:sldMk cId="3825167684" sldId="263"/>
+        </pc:sldMkLst>
+        <pc:spChg chg="mod">
+          <ac:chgData name="Jakub Rybacki" userId="71160f026d85cc38" providerId="LiveId" clId="{D14146C1-D3E9-41C3-A190-D8ACEB2FF98E}" dt="2023-10-26T09:23:18.492" v="234" actId="20577"/>
+          <ac:spMkLst>
+            <pc:docMk/>
+            <pc:sldMk cId="3825167684" sldId="263"/>
+            <ac:spMk id="3" creationId="{1E5946FF-4DF7-195E-8FE0-20362BCE7EB8}"/>
+          </ac:spMkLst>
+        </pc:spChg>
+      </pc:sldChg>
+      <pc:sldChg chg="ord">
+        <pc:chgData name="Jakub Rybacki" userId="71160f026d85cc38" providerId="LiveId" clId="{D14146C1-D3E9-41C3-A190-D8ACEB2FF98E}" dt="2023-10-26T09:30:17.446" v="540"/>
+        <pc:sldMkLst>
+          <pc:docMk/>
+          <pc:sldMk cId="3203630823" sldId="267"/>
+        </pc:sldMkLst>
+      </pc:sldChg>
+      <pc:sldChg chg="modSp mod">
+        <pc:chgData name="Jakub Rybacki" userId="71160f026d85cc38" providerId="LiveId" clId="{D14146C1-D3E9-41C3-A190-D8ACEB2FF98E}" dt="2023-10-26T09:30:04.672" v="538" actId="123"/>
+        <pc:sldMkLst>
+          <pc:docMk/>
+          <pc:sldMk cId="667115904" sldId="268"/>
+        </pc:sldMkLst>
+        <pc:spChg chg="mod">
+          <ac:chgData name="Jakub Rybacki" userId="71160f026d85cc38" providerId="LiveId" clId="{D14146C1-D3E9-41C3-A190-D8ACEB2FF98E}" dt="2023-10-26T09:30:04.672" v="538" actId="123"/>
+          <ac:spMkLst>
+            <pc:docMk/>
+            <pc:sldMk cId="667115904" sldId="268"/>
+            <ac:spMk id="3" creationId="{E08F4AB7-3F26-9D82-F955-3318D2AC5836}"/>
           </ac:spMkLst>
         </pc:spChg>
       </pc:sldChg>
@@ -2165,6 +2239,312 @@
             <pc:docMk/>
             <pc:sldMk cId="3738483562" sldId="275"/>
             <ac:spMk id="3" creationId="{D5D64F99-0B00-6B9B-2489-760A09C9B9D5}"/>
+          </ac:spMkLst>
+        </pc:spChg>
+      </pc:sldChg>
+      <pc:sldChg chg="addSp delSp modSp new mod ord setBg">
+        <pc:chgData name="Jakub Rybacki" userId="71160f026d85cc38" providerId="LiveId" clId="{D14146C1-D3E9-41C3-A190-D8ACEB2FF98E}" dt="2023-10-26T09:28:20.308" v="519" actId="20577"/>
+        <pc:sldMkLst>
+          <pc:docMk/>
+          <pc:sldMk cId="3893542826" sldId="276"/>
+        </pc:sldMkLst>
+        <pc:spChg chg="mod">
+          <ac:chgData name="Jakub Rybacki" userId="71160f026d85cc38" providerId="LiveId" clId="{D14146C1-D3E9-41C3-A190-D8ACEB2FF98E}" dt="2023-10-26T09:25:47.822" v="386" actId="26606"/>
+          <ac:spMkLst>
+            <pc:docMk/>
+            <pc:sldMk cId="3893542826" sldId="276"/>
+            <ac:spMk id="2" creationId="{2E944ECD-D1E3-A1EE-C0AE-5147D723A632}"/>
+          </ac:spMkLst>
+        </pc:spChg>
+        <pc:spChg chg="add del mod">
+          <ac:chgData name="Jakub Rybacki" userId="71160f026d85cc38" providerId="LiveId" clId="{D14146C1-D3E9-41C3-A190-D8ACEB2FF98E}" dt="2023-10-26T09:28:20.308" v="519" actId="20577"/>
+          <ac:spMkLst>
+            <pc:docMk/>
+            <pc:sldMk cId="3893542826" sldId="276"/>
+            <ac:spMk id="3" creationId="{A080AE80-BF4C-DA79-A680-3105D36562B6}"/>
+          </ac:spMkLst>
+        </pc:spChg>
+        <pc:spChg chg="add">
+          <ac:chgData name="Jakub Rybacki" userId="71160f026d85cc38" providerId="LiveId" clId="{D14146C1-D3E9-41C3-A190-D8ACEB2FF98E}" dt="2023-10-26T09:25:47.822" v="386" actId="26606"/>
+          <ac:spMkLst>
+            <pc:docMk/>
+            <pc:sldMk cId="3893542826" sldId="276"/>
+            <ac:spMk id="9" creationId="{EB6743CF-E74B-4A3C-A785-599069DB89DF}"/>
+          </ac:spMkLst>
+        </pc:spChg>
+        <pc:picChg chg="add del mod ord">
+          <ac:chgData name="Jakub Rybacki" userId="71160f026d85cc38" providerId="LiveId" clId="{D14146C1-D3E9-41C3-A190-D8ACEB2FF98E}" dt="2023-10-26T09:24:46.668" v="236" actId="22"/>
+          <ac:picMkLst>
+            <pc:docMk/>
+            <pc:sldMk cId="3893542826" sldId="276"/>
+            <ac:picMk id="5" creationId="{0B1F724D-D7E6-44F9-21E5-CBC1FD7F216B}"/>
+          </ac:picMkLst>
+        </pc:picChg>
+        <pc:picChg chg="add">
+          <ac:chgData name="Jakub Rybacki" userId="71160f026d85cc38" providerId="LiveId" clId="{D14146C1-D3E9-41C3-A190-D8ACEB2FF98E}" dt="2023-10-26T09:25:47.822" v="386" actId="26606"/>
+          <ac:picMkLst>
+            <pc:docMk/>
+            <pc:sldMk cId="3893542826" sldId="276"/>
+            <ac:picMk id="6" creationId="{5E6C687C-8E0F-9E8F-3146-B77C1AA9F20F}"/>
+          </ac:picMkLst>
+        </pc:picChg>
+      </pc:sldChg>
+      <pc:sldChg chg="addSp delSp modSp new mod setBg addAnim delAnim">
+        <pc:chgData name="Jakub Rybacki" userId="71160f026d85cc38" providerId="LiveId" clId="{D14146C1-D3E9-41C3-A190-D8ACEB2FF98E}" dt="2023-10-26T09:26:41.827" v="437" actId="26606"/>
+        <pc:sldMkLst>
+          <pc:docMk/>
+          <pc:sldMk cId="349356628" sldId="277"/>
+        </pc:sldMkLst>
+        <pc:spChg chg="mod ord">
+          <ac:chgData name="Jakub Rybacki" userId="71160f026d85cc38" providerId="LiveId" clId="{D14146C1-D3E9-41C3-A190-D8ACEB2FF98E}" dt="2023-10-26T09:26:41.827" v="437" actId="26606"/>
+          <ac:spMkLst>
+            <pc:docMk/>
+            <pc:sldMk cId="349356628" sldId="277"/>
+            <ac:spMk id="2" creationId="{14C46AA9-A8D5-F4F3-FC5B-950D5E01792D}"/>
+          </ac:spMkLst>
+        </pc:spChg>
+        <pc:spChg chg="del mod">
+          <ac:chgData name="Jakub Rybacki" userId="71160f026d85cc38" providerId="LiveId" clId="{D14146C1-D3E9-41C3-A190-D8ACEB2FF98E}" dt="2023-10-26T09:26:22.451" v="390" actId="478"/>
+          <ac:spMkLst>
+            <pc:docMk/>
+            <pc:sldMk cId="349356628" sldId="277"/>
+            <ac:spMk id="3" creationId="{3DB3D5CD-C6CD-F293-51B7-0C0551F1D0AD}"/>
+          </ac:spMkLst>
+        </pc:spChg>
+        <pc:spChg chg="add del mod">
+          <ac:chgData name="Jakub Rybacki" userId="71160f026d85cc38" providerId="LiveId" clId="{D14146C1-D3E9-41C3-A190-D8ACEB2FF98E}" dt="2023-10-26T09:26:38.725" v="433" actId="478"/>
+          <ac:spMkLst>
+            <pc:docMk/>
+            <pc:sldMk cId="349356628" sldId="277"/>
+            <ac:spMk id="7" creationId="{9B64EBDE-1948-6351-925F-7227033C676F}"/>
+          </ac:spMkLst>
+        </pc:spChg>
+        <pc:spChg chg="add del">
+          <ac:chgData name="Jakub Rybacki" userId="71160f026d85cc38" providerId="LiveId" clId="{D14146C1-D3E9-41C3-A190-D8ACEB2FF98E}" dt="2023-10-26T09:26:41.823" v="436" actId="26606"/>
+          <ac:spMkLst>
+            <pc:docMk/>
+            <pc:sldMk cId="349356628" sldId="277"/>
+            <ac:spMk id="26" creationId="{66D61E08-70C3-48D8-BEA0-787111DC30DA}"/>
+          </ac:spMkLst>
+        </pc:spChg>
+        <pc:spChg chg="add del">
+          <ac:chgData name="Jakub Rybacki" userId="71160f026d85cc38" providerId="LiveId" clId="{D14146C1-D3E9-41C3-A190-D8ACEB2FF98E}" dt="2023-10-26T09:26:41.823" v="436" actId="26606"/>
+          <ac:spMkLst>
+            <pc:docMk/>
+            <pc:sldMk cId="349356628" sldId="277"/>
+            <ac:spMk id="28" creationId="{FC55298F-0AE5-478E-AD2B-03C2614C5833}"/>
+          </ac:spMkLst>
+        </pc:spChg>
+        <pc:spChg chg="add del">
+          <ac:chgData name="Jakub Rybacki" userId="71160f026d85cc38" providerId="LiveId" clId="{D14146C1-D3E9-41C3-A190-D8ACEB2FF98E}" dt="2023-10-26T09:26:41.823" v="436" actId="26606"/>
+          <ac:spMkLst>
+            <pc:docMk/>
+            <pc:sldMk cId="349356628" sldId="277"/>
+            <ac:spMk id="30" creationId="{C180E4EA-0B63-4779-A895-7E90E71088F3}"/>
+          </ac:spMkLst>
+        </pc:spChg>
+        <pc:spChg chg="add del">
+          <ac:chgData name="Jakub Rybacki" userId="71160f026d85cc38" providerId="LiveId" clId="{D14146C1-D3E9-41C3-A190-D8ACEB2FF98E}" dt="2023-10-26T09:26:41.823" v="436" actId="26606"/>
+          <ac:spMkLst>
+            <pc:docMk/>
+            <pc:sldMk cId="349356628" sldId="277"/>
+            <ac:spMk id="32" creationId="{CEE01D9D-3DE8-4EED-B0D3-8F3C79CC7673}"/>
+          </ac:spMkLst>
+        </pc:spChg>
+        <pc:spChg chg="add del">
+          <ac:chgData name="Jakub Rybacki" userId="71160f026d85cc38" providerId="LiveId" clId="{D14146C1-D3E9-41C3-A190-D8ACEB2FF98E}" dt="2023-10-26T09:26:41.823" v="436" actId="26606"/>
+          <ac:spMkLst>
+            <pc:docMk/>
+            <pc:sldMk cId="349356628" sldId="277"/>
+            <ac:spMk id="34" creationId="{89AF5CE9-607F-43F4-8983-DCD6DA4051FD}"/>
+          </ac:spMkLst>
+        </pc:spChg>
+        <pc:spChg chg="add del">
+          <ac:chgData name="Jakub Rybacki" userId="71160f026d85cc38" providerId="LiveId" clId="{D14146C1-D3E9-41C3-A190-D8ACEB2FF98E}" dt="2023-10-26T09:26:41.823" v="436" actId="26606"/>
+          <ac:spMkLst>
+            <pc:docMk/>
+            <pc:sldMk cId="349356628" sldId="277"/>
+            <ac:spMk id="36" creationId="{6EEA2DBD-9E1E-4521-8C01-F32AD18A89E3}"/>
+          </ac:spMkLst>
+        </pc:spChg>
+        <pc:spChg chg="add del">
+          <ac:chgData name="Jakub Rybacki" userId="71160f026d85cc38" providerId="LiveId" clId="{D14146C1-D3E9-41C3-A190-D8ACEB2FF98E}" dt="2023-10-26T09:26:41.823" v="436" actId="26606"/>
+          <ac:spMkLst>
+            <pc:docMk/>
+            <pc:sldMk cId="349356628" sldId="277"/>
+            <ac:spMk id="38" creationId="{15BBD2C1-BA9B-46A9-A27A-33498B169272}"/>
+          </ac:spMkLst>
+        </pc:spChg>
+        <pc:grpChg chg="add del">
+          <ac:chgData name="Jakub Rybacki" userId="71160f026d85cc38" providerId="LiveId" clId="{D14146C1-D3E9-41C3-A190-D8ACEB2FF98E}" dt="2023-10-26T09:26:41.823" v="436" actId="26606"/>
+          <ac:grpSpMkLst>
+            <pc:docMk/>
+            <pc:sldMk cId="349356628" sldId="277"/>
+            <ac:grpSpMk id="10" creationId="{88C9B83F-64CD-41C1-925F-A08801FFD0BD}"/>
+          </ac:grpSpMkLst>
+        </pc:grpChg>
+        <pc:grpChg chg="add">
+          <ac:chgData name="Jakub Rybacki" userId="71160f026d85cc38" providerId="LiveId" clId="{D14146C1-D3E9-41C3-A190-D8ACEB2FF98E}" dt="2023-10-26T09:26:41.827" v="437" actId="26606"/>
+          <ac:grpSpMkLst>
+            <pc:docMk/>
+            <pc:sldMk cId="349356628" sldId="277"/>
+            <ac:grpSpMk id="40" creationId="{B4DE830A-B531-4A3B-96F6-0ECE88B08555}"/>
+          </ac:grpSpMkLst>
+        </pc:grpChg>
+        <pc:picChg chg="add mod">
+          <ac:chgData name="Jakub Rybacki" userId="71160f026d85cc38" providerId="LiveId" clId="{D14146C1-D3E9-41C3-A190-D8ACEB2FF98E}" dt="2023-10-26T09:26:41.827" v="437" actId="26606"/>
+          <ac:picMkLst>
+            <pc:docMk/>
+            <pc:sldMk cId="349356628" sldId="277"/>
+            <ac:picMk id="5" creationId="{36D4A7F1-B3CD-A0C9-87E0-750B590A27DF}"/>
+          </ac:picMkLst>
+        </pc:picChg>
+        <pc:cxnChg chg="add del">
+          <ac:chgData name="Jakub Rybacki" userId="71160f026d85cc38" providerId="LiveId" clId="{D14146C1-D3E9-41C3-A190-D8ACEB2FF98E}" dt="2023-10-26T09:26:41.823" v="436" actId="26606"/>
+          <ac:cxnSpMkLst>
+            <pc:docMk/>
+            <pc:sldMk cId="349356628" sldId="277"/>
+            <ac:cxnSpMk id="22" creationId="{A57C1A16-B8AB-4D99-A195-A38F556A6486}"/>
+          </ac:cxnSpMkLst>
+        </pc:cxnChg>
+        <pc:cxnChg chg="add del">
+          <ac:chgData name="Jakub Rybacki" userId="71160f026d85cc38" providerId="LiveId" clId="{D14146C1-D3E9-41C3-A190-D8ACEB2FF98E}" dt="2023-10-26T09:26:41.823" v="436" actId="26606"/>
+          <ac:cxnSpMkLst>
+            <pc:docMk/>
+            <pc:sldMk cId="349356628" sldId="277"/>
+            <ac:cxnSpMk id="24" creationId="{F8A9B20B-D1DD-4573-B5EC-558029519236}"/>
+          </ac:cxnSpMkLst>
+        </pc:cxnChg>
+      </pc:sldChg>
+      <pc:sldChg chg="addSp delSp modSp new mod ord modClrScheme chgLayout">
+        <pc:chgData name="Jakub Rybacki" userId="71160f026d85cc38" providerId="LiveId" clId="{D14146C1-D3E9-41C3-A190-D8ACEB2FF98E}" dt="2023-10-26T09:33:00.170" v="578" actId="20577"/>
+        <pc:sldMkLst>
+          <pc:docMk/>
+          <pc:sldMk cId="3058074269" sldId="278"/>
+        </pc:sldMkLst>
+        <pc:spChg chg="del mod ord">
+          <ac:chgData name="Jakub Rybacki" userId="71160f026d85cc38" providerId="LiveId" clId="{D14146C1-D3E9-41C3-A190-D8ACEB2FF98E}" dt="2023-10-26T09:32:51.004" v="544" actId="700"/>
+          <ac:spMkLst>
+            <pc:docMk/>
+            <pc:sldMk cId="3058074269" sldId="278"/>
+            <ac:spMk id="2" creationId="{82D3C747-D440-6C63-DE10-AA5D7948DF68}"/>
+          </ac:spMkLst>
+        </pc:spChg>
+        <pc:spChg chg="del mod ord">
+          <ac:chgData name="Jakub Rybacki" userId="71160f026d85cc38" providerId="LiveId" clId="{D14146C1-D3E9-41C3-A190-D8ACEB2FF98E}" dt="2023-10-26T09:32:51.004" v="544" actId="700"/>
+          <ac:spMkLst>
+            <pc:docMk/>
+            <pc:sldMk cId="3058074269" sldId="278"/>
+            <ac:spMk id="3" creationId="{EE953434-6E81-9F31-D524-EC70D1D29302}"/>
+          </ac:spMkLst>
+        </pc:spChg>
+        <pc:spChg chg="add mod ord">
+          <ac:chgData name="Jakub Rybacki" userId="71160f026d85cc38" providerId="LiveId" clId="{D14146C1-D3E9-41C3-A190-D8ACEB2FF98E}" dt="2023-10-26T09:32:55.116" v="560" actId="20577"/>
+          <ac:spMkLst>
+            <pc:docMk/>
+            <pc:sldMk cId="3058074269" sldId="278"/>
+            <ac:spMk id="4" creationId="{D8CC372E-242C-C86E-6B49-4E0664214B27}"/>
+          </ac:spMkLst>
+        </pc:spChg>
+        <pc:spChg chg="add mod ord">
+          <ac:chgData name="Jakub Rybacki" userId="71160f026d85cc38" providerId="LiveId" clId="{D14146C1-D3E9-41C3-A190-D8ACEB2FF98E}" dt="2023-10-26T09:33:00.170" v="578" actId="20577"/>
+          <ac:spMkLst>
+            <pc:docMk/>
+            <pc:sldMk cId="3058074269" sldId="278"/>
+            <ac:spMk id="5" creationId="{B708BFE6-A235-4CFC-4D46-BBBD5ACD57A9}"/>
+          </ac:spMkLst>
+        </pc:spChg>
+      </pc:sldChg>
+      <pc:sldChg chg="modSp new del mod">
+        <pc:chgData name="Jakub Rybacki" userId="71160f026d85cc38" providerId="LiveId" clId="{D14146C1-D3E9-41C3-A190-D8ACEB2FF98E}" dt="2023-10-26T09:29:16.183" v="536" actId="2696"/>
+        <pc:sldMkLst>
+          <pc:docMk/>
+          <pc:sldMk cId="3441642229" sldId="278"/>
+        </pc:sldMkLst>
+        <pc:spChg chg="mod">
+          <ac:chgData name="Jakub Rybacki" userId="71160f026d85cc38" providerId="LiveId" clId="{D14146C1-D3E9-41C3-A190-D8ACEB2FF98E}" dt="2023-10-26T09:29:10.816" v="535" actId="20577"/>
+          <ac:spMkLst>
+            <pc:docMk/>
+            <pc:sldMk cId="3441642229" sldId="278"/>
+            <ac:spMk id="2" creationId="{0CE1AFD4-701E-B6B2-14F0-F83124B896E0}"/>
+          </ac:spMkLst>
+        </pc:spChg>
+      </pc:sldChg>
+      <pc:sldChg chg="addSp delSp modSp new mod ord modClrScheme chgLayout">
+        <pc:chgData name="Jakub Rybacki" userId="71160f026d85cc38" providerId="LiveId" clId="{D14146C1-D3E9-41C3-A190-D8ACEB2FF98E}" dt="2023-10-26T09:34:01.681" v="708" actId="20577"/>
+        <pc:sldMkLst>
+          <pc:docMk/>
+          <pc:sldMk cId="2860442970" sldId="279"/>
+        </pc:sldMkLst>
+        <pc:spChg chg="del mod ord">
+          <ac:chgData name="Jakub Rybacki" userId="71160f026d85cc38" providerId="LiveId" clId="{D14146C1-D3E9-41C3-A190-D8ACEB2FF98E}" dt="2023-10-26T09:33:11.729" v="582" actId="700"/>
+          <ac:spMkLst>
+            <pc:docMk/>
+            <pc:sldMk cId="2860442970" sldId="279"/>
+            <ac:spMk id="2" creationId="{60F64C2C-848B-D491-FA72-D5EA7124171F}"/>
+          </ac:spMkLst>
+        </pc:spChg>
+        <pc:spChg chg="del mod ord">
+          <ac:chgData name="Jakub Rybacki" userId="71160f026d85cc38" providerId="LiveId" clId="{D14146C1-D3E9-41C3-A190-D8ACEB2FF98E}" dt="2023-10-26T09:33:11.729" v="582" actId="700"/>
+          <ac:spMkLst>
+            <pc:docMk/>
+            <pc:sldMk cId="2860442970" sldId="279"/>
+            <ac:spMk id="3" creationId="{090B3132-3A73-AD86-5B0C-0BBC0DA55CF6}"/>
+          </ac:spMkLst>
+        </pc:spChg>
+        <pc:spChg chg="add mod ord">
+          <ac:chgData name="Jakub Rybacki" userId="71160f026d85cc38" providerId="LiveId" clId="{D14146C1-D3E9-41C3-A190-D8ACEB2FF98E}" dt="2023-10-26T09:33:18.346" v="608" actId="20577"/>
+          <ac:spMkLst>
+            <pc:docMk/>
+            <pc:sldMk cId="2860442970" sldId="279"/>
+            <ac:spMk id="4" creationId="{6AF5A1FE-B48A-8B39-3762-98D0046BF9DD}"/>
+          </ac:spMkLst>
+        </pc:spChg>
+        <pc:spChg chg="add mod ord">
+          <ac:chgData name="Jakub Rybacki" userId="71160f026d85cc38" providerId="LiveId" clId="{D14146C1-D3E9-41C3-A190-D8ACEB2FF98E}" dt="2023-10-26T09:34:01.681" v="708" actId="20577"/>
+          <ac:spMkLst>
+            <pc:docMk/>
+            <pc:sldMk cId="2860442970" sldId="279"/>
+            <ac:spMk id="5" creationId="{06DA0D0C-8966-E0AF-8DCE-A8462159267F}"/>
+          </ac:spMkLst>
+        </pc:spChg>
+      </pc:sldChg>
+      <pc:sldChg chg="addSp delSp modSp new mod ord modClrScheme chgLayout">
+        <pc:chgData name="Jakub Rybacki" userId="71160f026d85cc38" providerId="LiveId" clId="{D14146C1-D3E9-41C3-A190-D8ACEB2FF98E}" dt="2023-10-26T09:33:37.619" v="646" actId="20577"/>
+        <pc:sldMkLst>
+          <pc:docMk/>
+          <pc:sldMk cId="159773631" sldId="280"/>
+        </pc:sldMkLst>
+        <pc:spChg chg="del mod ord">
+          <ac:chgData name="Jakub Rybacki" userId="71160f026d85cc38" providerId="LiveId" clId="{D14146C1-D3E9-41C3-A190-D8ACEB2FF98E}" dt="2023-10-26T09:33:30.967" v="612" actId="700"/>
+          <ac:spMkLst>
+            <pc:docMk/>
+            <pc:sldMk cId="159773631" sldId="280"/>
+            <ac:spMk id="2" creationId="{4FF27DAF-9866-CDBB-0A1A-57B1DF480012}"/>
+          </ac:spMkLst>
+        </pc:spChg>
+        <pc:spChg chg="del mod ord">
+          <ac:chgData name="Jakub Rybacki" userId="71160f026d85cc38" providerId="LiveId" clId="{D14146C1-D3E9-41C3-A190-D8ACEB2FF98E}" dt="2023-10-26T09:33:30.967" v="612" actId="700"/>
+          <ac:spMkLst>
+            <pc:docMk/>
+            <pc:sldMk cId="159773631" sldId="280"/>
+            <ac:spMk id="3" creationId="{A38ED127-E3C8-8F15-3092-D63C518E379A}"/>
+          </ac:spMkLst>
+        </pc:spChg>
+        <pc:spChg chg="add mod ord">
+          <ac:chgData name="Jakub Rybacki" userId="71160f026d85cc38" providerId="LiveId" clId="{D14146C1-D3E9-41C3-A190-D8ACEB2FF98E}" dt="2023-10-26T09:33:37.619" v="646" actId="20577"/>
+          <ac:spMkLst>
+            <pc:docMk/>
+            <pc:sldMk cId="159773631" sldId="280"/>
+            <ac:spMk id="4" creationId="{0AB1EFDB-A4E4-008C-C2BA-803BB3342EAB}"/>
+          </ac:spMkLst>
+        </pc:spChg>
+        <pc:spChg chg="add mod ord">
+          <ac:chgData name="Jakub Rybacki" userId="71160f026d85cc38" providerId="LiveId" clId="{D14146C1-D3E9-41C3-A190-D8ACEB2FF98E}" dt="2023-10-26T09:33:30.967" v="612" actId="700"/>
+          <ac:spMkLst>
+            <pc:docMk/>
+            <pc:sldMk cId="159773631" sldId="280"/>
+            <ac:spMk id="5" creationId="{A6076B7A-2BDE-8D5F-AC96-505284790FFE}"/>
           </ac:spMkLst>
         </pc:spChg>
       </pc:sldChg>
@@ -5948,7 +6328,7 @@
           <a:p>
             <a:fld id="{F84A2FAC-0A60-44F1-B7B6-7ACD2CC0FFCE}" type="datetimeFigureOut">
               <a:rPr lang="en-GB" smtClean="0"/>
-              <a:t>19/10/2023</a:t>
+              <a:t>26/10/2023</a:t>
             </a:fld>
             <a:endParaRPr lang="en-GB"/>
           </a:p>
@@ -6199,7 +6579,7 @@
           <a:p>
             <a:fld id="{F84A2FAC-0A60-44F1-B7B6-7ACD2CC0FFCE}" type="datetimeFigureOut">
               <a:rPr lang="en-GB" smtClean="0"/>
-              <a:t>19/10/2023</a:t>
+              <a:t>26/10/2023</a:t>
             </a:fld>
             <a:endParaRPr lang="en-GB"/>
           </a:p>
@@ -6513,7 +6893,7 @@
           <a:p>
             <a:fld id="{F84A2FAC-0A60-44F1-B7B6-7ACD2CC0FFCE}" type="datetimeFigureOut">
               <a:rPr lang="en-GB" smtClean="0"/>
-              <a:t>19/10/2023</a:t>
+              <a:t>26/10/2023</a:t>
             </a:fld>
             <a:endParaRPr lang="en-GB"/>
           </a:p>
@@ -6854,7 +7234,7 @@
           <a:p>
             <a:fld id="{F84A2FAC-0A60-44F1-B7B6-7ACD2CC0FFCE}" type="datetimeFigureOut">
               <a:rPr lang="en-GB" smtClean="0"/>
-              <a:t>19/10/2023</a:t>
+              <a:t>26/10/2023</a:t>
             </a:fld>
             <a:endParaRPr lang="en-GB"/>
           </a:p>
@@ -7168,7 +7548,7 @@
           <a:p>
             <a:fld id="{F84A2FAC-0A60-44F1-B7B6-7ACD2CC0FFCE}" type="datetimeFigureOut">
               <a:rPr lang="en-GB" smtClean="0"/>
-              <a:t>19/10/2023</a:t>
+              <a:t>26/10/2023</a:t>
             </a:fld>
             <a:endParaRPr lang="en-GB"/>
           </a:p>
@@ -7561,7 +7941,7 @@
           <a:p>
             <a:fld id="{F84A2FAC-0A60-44F1-B7B6-7ACD2CC0FFCE}" type="datetimeFigureOut">
               <a:rPr lang="en-GB" smtClean="0"/>
-              <a:t>19/10/2023</a:t>
+              <a:t>26/10/2023</a:t>
             </a:fld>
             <a:endParaRPr lang="en-GB"/>
           </a:p>
@@ -7731,7 +8111,7 @@
           <a:p>
             <a:fld id="{F84A2FAC-0A60-44F1-B7B6-7ACD2CC0FFCE}" type="datetimeFigureOut">
               <a:rPr lang="en-GB" smtClean="0"/>
-              <a:t>19/10/2023</a:t>
+              <a:t>26/10/2023</a:t>
             </a:fld>
             <a:endParaRPr lang="en-GB"/>
           </a:p>
@@ -7911,7 +8291,7 @@
           <a:p>
             <a:fld id="{F84A2FAC-0A60-44F1-B7B6-7ACD2CC0FFCE}" type="datetimeFigureOut">
               <a:rPr lang="en-GB" smtClean="0"/>
-              <a:t>19/10/2023</a:t>
+              <a:t>26/10/2023</a:t>
             </a:fld>
             <a:endParaRPr lang="en-GB"/>
           </a:p>
@@ -8087,7 +8467,7 @@
           <a:p>
             <a:fld id="{F84A2FAC-0A60-44F1-B7B6-7ACD2CC0FFCE}" type="datetimeFigureOut">
               <a:rPr lang="en-GB" smtClean="0"/>
-              <a:t>19/10/2023</a:t>
+              <a:t>26/10/2023</a:t>
             </a:fld>
             <a:endParaRPr lang="en-GB"/>
           </a:p>
@@ -8334,7 +8714,7 @@
           <a:p>
             <a:fld id="{F84A2FAC-0A60-44F1-B7B6-7ACD2CC0FFCE}" type="datetimeFigureOut">
               <a:rPr lang="en-GB" smtClean="0"/>
-              <a:t>19/10/2023</a:t>
+              <a:t>26/10/2023</a:t>
             </a:fld>
             <a:endParaRPr lang="en-GB"/>
           </a:p>
@@ -8566,7 +8946,7 @@
           <a:p>
             <a:fld id="{F84A2FAC-0A60-44F1-B7B6-7ACD2CC0FFCE}" type="datetimeFigureOut">
               <a:rPr lang="en-GB" smtClean="0"/>
-              <a:t>19/10/2023</a:t>
+              <a:t>26/10/2023</a:t>
             </a:fld>
             <a:endParaRPr lang="en-GB"/>
           </a:p>
@@ -8940,7 +9320,7 @@
           <a:p>
             <a:fld id="{F84A2FAC-0A60-44F1-B7B6-7ACD2CC0FFCE}" type="datetimeFigureOut">
               <a:rPr lang="en-GB" smtClean="0"/>
-              <a:t>19/10/2023</a:t>
+              <a:t>26/10/2023</a:t>
             </a:fld>
             <a:endParaRPr lang="en-GB"/>
           </a:p>
@@ -9063,7 +9443,7 @@
           <a:p>
             <a:fld id="{F84A2FAC-0A60-44F1-B7B6-7ACD2CC0FFCE}" type="datetimeFigureOut">
               <a:rPr lang="en-GB" smtClean="0"/>
-              <a:t>19/10/2023</a:t>
+              <a:t>26/10/2023</a:t>
             </a:fld>
             <a:endParaRPr lang="en-GB"/>
           </a:p>
@@ -9158,7 +9538,7 @@
           <a:p>
             <a:fld id="{F84A2FAC-0A60-44F1-B7B6-7ACD2CC0FFCE}" type="datetimeFigureOut">
               <a:rPr lang="en-GB" smtClean="0"/>
-              <a:t>19/10/2023</a:t>
+              <a:t>26/10/2023</a:t>
             </a:fld>
             <a:endParaRPr lang="en-GB"/>
           </a:p>
@@ -9413,7 +9793,7 @@
           <a:p>
             <a:fld id="{F84A2FAC-0A60-44F1-B7B6-7ACD2CC0FFCE}" type="datetimeFigureOut">
               <a:rPr lang="en-GB" smtClean="0"/>
-              <a:t>19/10/2023</a:t>
+              <a:t>26/10/2023</a:t>
             </a:fld>
             <a:endParaRPr lang="en-GB"/>
           </a:p>
@@ -9676,7 +10056,7 @@
           <a:p>
             <a:fld id="{F84A2FAC-0A60-44F1-B7B6-7ACD2CC0FFCE}" type="datetimeFigureOut">
               <a:rPr lang="en-GB" smtClean="0"/>
-              <a:t>19/10/2023</a:t>
+              <a:t>26/10/2023</a:t>
             </a:fld>
             <a:endParaRPr lang="en-GB"/>
           </a:p>
@@ -10419,7 +10799,7 @@
           <a:p>
             <a:fld id="{F84A2FAC-0A60-44F1-B7B6-7ACD2CC0FFCE}" type="datetimeFigureOut">
               <a:rPr lang="en-GB" smtClean="0"/>
-              <a:t>19/10/2023</a:t>
+              <a:t>26/10/2023</a:t>
             </a:fld>
             <a:endParaRPr lang="en-GB"/>
           </a:p>
@@ -11043,6 +11423,66 @@
           <a:chExt cx="0" cy="0"/>
         </a:xfrm>
       </p:grpSpPr>
+      <p:sp useBgFill="1">
+        <p:nvSpPr>
+          <p:cNvPr id="8" name="Rectangle 7">
+            <a:extLst>
+              <a:ext uri="{FF2B5EF4-FFF2-40B4-BE49-F238E27FC236}">
+                <a16:creationId xmlns:a16="http://schemas.microsoft.com/office/drawing/2014/main" id="{603AE127-802C-459A-A612-DB85B67F0DC0}"/>
+              </a:ext>
+              <a:ext uri="{C183D7F6-B498-43B3-948B-1728B52AA6E4}">
+                <adec:decorative xmlns:adec="http://schemas.microsoft.com/office/drawing/2017/decorative" val="1"/>
+              </a:ext>
+            </a:extLst>
+          </p:cNvPr>
+          <p:cNvSpPr>
+            <a:spLocks noGrp="1" noRot="1" noChangeAspect="1" noMove="1" noResize="1" noEditPoints="1" noAdjustHandles="1" noChangeArrowheads="1" noChangeShapeType="1" noTextEdit="1"/>
+          </p:cNvSpPr>
+          <p:nvPr>
+            <p:extLst>
+              <p:ext uri="{386F3935-93C4-4BCD-93E2-E3B085C9AB24}">
+                <p16:designElem xmlns:p16="http://schemas.microsoft.com/office/powerpoint/2015/main" val="1"/>
+              </p:ext>
+            </p:extLst>
+          </p:nvPr>
+        </p:nvSpPr>
+        <p:spPr>
+          <a:xfrm>
+            <a:off x="0" y="0"/>
+            <a:ext cx="12192000" cy="6858000"/>
+          </a:xfrm>
+          <a:prstGeom prst="rect">
+            <a:avLst/>
+          </a:prstGeom>
+          <a:ln>
+            <a:noFill/>
+          </a:ln>
+        </p:spPr>
+        <p:style>
+          <a:lnRef idx="2">
+            <a:schemeClr val="accent1">
+              <a:shade val="50000"/>
+            </a:schemeClr>
+          </a:lnRef>
+          <a:fillRef idx="1">
+            <a:schemeClr val="accent1"/>
+          </a:fillRef>
+          <a:effectRef idx="0">
+            <a:schemeClr val="accent1"/>
+          </a:effectRef>
+          <a:fontRef idx="minor">
+            <a:schemeClr val="lt1"/>
+          </a:fontRef>
+        </p:style>
+        <p:txBody>
+          <a:bodyPr rtlCol="0" anchor="ctr"/>
+          <a:lstStyle/>
+          <a:p>
+            <a:pPr algn="ctr"/>
+            <a:endParaRPr lang="en-US"/>
+          </a:p>
+        </p:txBody>
+      </p:sp>
       <p:sp>
         <p:nvSpPr>
           <p:cNvPr id="2" name="Title 1">
@@ -11061,174 +11501,30 @@
         </p:nvSpPr>
         <p:spPr>
           <a:xfrm>
-            <a:off x="5536734" y="644106"/>
-            <a:ext cx="3737268" cy="1320800"/>
+            <a:off x="1043950" y="1179151"/>
+            <a:ext cx="3300646" cy="4463889"/>
           </a:xfrm>
         </p:spPr>
         <p:txBody>
-          <a:bodyPr>
+          <a:bodyPr anchor="ctr">
             <a:normAutofit/>
           </a:bodyPr>
           <a:lstStyle/>
           <a:p>
             <a:r>
-              <a:rPr lang="pl-PL" dirty="0"/>
-              <a:t>Systemy API</a:t>
-            </a:r>
-            <a:endParaRPr lang="en-GB" dirty="0"/>
+              <a:rPr lang="pl-PL" sz="3300"/>
+              <a:t>Pobieranie danych z interaktywnych wykresów</a:t>
+            </a:r>
+            <a:endParaRPr lang="en-GB" sz="3300"/>
           </a:p>
         </p:txBody>
       </p:sp>
       <p:sp>
         <p:nvSpPr>
-          <p:cNvPr id="3" name="Content Placeholder 2">
+          <p:cNvPr id="10" name="Isosceles Triangle 9">
             <a:extLst>
               <a:ext uri="{FF2B5EF4-FFF2-40B4-BE49-F238E27FC236}">
-                <a16:creationId xmlns:a16="http://schemas.microsoft.com/office/drawing/2014/main" id="{1E5946FF-4DF7-195E-8FE0-20362BCE7EB8}"/>
-              </a:ext>
-            </a:extLst>
-          </p:cNvPr>
-          <p:cNvSpPr>
-            <a:spLocks noGrp="1"/>
-          </p:cNvSpPr>
-          <p:nvPr>
-            <p:ph idx="1"/>
-          </p:nvPr>
-        </p:nvSpPr>
-        <p:spPr>
-          <a:xfrm>
-            <a:off x="5209563" y="2160589"/>
-            <a:ext cx="4064439" cy="3880773"/>
-          </a:xfrm>
-        </p:spPr>
-        <p:txBody>
-          <a:bodyPr>
-            <a:normAutofit lnSpcReduction="10000"/>
-          </a:bodyPr>
-          <a:lstStyle/>
-          <a:p>
-            <a:r>
-              <a:rPr lang="pl-PL" dirty="0"/>
-              <a:t>API – ang. Application Programming Interface</a:t>
-            </a:r>
-          </a:p>
-          <a:p>
-            <a:pPr lvl="1"/>
-            <a:r>
-              <a:rPr lang="pl-PL" dirty="0"/>
-              <a:t>Dostęp do danych z różnych baz w postaci właściwego linku do strony</a:t>
-            </a:r>
-          </a:p>
-          <a:p>
-            <a:pPr lvl="1"/>
-            <a:endParaRPr lang="pl-PL" dirty="0"/>
-          </a:p>
-          <a:p>
-            <a:r>
-              <a:rPr lang="pl-PL" dirty="0"/>
-              <a:t>Jak korzystać: </a:t>
-            </a:r>
-          </a:p>
-          <a:p>
-            <a:pPr lvl="1"/>
-            <a:r>
-              <a:rPr lang="pl-PL" dirty="0"/>
-              <a:t>Excel – Power Query – zakładka dane.</a:t>
-            </a:r>
-          </a:p>
-          <a:p>
-            <a:pPr lvl="1"/>
-            <a:r>
-              <a:rPr lang="pl-PL" dirty="0"/>
-              <a:t>Programistycznie np. </a:t>
-            </a:r>
-            <a:r>
-              <a:rPr lang="pl-PL" dirty="0" err="1"/>
-              <a:t>Python</a:t>
-            </a:r>
-            <a:endParaRPr lang="pl-PL" dirty="0"/>
-          </a:p>
-          <a:p>
-            <a:pPr lvl="1"/>
-            <a:endParaRPr lang="pl-PL" dirty="0"/>
-          </a:p>
-          <a:p>
-            <a:r>
-              <a:rPr lang="pl-PL" dirty="0"/>
-              <a:t>Przykład: Kursy walutowe w </a:t>
-            </a:r>
-            <a:r>
-              <a:rPr lang="pl-PL" dirty="0">
-                <a:hlinkClick r:id="rId2"/>
-              </a:rPr>
-              <a:t>NBP</a:t>
-            </a:r>
-            <a:endParaRPr lang="pl-PL" dirty="0"/>
-          </a:p>
-        </p:txBody>
-      </p:sp>
-      <p:pic>
-        <p:nvPicPr>
-          <p:cNvPr id="5" name="Picture 4" descr="Skrypt komputerowy na ekranie">
-            <a:extLst>
-              <a:ext uri="{FF2B5EF4-FFF2-40B4-BE49-F238E27FC236}">
-                <a16:creationId xmlns:a16="http://schemas.microsoft.com/office/drawing/2014/main" id="{10B1F2B9-3936-2B18-E5EF-FBEE14220D33}"/>
-              </a:ext>
-            </a:extLst>
-          </p:cNvPr>
-          <p:cNvPicPr>
-            <a:picLocks noChangeAspect="1"/>
-          </p:cNvPicPr>
-          <p:nvPr/>
-        </p:nvPicPr>
-        <p:blipFill rotWithShape="1">
-          <a:blip r:embed="rId3"/>
-          <a:srcRect l="3859" r="43631" b="-2"/>
-          <a:stretch/>
-        </p:blipFill>
-        <p:spPr>
-          <a:xfrm>
-            <a:off x="20" y="-1"/>
-            <a:ext cx="5394940" cy="6858001"/>
-          </a:xfrm>
-          <a:custGeom>
-            <a:avLst/>
-            <a:gdLst/>
-            <a:ahLst/>
-            <a:cxnLst/>
-            <a:rect l="l" t="t" r="r" b="b"/>
-            <a:pathLst>
-              <a:path w="5394960" h="6858000">
-                <a:moveTo>
-                  <a:pt x="842596" y="0"/>
-                </a:moveTo>
-                <a:lnTo>
-                  <a:pt x="5394960" y="0"/>
-                </a:lnTo>
-                <a:lnTo>
-                  <a:pt x="5394960" y="21851"/>
-                </a:lnTo>
-                <a:lnTo>
-                  <a:pt x="4365943" y="6858000"/>
-                </a:lnTo>
-                <a:lnTo>
-                  <a:pt x="0" y="6858000"/>
-                </a:lnTo>
-                <a:lnTo>
-                  <a:pt x="0" y="5666154"/>
-                </a:lnTo>
-                <a:close/>
-              </a:path>
-            </a:pathLst>
-          </a:custGeom>
-        </p:spPr>
-      </p:pic>
-      <p:sp>
-        <p:nvSpPr>
-          <p:cNvPr id="9" name="Isosceles Triangle 8">
-            <a:extLst>
-              <a:ext uri="{FF2B5EF4-FFF2-40B4-BE49-F238E27FC236}">
-                <a16:creationId xmlns:a16="http://schemas.microsoft.com/office/drawing/2014/main" id="{3BCB5F6A-9EB0-40B0-9D13-3023E9A20508}"/>
+                <a16:creationId xmlns:a16="http://schemas.microsoft.com/office/drawing/2014/main" id="{9323D83D-50D6-4040-A58B-FCEA340F886A}"/>
               </a:ext>
               <a:ext uri="{C183D7F6-B498-43B3-948B-1728B52AA6E4}">
                 <adec:decorative xmlns:adec="http://schemas.microsoft.com/office/drawing/2017/decorative" val="1"/>
@@ -11247,13 +11543,13 @@
           </p:nvPr>
         </p:nvSpPr>
         <p:spPr>
-          <a:xfrm rot="10800000">
-            <a:off x="0" y="0"/>
-            <a:ext cx="842596" cy="5666154"/>
+          <a:xfrm>
+            <a:off x="0" y="4013200"/>
+            <a:ext cx="448733" cy="2844800"/>
           </a:xfrm>
           <a:prstGeom prst="triangle">
             <a:avLst>
-              <a:gd name="adj" fmla="val 100000"/>
+              <a:gd name="adj" fmla="val 0"/>
             </a:avLst>
           </a:prstGeom>
           <a:solidFill>
@@ -11286,10 +11582,231 @@
           </a:p>
         </p:txBody>
       </p:sp>
+      <p:cxnSp>
+        <p:nvCxnSpPr>
+          <p:cNvPr id="12" name="Straight Connector 11">
+            <a:extLst>
+              <a:ext uri="{FF2B5EF4-FFF2-40B4-BE49-F238E27FC236}">
+                <a16:creationId xmlns:a16="http://schemas.microsoft.com/office/drawing/2014/main" id="{1A1FE6BB-DFB2-4080-9B5E-076EF5DDE67B}"/>
+              </a:ext>
+              <a:ext uri="{C183D7F6-B498-43B3-948B-1728B52AA6E4}">
+                <adec:decorative xmlns:adec="http://schemas.microsoft.com/office/drawing/2017/decorative" val="1"/>
+              </a:ext>
+            </a:extLst>
+          </p:cNvPr>
+          <p:cNvCxnSpPr>
+            <a:cxnSpLocks noGrp="1" noRot="1" noChangeAspect="1" noMove="1" noResize="1" noEditPoints="1" noAdjustHandles="1" noChangeArrowheads="1" noChangeShapeType="1"/>
+          </p:cNvCxnSpPr>
+          <p:nvPr>
+            <p:extLst>
+              <p:ext uri="{386F3935-93C4-4BCD-93E2-E3B085C9AB24}">
+                <p16:designElem xmlns:p16="http://schemas.microsoft.com/office/powerpoint/2015/main" val="1"/>
+              </p:ext>
+            </p:extLst>
+          </p:nvPr>
+        </p:nvCxnSpPr>
+        <p:spPr>
+          <a:xfrm>
+            <a:off x="4656670" y="1442595"/>
+            <a:ext cx="0" cy="3937000"/>
+          </a:xfrm>
+          <a:prstGeom prst="line">
+            <a:avLst/>
+          </a:prstGeom>
+        </p:spPr>
+        <p:style>
+          <a:lnRef idx="1">
+            <a:schemeClr val="accent1"/>
+          </a:lnRef>
+          <a:fillRef idx="0">
+            <a:schemeClr val="accent1"/>
+          </a:fillRef>
+          <a:effectRef idx="0">
+            <a:schemeClr val="accent1"/>
+          </a:effectRef>
+          <a:fontRef idx="minor">
+            <a:schemeClr val="tx1"/>
+          </a:fontRef>
+        </p:style>
+      </p:cxnSp>
+      <p:sp>
+        <p:nvSpPr>
+          <p:cNvPr id="3" name="Content Placeholder 2">
+            <a:extLst>
+              <a:ext uri="{FF2B5EF4-FFF2-40B4-BE49-F238E27FC236}">
+                <a16:creationId xmlns:a16="http://schemas.microsoft.com/office/drawing/2014/main" id="{1E5946FF-4DF7-195E-8FE0-20362BCE7EB8}"/>
+              </a:ext>
+            </a:extLst>
+          </p:cNvPr>
+          <p:cNvSpPr>
+            <a:spLocks noGrp="1"/>
+          </p:cNvSpPr>
+          <p:nvPr>
+            <p:ph idx="1"/>
+          </p:nvPr>
+        </p:nvSpPr>
+        <p:spPr>
+          <a:xfrm>
+            <a:off x="4978918" y="1109145"/>
+            <a:ext cx="6341016" cy="4603900"/>
+          </a:xfrm>
+        </p:spPr>
+        <p:txBody>
+          <a:bodyPr anchor="ctr">
+            <a:normAutofit/>
+          </a:bodyPr>
+          <a:lstStyle/>
+          <a:p>
+            <a:r>
+              <a:rPr lang="pl-PL" dirty="0"/>
+              <a:t>Przeglądarki pozwalają na modyfikowanie treści stron:</a:t>
+            </a:r>
+          </a:p>
+          <a:p>
+            <a:pPr lvl="1"/>
+            <a:r>
+              <a:rPr lang="pl-PL" dirty="0"/>
+              <a:t>Uruchomienie: Prawy przycisk myszy – Zbadaj</a:t>
+            </a:r>
+          </a:p>
+          <a:p>
+            <a:pPr lvl="1"/>
+            <a:r>
+              <a:rPr lang="pl-PL" dirty="0"/>
+              <a:t>Ważne karty: </a:t>
+            </a:r>
+          </a:p>
+          <a:p>
+            <a:pPr lvl="2"/>
+            <a:r>
+              <a:rPr lang="pl-PL" dirty="0" err="1"/>
+              <a:t>Elements</a:t>
+            </a:r>
+            <a:r>
+              <a:rPr lang="pl-PL" dirty="0"/>
+              <a:t> – gotowy kod HTML strony</a:t>
+            </a:r>
+          </a:p>
+          <a:p>
+            <a:pPr lvl="2"/>
+            <a:r>
+              <a:rPr lang="pl-PL" dirty="0"/>
+              <a:t>Network – informacje jakie pliki są pobierane przez strony</a:t>
+            </a:r>
+          </a:p>
+          <a:p>
+            <a:pPr lvl="2"/>
+            <a:endParaRPr lang="pl-PL" dirty="0"/>
+          </a:p>
+          <a:p>
+            <a:r>
+              <a:rPr lang="pl-PL" dirty="0"/>
+              <a:t>Przykłady - Wydatki kartowe – </a:t>
+            </a:r>
+            <a:r>
+              <a:rPr lang="pl-PL" dirty="0">
+                <a:hlinkClick r:id="rId2"/>
+              </a:rPr>
+              <a:t>Indeks Konsumpcji</a:t>
+            </a:r>
+            <a:endParaRPr lang="pl-PL" dirty="0"/>
+          </a:p>
+          <a:p>
+            <a:pPr lvl="1"/>
+            <a:endParaRPr lang="pl-PL" dirty="0"/>
+          </a:p>
+          <a:p>
+            <a:r>
+              <a:rPr lang="pl-PL" dirty="0"/>
+              <a:t>Czasami dane z wykresów są zakodowane np. </a:t>
+            </a:r>
+            <a:r>
+              <a:rPr lang="pl-PL" dirty="0" err="1">
+                <a:hlinkClick r:id="rId3"/>
+              </a:rPr>
+              <a:t>transfermarkt</a:t>
+            </a:r>
+            <a:endParaRPr lang="pl-PL" dirty="0"/>
+          </a:p>
+          <a:p>
+            <a:pPr marL="0" indent="0">
+              <a:buNone/>
+            </a:pPr>
+            <a:endParaRPr lang="pl-PL" dirty="0"/>
+          </a:p>
+          <a:p>
+            <a:pPr lvl="1"/>
+            <a:endParaRPr lang="pl-PL" dirty="0"/>
+          </a:p>
+        </p:txBody>
+      </p:sp>
+      <p:sp>
+        <p:nvSpPr>
+          <p:cNvPr id="14" name="Isosceles Triangle 13">
+            <a:extLst>
+              <a:ext uri="{FF2B5EF4-FFF2-40B4-BE49-F238E27FC236}">
+                <a16:creationId xmlns:a16="http://schemas.microsoft.com/office/drawing/2014/main" id="{F10FD715-4DCE-4779-B634-EC78315EA213}"/>
+              </a:ext>
+              <a:ext uri="{C183D7F6-B498-43B3-948B-1728B52AA6E4}">
+                <adec:decorative xmlns:adec="http://schemas.microsoft.com/office/drawing/2017/decorative" val="1"/>
+              </a:ext>
+            </a:extLst>
+          </p:cNvPr>
+          <p:cNvSpPr>
+            <a:spLocks noGrp="1" noRot="1" noChangeAspect="1" noMove="1" noResize="1" noEditPoints="1" noAdjustHandles="1" noChangeArrowheads="1" noChangeShapeType="1" noTextEdit="1"/>
+          </p:cNvSpPr>
+          <p:nvPr>
+            <p:extLst>
+              <p:ext uri="{386F3935-93C4-4BCD-93E2-E3B085C9AB24}">
+                <p16:designElem xmlns:p16="http://schemas.microsoft.com/office/powerpoint/2015/main" val="1"/>
+              </p:ext>
+            </p:extLst>
+          </p:nvPr>
+        </p:nvSpPr>
+        <p:spPr>
+          <a:xfrm rot="10800000" flipH="1">
+            <a:off x="11364139" y="0"/>
+            <a:ext cx="842596" cy="4616289"/>
+          </a:xfrm>
+          <a:prstGeom prst="triangle">
+            <a:avLst>
+              <a:gd name="adj" fmla="val 100000"/>
+            </a:avLst>
+          </a:prstGeom>
+          <a:solidFill>
+            <a:schemeClr val="accent2"/>
+          </a:solidFill>
+          <a:ln>
+            <a:noFill/>
+          </a:ln>
+          <a:effectLst/>
+        </p:spPr>
+        <p:style>
+          <a:lnRef idx="1">
+            <a:schemeClr val="accent1"/>
+          </a:lnRef>
+          <a:fillRef idx="3">
+            <a:schemeClr val="accent1"/>
+          </a:fillRef>
+          <a:effectRef idx="2">
+            <a:schemeClr val="accent1"/>
+          </a:effectRef>
+          <a:fontRef idx="minor">
+            <a:schemeClr val="lt1"/>
+          </a:fontRef>
+        </p:style>
+        <p:txBody>
+          <a:bodyPr/>
+          <a:lstStyle/>
+          <a:p>
+            <a:endParaRPr lang="en-GB"/>
+          </a:p>
+        </p:txBody>
+      </p:sp>
     </p:spTree>
     <p:extLst>
       <p:ext uri="{BB962C8B-B14F-4D97-AF65-F5344CB8AC3E}">
-        <p14:creationId xmlns:p14="http://schemas.microsoft.com/office/powerpoint/2010/main" val="7080138"/>
+        <p14:creationId xmlns:p14="http://schemas.microsoft.com/office/powerpoint/2010/main" val="3825167684"/>
       </p:ext>
     </p:extLst>
   </p:cSld>
@@ -11300,6 +11817,853 @@
 </file>
 
 <file path=ppt/slides/slide11.xml><?xml version="1.0" encoding="utf-8"?>
+<p:sld xmlns:a="http://schemas.openxmlformats.org/drawingml/2006/main" xmlns:r="http://schemas.openxmlformats.org/officeDocument/2006/relationships" xmlns:p="http://schemas.openxmlformats.org/presentationml/2006/main">
+  <p:cSld>
+    <p:bg>
+      <p:bgPr>
+        <a:solidFill>
+          <a:schemeClr val="bg1"/>
+        </a:solidFill>
+        <a:effectLst/>
+      </p:bgPr>
+    </p:bg>
+    <p:spTree>
+      <p:nvGrpSpPr>
+        <p:cNvPr id="1" name=""/>
+        <p:cNvGrpSpPr/>
+        <p:nvPr/>
+      </p:nvGrpSpPr>
+      <p:grpSpPr>
+        <a:xfrm>
+          <a:off x="0" y="0"/>
+          <a:ext cx="0" cy="0"/>
+          <a:chOff x="0" y="0"/>
+          <a:chExt cx="0" cy="0"/>
+        </a:xfrm>
+      </p:grpSpPr>
+      <p:sp useBgFill="1">
+        <p:nvSpPr>
+          <p:cNvPr id="8" name="Rectangle 7">
+            <a:extLst>
+              <a:ext uri="{FF2B5EF4-FFF2-40B4-BE49-F238E27FC236}">
+                <a16:creationId xmlns:a16="http://schemas.microsoft.com/office/drawing/2014/main" id="{603AE127-802C-459A-A612-DB85B67F0DC0}"/>
+              </a:ext>
+              <a:ext uri="{C183D7F6-B498-43B3-948B-1728B52AA6E4}">
+                <adec:decorative xmlns:adec="http://schemas.microsoft.com/office/drawing/2017/decorative" val="1"/>
+              </a:ext>
+            </a:extLst>
+          </p:cNvPr>
+          <p:cNvSpPr>
+            <a:spLocks noGrp="1" noRot="1" noChangeAspect="1" noMove="1" noResize="1" noEditPoints="1" noAdjustHandles="1" noChangeArrowheads="1" noChangeShapeType="1" noTextEdit="1"/>
+          </p:cNvSpPr>
+          <p:nvPr>
+            <p:extLst>
+              <p:ext uri="{386F3935-93C4-4BCD-93E2-E3B085C9AB24}">
+                <p16:designElem xmlns:p16="http://schemas.microsoft.com/office/powerpoint/2015/main" val="1"/>
+              </p:ext>
+            </p:extLst>
+          </p:nvPr>
+        </p:nvSpPr>
+        <p:spPr>
+          <a:xfrm>
+            <a:off x="0" y="0"/>
+            <a:ext cx="12192000" cy="6858000"/>
+          </a:xfrm>
+          <a:prstGeom prst="rect">
+            <a:avLst/>
+          </a:prstGeom>
+          <a:ln>
+            <a:noFill/>
+          </a:ln>
+        </p:spPr>
+        <p:style>
+          <a:lnRef idx="2">
+            <a:schemeClr val="accent1">
+              <a:shade val="50000"/>
+            </a:schemeClr>
+          </a:lnRef>
+          <a:fillRef idx="1">
+            <a:schemeClr val="accent1"/>
+          </a:fillRef>
+          <a:effectRef idx="0">
+            <a:schemeClr val="accent1"/>
+          </a:effectRef>
+          <a:fontRef idx="minor">
+            <a:schemeClr val="lt1"/>
+          </a:fontRef>
+        </p:style>
+        <p:txBody>
+          <a:bodyPr rtlCol="0" anchor="ctr"/>
+          <a:lstStyle/>
+          <a:p>
+            <a:pPr algn="ctr"/>
+            <a:endParaRPr lang="en-US"/>
+          </a:p>
+        </p:txBody>
+      </p:sp>
+      <p:sp>
+        <p:nvSpPr>
+          <p:cNvPr id="2" name="Title 1">
+            <a:extLst>
+              <a:ext uri="{FF2B5EF4-FFF2-40B4-BE49-F238E27FC236}">
+                <a16:creationId xmlns:a16="http://schemas.microsoft.com/office/drawing/2014/main" id="{9EC5983D-A135-4881-4777-8D51A4490ACD}"/>
+              </a:ext>
+            </a:extLst>
+          </p:cNvPr>
+          <p:cNvSpPr>
+            <a:spLocks noGrp="1"/>
+          </p:cNvSpPr>
+          <p:nvPr>
+            <p:ph type="title"/>
+          </p:nvPr>
+        </p:nvSpPr>
+        <p:spPr>
+          <a:xfrm>
+            <a:off x="1043950" y="1179151"/>
+            <a:ext cx="3300646" cy="4463889"/>
+          </a:xfrm>
+        </p:spPr>
+        <p:txBody>
+          <a:bodyPr anchor="ctr">
+            <a:normAutofit/>
+          </a:bodyPr>
+          <a:lstStyle/>
+          <a:p>
+            <a:r>
+              <a:rPr lang="pl-PL" dirty="0"/>
+              <a:t>Adobe PDF Reader</a:t>
+            </a:r>
+            <a:endParaRPr lang="en-GB" dirty="0"/>
+          </a:p>
+        </p:txBody>
+      </p:sp>
+      <p:sp>
+        <p:nvSpPr>
+          <p:cNvPr id="10" name="Isosceles Triangle 9">
+            <a:extLst>
+              <a:ext uri="{FF2B5EF4-FFF2-40B4-BE49-F238E27FC236}">
+                <a16:creationId xmlns:a16="http://schemas.microsoft.com/office/drawing/2014/main" id="{9323D83D-50D6-4040-A58B-FCEA340F886A}"/>
+              </a:ext>
+              <a:ext uri="{C183D7F6-B498-43B3-948B-1728B52AA6E4}">
+                <adec:decorative xmlns:adec="http://schemas.microsoft.com/office/drawing/2017/decorative" val="1"/>
+              </a:ext>
+            </a:extLst>
+          </p:cNvPr>
+          <p:cNvSpPr>
+            <a:spLocks noGrp="1" noRot="1" noChangeAspect="1" noMove="1" noResize="1" noEditPoints="1" noAdjustHandles="1" noChangeArrowheads="1" noChangeShapeType="1" noTextEdit="1"/>
+          </p:cNvSpPr>
+          <p:nvPr>
+            <p:extLst>
+              <p:ext uri="{386F3935-93C4-4BCD-93E2-E3B085C9AB24}">
+                <p16:designElem xmlns:p16="http://schemas.microsoft.com/office/powerpoint/2015/main" val="1"/>
+              </p:ext>
+            </p:extLst>
+          </p:nvPr>
+        </p:nvSpPr>
+        <p:spPr>
+          <a:xfrm>
+            <a:off x="0" y="4013200"/>
+            <a:ext cx="448733" cy="2844800"/>
+          </a:xfrm>
+          <a:prstGeom prst="triangle">
+            <a:avLst>
+              <a:gd name="adj" fmla="val 0"/>
+            </a:avLst>
+          </a:prstGeom>
+          <a:solidFill>
+            <a:schemeClr val="accent1"/>
+          </a:solidFill>
+          <a:ln>
+            <a:noFill/>
+          </a:ln>
+          <a:effectLst/>
+        </p:spPr>
+        <p:style>
+          <a:lnRef idx="1">
+            <a:schemeClr val="accent1"/>
+          </a:lnRef>
+          <a:fillRef idx="3">
+            <a:schemeClr val="accent1"/>
+          </a:fillRef>
+          <a:effectRef idx="2">
+            <a:schemeClr val="accent1"/>
+          </a:effectRef>
+          <a:fontRef idx="minor">
+            <a:schemeClr val="lt1"/>
+          </a:fontRef>
+        </p:style>
+        <p:txBody>
+          <a:bodyPr/>
+          <a:lstStyle/>
+          <a:p>
+            <a:endParaRPr lang="en-GB"/>
+          </a:p>
+        </p:txBody>
+      </p:sp>
+      <p:cxnSp>
+        <p:nvCxnSpPr>
+          <p:cNvPr id="12" name="Straight Connector 11">
+            <a:extLst>
+              <a:ext uri="{FF2B5EF4-FFF2-40B4-BE49-F238E27FC236}">
+                <a16:creationId xmlns:a16="http://schemas.microsoft.com/office/drawing/2014/main" id="{1A1FE6BB-DFB2-4080-9B5E-076EF5DDE67B}"/>
+              </a:ext>
+              <a:ext uri="{C183D7F6-B498-43B3-948B-1728B52AA6E4}">
+                <adec:decorative xmlns:adec="http://schemas.microsoft.com/office/drawing/2017/decorative" val="1"/>
+              </a:ext>
+            </a:extLst>
+          </p:cNvPr>
+          <p:cNvCxnSpPr>
+            <a:cxnSpLocks noGrp="1" noRot="1" noChangeAspect="1" noMove="1" noResize="1" noEditPoints="1" noAdjustHandles="1" noChangeArrowheads="1" noChangeShapeType="1"/>
+          </p:cNvCxnSpPr>
+          <p:nvPr>
+            <p:extLst>
+              <p:ext uri="{386F3935-93C4-4BCD-93E2-E3B085C9AB24}">
+                <p16:designElem xmlns:p16="http://schemas.microsoft.com/office/powerpoint/2015/main" val="1"/>
+              </p:ext>
+            </p:extLst>
+          </p:nvPr>
+        </p:nvCxnSpPr>
+        <p:spPr>
+          <a:xfrm>
+            <a:off x="4656670" y="1442595"/>
+            <a:ext cx="0" cy="3937000"/>
+          </a:xfrm>
+          <a:prstGeom prst="line">
+            <a:avLst/>
+          </a:prstGeom>
+        </p:spPr>
+        <p:style>
+          <a:lnRef idx="1">
+            <a:schemeClr val="accent1"/>
+          </a:lnRef>
+          <a:fillRef idx="0">
+            <a:schemeClr val="accent1"/>
+          </a:fillRef>
+          <a:effectRef idx="0">
+            <a:schemeClr val="accent1"/>
+          </a:effectRef>
+          <a:fontRef idx="minor">
+            <a:schemeClr val="tx1"/>
+          </a:fontRef>
+        </p:style>
+      </p:cxnSp>
+      <p:sp>
+        <p:nvSpPr>
+          <p:cNvPr id="3" name="Content Placeholder 2">
+            <a:extLst>
+              <a:ext uri="{FF2B5EF4-FFF2-40B4-BE49-F238E27FC236}">
+                <a16:creationId xmlns:a16="http://schemas.microsoft.com/office/drawing/2014/main" id="{E3837BD5-DA5C-5F7B-85CF-CC8A6822E6C3}"/>
+              </a:ext>
+            </a:extLst>
+          </p:cNvPr>
+          <p:cNvSpPr>
+            <a:spLocks noGrp="1"/>
+          </p:cNvSpPr>
+          <p:nvPr>
+            <p:ph idx="1"/>
+          </p:nvPr>
+        </p:nvSpPr>
+        <p:spPr>
+          <a:xfrm>
+            <a:off x="4978918" y="1109145"/>
+            <a:ext cx="6341016" cy="4603900"/>
+          </a:xfrm>
+        </p:spPr>
+        <p:txBody>
+          <a:bodyPr anchor="ctr">
+            <a:normAutofit/>
+          </a:bodyPr>
+          <a:lstStyle/>
+          <a:p>
+            <a:r>
+              <a:rPr lang="pl-PL" dirty="0"/>
+              <a:t>Trzy sztuczki:</a:t>
+            </a:r>
+          </a:p>
+          <a:p>
+            <a:pPr lvl="1"/>
+            <a:r>
+              <a:rPr lang="pl-PL" dirty="0"/>
+              <a:t>Zaznaczanie z przyciskiem ALT – pomaga przy kopiowaniu tabel.</a:t>
+            </a:r>
+          </a:p>
+          <a:p>
+            <a:pPr lvl="1"/>
+            <a:r>
+              <a:rPr lang="pl-PL" dirty="0"/>
+              <a:t>Robienie zdjęć: </a:t>
+            </a:r>
+          </a:p>
+          <a:p>
+            <a:pPr lvl="2"/>
+            <a:r>
+              <a:rPr lang="pl-PL" dirty="0"/>
+              <a:t>Windows + SHIFT + S</a:t>
+            </a:r>
+          </a:p>
+          <a:p>
+            <a:pPr lvl="2"/>
+            <a:r>
+              <a:rPr lang="pl-PL" dirty="0"/>
+              <a:t>Ewentualnie narzędzie wycinanie</a:t>
+            </a:r>
+          </a:p>
+          <a:p>
+            <a:pPr lvl="1"/>
+            <a:r>
+              <a:rPr lang="pl-PL" dirty="0"/>
+              <a:t>Wypełnianie informacji / modyfikowanie treści </a:t>
+            </a:r>
+          </a:p>
+          <a:p>
+            <a:pPr lvl="1"/>
+            <a:endParaRPr lang="pl-PL" dirty="0"/>
+          </a:p>
+          <a:p>
+            <a:r>
+              <a:rPr lang="pl-PL" dirty="0"/>
+              <a:t>Przykład: </a:t>
+            </a:r>
+            <a:r>
+              <a:rPr lang="pl-PL" dirty="0">
+                <a:hlinkClick r:id="rId2"/>
+              </a:rPr>
+              <a:t>Strona Komisji Europejskiej </a:t>
+            </a:r>
+            <a:endParaRPr lang="en-GB" dirty="0"/>
+          </a:p>
+        </p:txBody>
+      </p:sp>
+      <p:sp>
+        <p:nvSpPr>
+          <p:cNvPr id="14" name="Isosceles Triangle 13">
+            <a:extLst>
+              <a:ext uri="{FF2B5EF4-FFF2-40B4-BE49-F238E27FC236}">
+                <a16:creationId xmlns:a16="http://schemas.microsoft.com/office/drawing/2014/main" id="{F10FD715-4DCE-4779-B634-EC78315EA213}"/>
+              </a:ext>
+              <a:ext uri="{C183D7F6-B498-43B3-948B-1728B52AA6E4}">
+                <adec:decorative xmlns:adec="http://schemas.microsoft.com/office/drawing/2017/decorative" val="1"/>
+              </a:ext>
+            </a:extLst>
+          </p:cNvPr>
+          <p:cNvSpPr>
+            <a:spLocks noGrp="1" noRot="1" noChangeAspect="1" noMove="1" noResize="1" noEditPoints="1" noAdjustHandles="1" noChangeArrowheads="1" noChangeShapeType="1" noTextEdit="1"/>
+          </p:cNvSpPr>
+          <p:nvPr>
+            <p:extLst>
+              <p:ext uri="{386F3935-93C4-4BCD-93E2-E3B085C9AB24}">
+                <p16:designElem xmlns:p16="http://schemas.microsoft.com/office/powerpoint/2015/main" val="1"/>
+              </p:ext>
+            </p:extLst>
+          </p:nvPr>
+        </p:nvSpPr>
+        <p:spPr>
+          <a:xfrm rot="10800000" flipH="1">
+            <a:off x="11364139" y="0"/>
+            <a:ext cx="842596" cy="4616289"/>
+          </a:xfrm>
+          <a:prstGeom prst="triangle">
+            <a:avLst>
+              <a:gd name="adj" fmla="val 100000"/>
+            </a:avLst>
+          </a:prstGeom>
+          <a:solidFill>
+            <a:schemeClr val="accent2"/>
+          </a:solidFill>
+          <a:ln>
+            <a:noFill/>
+          </a:ln>
+          <a:effectLst/>
+        </p:spPr>
+        <p:style>
+          <a:lnRef idx="1">
+            <a:schemeClr val="accent1"/>
+          </a:lnRef>
+          <a:fillRef idx="3">
+            <a:schemeClr val="accent1"/>
+          </a:fillRef>
+          <a:effectRef idx="2">
+            <a:schemeClr val="accent1"/>
+          </a:effectRef>
+          <a:fontRef idx="minor">
+            <a:schemeClr val="lt1"/>
+          </a:fontRef>
+        </p:style>
+        <p:txBody>
+          <a:bodyPr/>
+          <a:lstStyle/>
+          <a:p>
+            <a:endParaRPr lang="en-GB"/>
+          </a:p>
+        </p:txBody>
+      </p:sp>
+    </p:spTree>
+    <p:extLst>
+      <p:ext uri="{BB962C8B-B14F-4D97-AF65-F5344CB8AC3E}">
+        <p14:creationId xmlns:p14="http://schemas.microsoft.com/office/powerpoint/2010/main" val="2323342976"/>
+      </p:ext>
+    </p:extLst>
+  </p:cSld>
+  <p:clrMapOvr>
+    <a:masterClrMapping/>
+  </p:clrMapOvr>
+</p:sld>
+</file>
+
+<file path=ppt/slides/slide12.xml><?xml version="1.0" encoding="utf-8"?>
+<p:sld xmlns:a="http://schemas.openxmlformats.org/drawingml/2006/main" xmlns:r="http://schemas.openxmlformats.org/officeDocument/2006/relationships" xmlns:p="http://schemas.openxmlformats.org/presentationml/2006/main">
+  <p:cSld>
+    <p:spTree>
+      <p:nvGrpSpPr>
+        <p:cNvPr id="1" name=""/>
+        <p:cNvGrpSpPr/>
+        <p:nvPr/>
+      </p:nvGrpSpPr>
+      <p:grpSpPr>
+        <a:xfrm>
+          <a:off x="0" y="0"/>
+          <a:ext cx="0" cy="0"/>
+          <a:chOff x="0" y="0"/>
+          <a:chExt cx="0" cy="0"/>
+        </a:xfrm>
+      </p:grpSpPr>
+      <p:sp>
+        <p:nvSpPr>
+          <p:cNvPr id="4" name="Title 3">
+            <a:extLst>
+              <a:ext uri="{FF2B5EF4-FFF2-40B4-BE49-F238E27FC236}">
+                <a16:creationId xmlns:a16="http://schemas.microsoft.com/office/drawing/2014/main" id="{D8CC372E-242C-C86E-6B49-4E0664214B27}"/>
+              </a:ext>
+            </a:extLst>
+          </p:cNvPr>
+          <p:cNvSpPr>
+            <a:spLocks noGrp="1"/>
+          </p:cNvSpPr>
+          <p:nvPr>
+            <p:ph type="title"/>
+          </p:nvPr>
+        </p:nvSpPr>
+        <p:spPr/>
+        <p:txBody>
+          <a:bodyPr/>
+          <a:lstStyle/>
+          <a:p>
+            <a:r>
+              <a:rPr lang="pl-PL" dirty="0"/>
+              <a:t>Dane publiczne</a:t>
+            </a:r>
+            <a:endParaRPr lang="en-GB" dirty="0"/>
+          </a:p>
+        </p:txBody>
+      </p:sp>
+      <p:sp>
+        <p:nvSpPr>
+          <p:cNvPr id="5" name="Text Placeholder 4">
+            <a:extLst>
+              <a:ext uri="{FF2B5EF4-FFF2-40B4-BE49-F238E27FC236}">
+                <a16:creationId xmlns:a16="http://schemas.microsoft.com/office/drawing/2014/main" id="{B708BFE6-A235-4CFC-4D46-BBBD5ACD57A9}"/>
+              </a:ext>
+            </a:extLst>
+          </p:cNvPr>
+          <p:cNvSpPr>
+            <a:spLocks noGrp="1"/>
+          </p:cNvSpPr>
+          <p:nvPr>
+            <p:ph type="body" idx="1"/>
+          </p:nvPr>
+        </p:nvSpPr>
+        <p:spPr/>
+        <p:txBody>
+          <a:bodyPr/>
+          <a:lstStyle/>
+          <a:p>
+            <a:r>
+              <a:rPr lang="pl-PL" dirty="0"/>
+              <a:t>Do badań naukowych</a:t>
+            </a:r>
+            <a:endParaRPr lang="en-GB" dirty="0"/>
+          </a:p>
+        </p:txBody>
+      </p:sp>
+    </p:spTree>
+    <p:extLst>
+      <p:ext uri="{BB962C8B-B14F-4D97-AF65-F5344CB8AC3E}">
+        <p14:creationId xmlns:p14="http://schemas.microsoft.com/office/powerpoint/2010/main" val="3058074269"/>
+      </p:ext>
+    </p:extLst>
+  </p:cSld>
+  <p:clrMapOvr>
+    <a:masterClrMapping/>
+  </p:clrMapOvr>
+</p:sld>
+</file>
+
+<file path=ppt/slides/slide13.xml><?xml version="1.0" encoding="utf-8"?>
+<p:sld xmlns:a="http://schemas.openxmlformats.org/drawingml/2006/main" xmlns:r="http://schemas.openxmlformats.org/officeDocument/2006/relationships" xmlns:p="http://schemas.openxmlformats.org/presentationml/2006/main">
+  <p:cSld>
+    <p:bg>
+      <p:bgPr>
+        <a:solidFill>
+          <a:schemeClr val="bg2"/>
+        </a:solidFill>
+        <a:effectLst/>
+      </p:bgPr>
+    </p:bg>
+    <p:spTree>
+      <p:nvGrpSpPr>
+        <p:cNvPr id="1" name=""/>
+        <p:cNvGrpSpPr/>
+        <p:nvPr/>
+      </p:nvGrpSpPr>
+      <p:grpSpPr>
+        <a:xfrm>
+          <a:off x="0" y="0"/>
+          <a:ext cx="0" cy="0"/>
+          <a:chOff x="0" y="0"/>
+          <a:chExt cx="0" cy="0"/>
+        </a:xfrm>
+      </p:grpSpPr>
+      <p:sp>
+        <p:nvSpPr>
+          <p:cNvPr id="14" name="Rectangle 8">
+            <a:extLst>
+              <a:ext uri="{FF2B5EF4-FFF2-40B4-BE49-F238E27FC236}">
+                <a16:creationId xmlns:a16="http://schemas.microsoft.com/office/drawing/2014/main" id="{D94A7024-D948-494D-8920-BBA2DA07D15B}"/>
+              </a:ext>
+              <a:ext uri="{C183D7F6-B498-43B3-948B-1728B52AA6E4}">
+                <adec:decorative xmlns:adec="http://schemas.microsoft.com/office/drawing/2017/decorative" val="1"/>
+              </a:ext>
+            </a:extLst>
+          </p:cNvPr>
+          <p:cNvSpPr>
+            <a:spLocks noGrp="1" noRot="1" noChangeAspect="1" noMove="1" noResize="1" noEditPoints="1" noAdjustHandles="1" noChangeArrowheads="1" noChangeShapeType="1" noTextEdit="1"/>
+          </p:cNvSpPr>
+          <p:nvPr>
+            <p:extLst>
+              <p:ext uri="{386F3935-93C4-4BCD-93E2-E3B085C9AB24}">
+                <p16:designElem xmlns:p16="http://schemas.microsoft.com/office/powerpoint/2015/main" val="1"/>
+              </p:ext>
+            </p:extLst>
+          </p:nvPr>
+        </p:nvSpPr>
+        <p:spPr>
+          <a:xfrm>
+            <a:off x="0" y="0"/>
+            <a:ext cx="12192000" cy="6858000"/>
+          </a:xfrm>
+          <a:prstGeom prst="rect">
+            <a:avLst/>
+          </a:prstGeom>
+          <a:solidFill>
+            <a:srgbClr val="000000"/>
+          </a:solidFill>
+          <a:ln>
+            <a:noFill/>
+          </a:ln>
+        </p:spPr>
+        <p:style>
+          <a:lnRef idx="2">
+            <a:schemeClr val="accent1">
+              <a:shade val="50000"/>
+            </a:schemeClr>
+          </a:lnRef>
+          <a:fillRef idx="1">
+            <a:schemeClr val="accent1"/>
+          </a:fillRef>
+          <a:effectRef idx="0">
+            <a:schemeClr val="accent1"/>
+          </a:effectRef>
+          <a:fontRef idx="minor">
+            <a:schemeClr val="lt1"/>
+          </a:fontRef>
+        </p:style>
+        <p:txBody>
+          <a:bodyPr rtlCol="0" anchor="ctr"/>
+          <a:lstStyle/>
+          <a:p>
+            <a:pPr algn="ctr"/>
+            <a:endParaRPr lang="en-US"/>
+          </a:p>
+        </p:txBody>
+      </p:sp>
+      <p:pic>
+        <p:nvPicPr>
+          <p:cNvPr id="15" name="Picture 4" descr="Biurko z przyborami biurowymi">
+            <a:extLst>
+              <a:ext uri="{FF2B5EF4-FFF2-40B4-BE49-F238E27FC236}">
+                <a16:creationId xmlns:a16="http://schemas.microsoft.com/office/drawing/2014/main" id="{BE2212B7-3FEC-A1DB-EF1F-CF2BB526C3AF}"/>
+              </a:ext>
+            </a:extLst>
+          </p:cNvPr>
+          <p:cNvPicPr>
+            <a:picLocks noChangeAspect="1"/>
+          </p:cNvPicPr>
+          <p:nvPr/>
+        </p:nvPicPr>
+        <p:blipFill rotWithShape="1">
+          <a:blip r:embed="rId2">
+            <a:duotone>
+              <a:prstClr val="black"/>
+              <a:schemeClr val="tx2">
+                <a:tint val="45000"/>
+                <a:satMod val="400000"/>
+              </a:schemeClr>
+            </a:duotone>
+            <a:alphaModFix amt="40000"/>
+          </a:blip>
+          <a:srcRect b="15730"/>
+          <a:stretch/>
+        </p:blipFill>
+        <p:spPr>
+          <a:xfrm>
+            <a:off x="20" y="10"/>
+            <a:ext cx="12191980" cy="6857990"/>
+          </a:xfrm>
+          <a:prstGeom prst="rect">
+            <a:avLst/>
+          </a:prstGeom>
+        </p:spPr>
+      </p:pic>
+      <p:sp>
+        <p:nvSpPr>
+          <p:cNvPr id="2" name="Title 1">
+            <a:extLst>
+              <a:ext uri="{FF2B5EF4-FFF2-40B4-BE49-F238E27FC236}">
+                <a16:creationId xmlns:a16="http://schemas.microsoft.com/office/drawing/2014/main" id="{83D54A5A-99BF-1236-3C06-B810F1F1CA75}"/>
+              </a:ext>
+            </a:extLst>
+          </p:cNvPr>
+          <p:cNvSpPr>
+            <a:spLocks noGrp="1"/>
+          </p:cNvSpPr>
+          <p:nvPr>
+            <p:ph type="title"/>
+          </p:nvPr>
+        </p:nvSpPr>
+        <p:spPr>
+          <a:xfrm>
+            <a:off x="677334" y="609600"/>
+            <a:ext cx="8596668" cy="1320800"/>
+          </a:xfrm>
+        </p:spPr>
+        <p:txBody>
+          <a:bodyPr>
+            <a:normAutofit/>
+          </a:bodyPr>
+          <a:lstStyle/>
+          <a:p>
+            <a:r>
+              <a:rPr lang="pl-PL" dirty="0"/>
+              <a:t>Statystyka publiczna - GUS</a:t>
+            </a:r>
+            <a:endParaRPr lang="en-GB" dirty="0"/>
+          </a:p>
+        </p:txBody>
+      </p:sp>
+      <p:sp>
+        <p:nvSpPr>
+          <p:cNvPr id="3" name="Content Placeholder 2">
+            <a:extLst>
+              <a:ext uri="{FF2B5EF4-FFF2-40B4-BE49-F238E27FC236}">
+                <a16:creationId xmlns:a16="http://schemas.microsoft.com/office/drawing/2014/main" id="{84ACF378-3F01-CAFA-1DA1-C9C88A4EB9C8}"/>
+              </a:ext>
+            </a:extLst>
+          </p:cNvPr>
+          <p:cNvSpPr>
+            <a:spLocks noGrp="1"/>
+          </p:cNvSpPr>
+          <p:nvPr>
+            <p:ph idx="1"/>
+          </p:nvPr>
+        </p:nvSpPr>
+        <p:spPr>
+          <a:xfrm>
+            <a:off x="677334" y="2160589"/>
+            <a:ext cx="8596668" cy="3880773"/>
+          </a:xfrm>
+        </p:spPr>
+        <p:txBody>
+          <a:bodyPr>
+            <a:normAutofit/>
+          </a:bodyPr>
+          <a:lstStyle/>
+          <a:p>
+            <a:r>
+              <a:rPr lang="pl-PL" dirty="0">
+                <a:solidFill>
+                  <a:srgbClr val="FFFFFF"/>
+                </a:solidFill>
+              </a:rPr>
+              <a:t>Sztandarowe </a:t>
+            </a:r>
+            <a:r>
+              <a:rPr lang="pl-PL" dirty="0">
+                <a:solidFill>
+                  <a:srgbClr val="FFFFFF"/>
+                </a:solidFill>
+                <a:hlinkClick r:id="rId3"/>
+              </a:rPr>
+              <a:t>publikacje</a:t>
+            </a:r>
+            <a:r>
+              <a:rPr lang="pl-PL" dirty="0">
+                <a:solidFill>
+                  <a:srgbClr val="FFFFFF"/>
+                </a:solidFill>
+              </a:rPr>
+              <a:t>:</a:t>
+            </a:r>
+          </a:p>
+          <a:p>
+            <a:pPr lvl="1"/>
+            <a:r>
+              <a:rPr lang="pl-PL" dirty="0">
+                <a:solidFill>
+                  <a:srgbClr val="FFFFFF"/>
+                </a:solidFill>
+              </a:rPr>
+              <a:t> Biuletyn Statystyczny GUS</a:t>
+            </a:r>
+          </a:p>
+          <a:p>
+            <a:pPr lvl="1"/>
+            <a:r>
+              <a:rPr lang="pl-PL" dirty="0">
+                <a:solidFill>
+                  <a:srgbClr val="FFFFFF"/>
+                </a:solidFill>
+              </a:rPr>
+              <a:t> Sytuacja społeczno-gospodarcza</a:t>
+            </a:r>
+          </a:p>
+          <a:p>
+            <a:endParaRPr lang="pl-PL" dirty="0">
+              <a:solidFill>
+                <a:srgbClr val="FFFFFF"/>
+              </a:solidFill>
+            </a:endParaRPr>
+          </a:p>
+          <a:p>
+            <a:r>
+              <a:rPr lang="pl-PL" dirty="0">
+                <a:solidFill>
+                  <a:srgbClr val="FFFFFF"/>
+                </a:solidFill>
+              </a:rPr>
+              <a:t>Bazy tematyczne:</a:t>
+            </a:r>
+          </a:p>
+          <a:p>
+            <a:pPr lvl="1"/>
+            <a:r>
+              <a:rPr lang="pl-PL" dirty="0">
+                <a:solidFill>
+                  <a:srgbClr val="FFFFFF"/>
+                </a:solidFill>
+              </a:rPr>
+              <a:t>Bank danych makroekonomicznych – </a:t>
+            </a:r>
+            <a:r>
+              <a:rPr lang="pl-PL" dirty="0">
+                <a:solidFill>
+                  <a:srgbClr val="FFFFFF"/>
+                </a:solidFill>
+                <a:hlinkClick r:id="rId4"/>
+              </a:rPr>
+              <a:t>baza</a:t>
+            </a:r>
+            <a:r>
+              <a:rPr lang="pl-PL" dirty="0">
+                <a:solidFill>
+                  <a:srgbClr val="FFFFFF"/>
+                </a:solidFill>
+              </a:rPr>
+              <a:t>, pliki </a:t>
+            </a:r>
+            <a:r>
+              <a:rPr lang="pl-PL" dirty="0">
+                <a:solidFill>
+                  <a:srgbClr val="FFFFFF"/>
+                </a:solidFill>
+                <a:hlinkClick r:id="rId5"/>
+              </a:rPr>
+              <a:t>xls</a:t>
+            </a:r>
+            <a:r>
+              <a:rPr lang="pl-PL" dirty="0">
+                <a:solidFill>
+                  <a:srgbClr val="FFFFFF"/>
+                </a:solidFill>
+              </a:rPr>
+              <a:t>.</a:t>
+            </a:r>
+          </a:p>
+          <a:p>
+            <a:pPr lvl="1"/>
+            <a:r>
+              <a:rPr lang="pl-PL" dirty="0">
+                <a:solidFill>
+                  <a:srgbClr val="FFFFFF"/>
+                </a:solidFill>
+              </a:rPr>
+              <a:t>Statystyki regionalne – </a:t>
+            </a:r>
+            <a:r>
+              <a:rPr lang="pl-PL" dirty="0">
+                <a:solidFill>
+                  <a:srgbClr val="FFFFFF"/>
+                </a:solidFill>
+                <a:hlinkClick r:id="rId6"/>
+              </a:rPr>
+              <a:t>BDL</a:t>
+            </a:r>
+            <a:endParaRPr lang="pl-PL" dirty="0">
+              <a:solidFill>
+                <a:srgbClr val="FFFFFF"/>
+              </a:solidFill>
+            </a:endParaRPr>
+          </a:p>
+          <a:p>
+            <a:pPr lvl="1"/>
+            <a:r>
+              <a:rPr lang="pl-PL" dirty="0">
+                <a:solidFill>
+                  <a:srgbClr val="FFFFFF"/>
+                </a:solidFill>
+              </a:rPr>
+              <a:t>Dziedzinowe Bazy Wiedzy – </a:t>
+            </a:r>
+            <a:r>
+              <a:rPr lang="pl-PL" dirty="0">
+                <a:solidFill>
+                  <a:srgbClr val="FFFFFF"/>
+                </a:solidFill>
+                <a:hlinkClick r:id="rId7"/>
+              </a:rPr>
+              <a:t>SWAID</a:t>
+            </a:r>
+            <a:endParaRPr lang="pl-PL" dirty="0">
+              <a:solidFill>
+                <a:srgbClr val="FFFFFF"/>
+              </a:solidFill>
+            </a:endParaRPr>
+          </a:p>
+        </p:txBody>
+      </p:sp>
+    </p:spTree>
+    <p:extLst>
+      <p:ext uri="{BB962C8B-B14F-4D97-AF65-F5344CB8AC3E}">
+        <p14:creationId xmlns:p14="http://schemas.microsoft.com/office/powerpoint/2010/main" val="1867555530"/>
+      </p:ext>
+    </p:extLst>
+  </p:cSld>
+  <p:clrMapOvr>
+    <a:overrideClrMapping bg1="dk1" tx1="lt1" bg2="dk2" tx2="lt2" accent1="accent1" accent2="accent2" accent3="accent3" accent4="accent4" accent5="accent5" accent6="accent6" hlink="hlink" folHlink="folHlink"/>
+  </p:clrMapOvr>
+</p:sld>
+</file>
+
+<file path=ppt/slides/slide14.xml><?xml version="1.0" encoding="utf-8"?>
 <p:sld xmlns:a="http://schemas.openxmlformats.org/drawingml/2006/main" xmlns:r="http://schemas.openxmlformats.org/officeDocument/2006/relationships" xmlns:p="http://schemas.openxmlformats.org/presentationml/2006/main">
   <p:cSld>
     <p:bg>
@@ -12240,7 +13604,288 @@
 </p:sld>
 </file>
 
-<file path=ppt/slides/slide12.xml><?xml version="1.0" encoding="utf-8"?>
+<file path=ppt/slides/slide15.xml><?xml version="1.0" encoding="utf-8"?>
+<p:sld xmlns:a="http://schemas.openxmlformats.org/drawingml/2006/main" xmlns:r="http://schemas.openxmlformats.org/officeDocument/2006/relationships" xmlns:p="http://schemas.openxmlformats.org/presentationml/2006/main">
+  <p:cSld>
+    <p:bg>
+      <p:bgPr>
+        <a:solidFill>
+          <a:schemeClr val="bg1"/>
+        </a:solidFill>
+        <a:effectLst/>
+      </p:bgPr>
+    </p:bg>
+    <p:spTree>
+      <p:nvGrpSpPr>
+        <p:cNvPr id="1" name=""/>
+        <p:cNvGrpSpPr/>
+        <p:nvPr/>
+      </p:nvGrpSpPr>
+      <p:grpSpPr>
+        <a:xfrm>
+          <a:off x="0" y="0"/>
+          <a:ext cx="0" cy="0"/>
+          <a:chOff x="0" y="0"/>
+          <a:chExt cx="0" cy="0"/>
+        </a:xfrm>
+      </p:grpSpPr>
+      <p:sp>
+        <p:nvSpPr>
+          <p:cNvPr id="2" name="Title 1">
+            <a:extLst>
+              <a:ext uri="{FF2B5EF4-FFF2-40B4-BE49-F238E27FC236}">
+                <a16:creationId xmlns:a16="http://schemas.microsoft.com/office/drawing/2014/main" id="{6A1FC78C-1841-EA6C-3B3B-242FA46EC451}"/>
+              </a:ext>
+            </a:extLst>
+          </p:cNvPr>
+          <p:cNvSpPr>
+            <a:spLocks noGrp="1"/>
+          </p:cNvSpPr>
+          <p:nvPr>
+            <p:ph type="title"/>
+          </p:nvPr>
+        </p:nvSpPr>
+        <p:spPr>
+          <a:xfrm>
+            <a:off x="5536734" y="644106"/>
+            <a:ext cx="3737268" cy="1320800"/>
+          </a:xfrm>
+        </p:spPr>
+        <p:txBody>
+          <a:bodyPr>
+            <a:normAutofit/>
+          </a:bodyPr>
+          <a:lstStyle/>
+          <a:p>
+            <a:r>
+              <a:rPr lang="pl-PL" dirty="0"/>
+              <a:t>Systemy API</a:t>
+            </a:r>
+            <a:endParaRPr lang="en-GB" dirty="0"/>
+          </a:p>
+        </p:txBody>
+      </p:sp>
+      <p:sp>
+        <p:nvSpPr>
+          <p:cNvPr id="3" name="Content Placeholder 2">
+            <a:extLst>
+              <a:ext uri="{FF2B5EF4-FFF2-40B4-BE49-F238E27FC236}">
+                <a16:creationId xmlns:a16="http://schemas.microsoft.com/office/drawing/2014/main" id="{1E5946FF-4DF7-195E-8FE0-20362BCE7EB8}"/>
+              </a:ext>
+            </a:extLst>
+          </p:cNvPr>
+          <p:cNvSpPr>
+            <a:spLocks noGrp="1"/>
+          </p:cNvSpPr>
+          <p:nvPr>
+            <p:ph idx="1"/>
+          </p:nvPr>
+        </p:nvSpPr>
+        <p:spPr>
+          <a:xfrm>
+            <a:off x="5209563" y="2160589"/>
+            <a:ext cx="4064439" cy="3880773"/>
+          </a:xfrm>
+        </p:spPr>
+        <p:txBody>
+          <a:bodyPr>
+            <a:normAutofit lnSpcReduction="10000"/>
+          </a:bodyPr>
+          <a:lstStyle/>
+          <a:p>
+            <a:r>
+              <a:rPr lang="pl-PL" dirty="0"/>
+              <a:t>API – ang. Application Programming Interface</a:t>
+            </a:r>
+          </a:p>
+          <a:p>
+            <a:pPr lvl="1"/>
+            <a:r>
+              <a:rPr lang="pl-PL" dirty="0"/>
+              <a:t>Dostęp do danych z różnych baz w postaci właściwego linku do strony</a:t>
+            </a:r>
+          </a:p>
+          <a:p>
+            <a:pPr lvl="1"/>
+            <a:endParaRPr lang="pl-PL" dirty="0"/>
+          </a:p>
+          <a:p>
+            <a:r>
+              <a:rPr lang="pl-PL" dirty="0"/>
+              <a:t>Jak korzystać: </a:t>
+            </a:r>
+          </a:p>
+          <a:p>
+            <a:pPr lvl="1"/>
+            <a:r>
+              <a:rPr lang="pl-PL" dirty="0"/>
+              <a:t>Excel – Power Query – zakładka dane.</a:t>
+            </a:r>
+          </a:p>
+          <a:p>
+            <a:pPr lvl="1"/>
+            <a:r>
+              <a:rPr lang="pl-PL" dirty="0"/>
+              <a:t>Programistycznie np. </a:t>
+            </a:r>
+            <a:r>
+              <a:rPr lang="pl-PL" dirty="0" err="1"/>
+              <a:t>Python</a:t>
+            </a:r>
+            <a:endParaRPr lang="pl-PL" dirty="0"/>
+          </a:p>
+          <a:p>
+            <a:pPr lvl="1"/>
+            <a:endParaRPr lang="pl-PL" dirty="0"/>
+          </a:p>
+          <a:p>
+            <a:r>
+              <a:rPr lang="pl-PL" dirty="0"/>
+              <a:t>Przykład: Kursy walutowe w </a:t>
+            </a:r>
+            <a:r>
+              <a:rPr lang="pl-PL" dirty="0">
+                <a:hlinkClick r:id="rId2"/>
+              </a:rPr>
+              <a:t>NBP</a:t>
+            </a:r>
+            <a:endParaRPr lang="pl-PL" dirty="0"/>
+          </a:p>
+        </p:txBody>
+      </p:sp>
+      <p:pic>
+        <p:nvPicPr>
+          <p:cNvPr id="5" name="Picture 4" descr="Skrypt komputerowy na ekranie">
+            <a:extLst>
+              <a:ext uri="{FF2B5EF4-FFF2-40B4-BE49-F238E27FC236}">
+                <a16:creationId xmlns:a16="http://schemas.microsoft.com/office/drawing/2014/main" id="{10B1F2B9-3936-2B18-E5EF-FBEE14220D33}"/>
+              </a:ext>
+            </a:extLst>
+          </p:cNvPr>
+          <p:cNvPicPr>
+            <a:picLocks noChangeAspect="1"/>
+          </p:cNvPicPr>
+          <p:nvPr/>
+        </p:nvPicPr>
+        <p:blipFill rotWithShape="1">
+          <a:blip r:embed="rId3"/>
+          <a:srcRect l="3859" r="43631" b="-2"/>
+          <a:stretch/>
+        </p:blipFill>
+        <p:spPr>
+          <a:xfrm>
+            <a:off x="20" y="-1"/>
+            <a:ext cx="5394940" cy="6858001"/>
+          </a:xfrm>
+          <a:custGeom>
+            <a:avLst/>
+            <a:gdLst/>
+            <a:ahLst/>
+            <a:cxnLst/>
+            <a:rect l="l" t="t" r="r" b="b"/>
+            <a:pathLst>
+              <a:path w="5394960" h="6858000">
+                <a:moveTo>
+                  <a:pt x="842596" y="0"/>
+                </a:moveTo>
+                <a:lnTo>
+                  <a:pt x="5394960" y="0"/>
+                </a:lnTo>
+                <a:lnTo>
+                  <a:pt x="5394960" y="21851"/>
+                </a:lnTo>
+                <a:lnTo>
+                  <a:pt x="4365943" y="6858000"/>
+                </a:lnTo>
+                <a:lnTo>
+                  <a:pt x="0" y="6858000"/>
+                </a:lnTo>
+                <a:lnTo>
+                  <a:pt x="0" y="5666154"/>
+                </a:lnTo>
+                <a:close/>
+              </a:path>
+            </a:pathLst>
+          </a:custGeom>
+        </p:spPr>
+      </p:pic>
+      <p:sp>
+        <p:nvSpPr>
+          <p:cNvPr id="9" name="Isosceles Triangle 8">
+            <a:extLst>
+              <a:ext uri="{FF2B5EF4-FFF2-40B4-BE49-F238E27FC236}">
+                <a16:creationId xmlns:a16="http://schemas.microsoft.com/office/drawing/2014/main" id="{3BCB5F6A-9EB0-40B0-9D13-3023E9A20508}"/>
+              </a:ext>
+              <a:ext uri="{C183D7F6-B498-43B3-948B-1728B52AA6E4}">
+                <adec:decorative xmlns:adec="http://schemas.microsoft.com/office/drawing/2017/decorative" val="1"/>
+              </a:ext>
+            </a:extLst>
+          </p:cNvPr>
+          <p:cNvSpPr>
+            <a:spLocks noGrp="1" noRot="1" noChangeAspect="1" noMove="1" noResize="1" noEditPoints="1" noAdjustHandles="1" noChangeArrowheads="1" noChangeShapeType="1" noTextEdit="1"/>
+          </p:cNvSpPr>
+          <p:nvPr>
+            <p:extLst>
+              <p:ext uri="{386F3935-93C4-4BCD-93E2-E3B085C9AB24}">
+                <p16:designElem xmlns:p16="http://schemas.microsoft.com/office/powerpoint/2015/main" val="1"/>
+              </p:ext>
+            </p:extLst>
+          </p:nvPr>
+        </p:nvSpPr>
+        <p:spPr>
+          <a:xfrm rot="10800000">
+            <a:off x="0" y="0"/>
+            <a:ext cx="842596" cy="5666154"/>
+          </a:xfrm>
+          <a:prstGeom prst="triangle">
+            <a:avLst>
+              <a:gd name="adj" fmla="val 100000"/>
+            </a:avLst>
+          </a:prstGeom>
+          <a:solidFill>
+            <a:schemeClr val="accent1"/>
+          </a:solidFill>
+          <a:ln>
+            <a:noFill/>
+          </a:ln>
+          <a:effectLst/>
+        </p:spPr>
+        <p:style>
+          <a:lnRef idx="1">
+            <a:schemeClr val="accent1"/>
+          </a:lnRef>
+          <a:fillRef idx="3">
+            <a:schemeClr val="accent1"/>
+          </a:fillRef>
+          <a:effectRef idx="2">
+            <a:schemeClr val="accent1"/>
+          </a:effectRef>
+          <a:fontRef idx="minor">
+            <a:schemeClr val="lt1"/>
+          </a:fontRef>
+        </p:style>
+        <p:txBody>
+          <a:bodyPr/>
+          <a:lstStyle/>
+          <a:p>
+            <a:endParaRPr lang="en-GB"/>
+          </a:p>
+        </p:txBody>
+      </p:sp>
+    </p:spTree>
+    <p:extLst>
+      <p:ext uri="{BB962C8B-B14F-4D97-AF65-F5344CB8AC3E}">
+        <p14:creationId xmlns:p14="http://schemas.microsoft.com/office/powerpoint/2010/main" val="7080138"/>
+      </p:ext>
+    </p:extLst>
+  </p:cSld>
+  <p:clrMapOvr>
+    <a:masterClrMapping/>
+  </p:clrMapOvr>
+</p:sld>
+</file>
+
+<file path=ppt/slides/slide16.xml><?xml version="1.0" encoding="utf-8"?>
 <p:sld xmlns:a="http://schemas.openxmlformats.org/drawingml/2006/main" xmlns:r="http://schemas.openxmlformats.org/officeDocument/2006/relationships" xmlns:p="http://schemas.openxmlformats.org/presentationml/2006/main">
   <p:cSld>
     <p:bg>
@@ -13164,7 +14809,99 @@
 </p:sld>
 </file>
 
-<file path=ppt/slides/slide13.xml><?xml version="1.0" encoding="utf-8"?>
+<file path=ppt/slides/slide17.xml><?xml version="1.0" encoding="utf-8"?>
+<p:sld xmlns:a="http://schemas.openxmlformats.org/drawingml/2006/main" xmlns:r="http://schemas.openxmlformats.org/officeDocument/2006/relationships" xmlns:p="http://schemas.openxmlformats.org/presentationml/2006/main">
+  <p:cSld>
+    <p:spTree>
+      <p:nvGrpSpPr>
+        <p:cNvPr id="1" name=""/>
+        <p:cNvGrpSpPr/>
+        <p:nvPr/>
+      </p:nvGrpSpPr>
+      <p:grpSpPr>
+        <a:xfrm>
+          <a:off x="0" y="0"/>
+          <a:ext cx="0" cy="0"/>
+          <a:chOff x="0" y="0"/>
+          <a:chExt cx="0" cy="0"/>
+        </a:xfrm>
+      </p:grpSpPr>
+      <p:sp>
+        <p:nvSpPr>
+          <p:cNvPr id="4" name="Title 3">
+            <a:extLst>
+              <a:ext uri="{FF2B5EF4-FFF2-40B4-BE49-F238E27FC236}">
+                <a16:creationId xmlns:a16="http://schemas.microsoft.com/office/drawing/2014/main" id="{6AF5A1FE-B48A-8B39-3762-98D0046BF9DD}"/>
+              </a:ext>
+            </a:extLst>
+          </p:cNvPr>
+          <p:cNvSpPr>
+            <a:spLocks noGrp="1"/>
+          </p:cNvSpPr>
+          <p:nvPr>
+            <p:ph type="title"/>
+          </p:nvPr>
+        </p:nvSpPr>
+        <p:spPr/>
+        <p:txBody>
+          <a:bodyPr/>
+          <a:lstStyle/>
+          <a:p>
+            <a:r>
+              <a:rPr lang="pl-PL" dirty="0"/>
+              <a:t>Rejestry biznesowe</a:t>
+            </a:r>
+            <a:endParaRPr lang="en-GB" dirty="0"/>
+          </a:p>
+        </p:txBody>
+      </p:sp>
+      <p:sp>
+        <p:nvSpPr>
+          <p:cNvPr id="5" name="Text Placeholder 4">
+            <a:extLst>
+              <a:ext uri="{FF2B5EF4-FFF2-40B4-BE49-F238E27FC236}">
+                <a16:creationId xmlns:a16="http://schemas.microsoft.com/office/drawing/2014/main" id="{06DA0D0C-8966-E0AF-8DCE-A8462159267F}"/>
+              </a:ext>
+            </a:extLst>
+          </p:cNvPr>
+          <p:cNvSpPr>
+            <a:spLocks noGrp="1"/>
+          </p:cNvSpPr>
+          <p:nvPr>
+            <p:ph type="body" idx="1"/>
+          </p:nvPr>
+        </p:nvSpPr>
+        <p:spPr/>
+        <p:txBody>
+          <a:bodyPr/>
+          <a:lstStyle/>
+          <a:p>
+            <a:r>
+              <a:rPr lang="pl-PL" dirty="0"/>
+              <a:t>Możemy o nich usłyszeć w trakcie </a:t>
+            </a:r>
+            <a:r>
+              <a:rPr lang="pl-PL"/>
+              <a:t>kariery zawodowej. </a:t>
+            </a:r>
+            <a:endParaRPr lang="en-GB" dirty="0"/>
+          </a:p>
+        </p:txBody>
+      </p:sp>
+    </p:spTree>
+    <p:extLst>
+      <p:ext uri="{BB962C8B-B14F-4D97-AF65-F5344CB8AC3E}">
+        <p14:creationId xmlns:p14="http://schemas.microsoft.com/office/powerpoint/2010/main" val="2860442970"/>
+      </p:ext>
+    </p:extLst>
+  </p:cSld>
+  <p:clrMapOvr>
+    <a:masterClrMapping/>
+  </p:clrMapOvr>
+</p:sld>
+</file>
+
+<file path=ppt/slides/slide18.xml><?xml version="1.0" encoding="utf-8"?>
 <p:sld xmlns:a="http://schemas.openxmlformats.org/drawingml/2006/main" xmlns:r="http://schemas.openxmlformats.org/officeDocument/2006/relationships" xmlns:p="http://schemas.openxmlformats.org/presentationml/2006/main">
   <p:cSld>
     <p:bg>
@@ -14158,7 +15895,7 @@
 </p:sld>
 </file>
 
-<file path=ppt/slides/slide14.xml><?xml version="1.0" encoding="utf-8"?>
+<file path=ppt/slides/slide19.xml><?xml version="1.0" encoding="utf-8"?>
 <p:sld xmlns:a="http://schemas.openxmlformats.org/drawingml/2006/main" xmlns:r="http://schemas.openxmlformats.org/officeDocument/2006/relationships" xmlns:p="http://schemas.openxmlformats.org/presentationml/2006/main">
   <p:cSld>
     <p:spTree>
@@ -14307,7 +16044,277 @@
 </p:sld>
 </file>
 
-<file path=ppt/slides/slide15.xml><?xml version="1.0" encoding="utf-8"?>
+<file path=ppt/slides/slide2.xml><?xml version="1.0" encoding="utf-8"?>
+<p:sld xmlns:a="http://schemas.openxmlformats.org/drawingml/2006/main" xmlns:r="http://schemas.openxmlformats.org/officeDocument/2006/relationships" xmlns:p="http://schemas.openxmlformats.org/presentationml/2006/main">
+  <p:cSld>
+    <p:bg>
+      <p:bgPr>
+        <a:solidFill>
+          <a:schemeClr val="bg2"/>
+        </a:solidFill>
+        <a:effectLst/>
+      </p:bgPr>
+    </p:bg>
+    <p:spTree>
+      <p:nvGrpSpPr>
+        <p:cNvPr id="1" name=""/>
+        <p:cNvGrpSpPr/>
+        <p:nvPr/>
+      </p:nvGrpSpPr>
+      <p:grpSpPr>
+        <a:xfrm>
+          <a:off x="0" y="0"/>
+          <a:ext cx="0" cy="0"/>
+          <a:chOff x="0" y="0"/>
+          <a:chExt cx="0" cy="0"/>
+        </a:xfrm>
+      </p:grpSpPr>
+      <p:sp>
+        <p:nvSpPr>
+          <p:cNvPr id="2" name="Title 1">
+            <a:extLst>
+              <a:ext uri="{FF2B5EF4-FFF2-40B4-BE49-F238E27FC236}">
+                <a16:creationId xmlns:a16="http://schemas.microsoft.com/office/drawing/2014/main" id="{EC7B9EFB-9468-8134-4CCC-65AB9B05D558}"/>
+              </a:ext>
+            </a:extLst>
+          </p:cNvPr>
+          <p:cNvSpPr>
+            <a:spLocks noGrp="1"/>
+          </p:cNvSpPr>
+          <p:nvPr>
+            <p:ph type="title"/>
+          </p:nvPr>
+        </p:nvSpPr>
+        <p:spPr>
+          <a:xfrm>
+            <a:off x="5536734" y="609600"/>
+            <a:ext cx="3737268" cy="1320800"/>
+          </a:xfrm>
+        </p:spPr>
+        <p:txBody>
+          <a:bodyPr>
+            <a:normAutofit/>
+          </a:bodyPr>
+          <a:lstStyle/>
+          <a:p>
+            <a:r>
+              <a:rPr lang="pl-PL" dirty="0"/>
+              <a:t>Kilka mądrych nazw</a:t>
+            </a:r>
+            <a:endParaRPr lang="en-GB" dirty="0"/>
+          </a:p>
+        </p:txBody>
+      </p:sp>
+      <p:sp>
+        <p:nvSpPr>
+          <p:cNvPr id="3" name="Content Placeholder 2">
+            <a:extLst>
+              <a:ext uri="{FF2B5EF4-FFF2-40B4-BE49-F238E27FC236}">
+                <a16:creationId xmlns:a16="http://schemas.microsoft.com/office/drawing/2014/main" id="{E271E7B7-90D9-9D19-D5BB-7520486959EA}"/>
+              </a:ext>
+            </a:extLst>
+          </p:cNvPr>
+          <p:cNvSpPr>
+            <a:spLocks noGrp="1"/>
+          </p:cNvSpPr>
+          <p:nvPr>
+            <p:ph idx="1"/>
+          </p:nvPr>
+        </p:nvSpPr>
+        <p:spPr>
+          <a:xfrm>
+            <a:off x="5209563" y="2160589"/>
+            <a:ext cx="4064439" cy="3880773"/>
+          </a:xfrm>
+        </p:spPr>
+        <p:txBody>
+          <a:bodyPr>
+            <a:normAutofit/>
+          </a:bodyPr>
+          <a:lstStyle/>
+          <a:p>
+            <a:r>
+              <a:rPr lang="pl-PL" dirty="0" err="1"/>
+              <a:t>Desk</a:t>
+            </a:r>
+            <a:r>
+              <a:rPr lang="pl-PL" dirty="0"/>
+              <a:t> </a:t>
+            </a:r>
+            <a:r>
+              <a:rPr lang="pl-PL" dirty="0" err="1"/>
+              <a:t>Research</a:t>
+            </a:r>
+            <a:r>
+              <a:rPr lang="pl-PL" dirty="0"/>
+              <a:t> – wyszukiwanie informacji</a:t>
+            </a:r>
+          </a:p>
+          <a:p>
+            <a:endParaRPr lang="pl-PL" dirty="0"/>
+          </a:p>
+          <a:p>
+            <a:r>
+              <a:rPr lang="pl-PL" dirty="0"/>
+              <a:t>Synonim </a:t>
+            </a:r>
+            <a:r>
+              <a:rPr lang="pl-PL"/>
+              <a:t>modny militarnie: </a:t>
+            </a:r>
+            <a:r>
+              <a:rPr lang="pl-PL" dirty="0"/>
+              <a:t>OSINT – Open Source </a:t>
+            </a:r>
+            <a:r>
+              <a:rPr lang="pl-PL" dirty="0" err="1"/>
+              <a:t>Intelligence</a:t>
+            </a:r>
+            <a:endParaRPr lang="pl-PL" dirty="0"/>
+          </a:p>
+          <a:p>
+            <a:pPr lvl="1"/>
+            <a:r>
+              <a:rPr lang="pl-PL" dirty="0"/>
+              <a:t>Pomoże w szukaniu oprogramowania.</a:t>
+            </a:r>
+            <a:endParaRPr lang="en-GB" dirty="0"/>
+          </a:p>
+        </p:txBody>
+      </p:sp>
+      <p:pic>
+        <p:nvPicPr>
+          <p:cNvPr id="5" name="Picture 4" descr="Lupa na czystym tle">
+            <a:extLst>
+              <a:ext uri="{FF2B5EF4-FFF2-40B4-BE49-F238E27FC236}">
+                <a16:creationId xmlns:a16="http://schemas.microsoft.com/office/drawing/2014/main" id="{8DC6B1D6-DC6E-AE62-1321-961F7984F6FC}"/>
+              </a:ext>
+            </a:extLst>
+          </p:cNvPr>
+          <p:cNvPicPr>
+            <a:picLocks noChangeAspect="1"/>
+          </p:cNvPicPr>
+          <p:nvPr/>
+        </p:nvPicPr>
+        <p:blipFill rotWithShape="1">
+          <a:blip r:embed="rId2"/>
+          <a:srcRect l="36885" r="10605" b="-2"/>
+          <a:stretch/>
+        </p:blipFill>
+        <p:spPr>
+          <a:xfrm>
+            <a:off x="20" y="-1"/>
+            <a:ext cx="5394940" cy="6858001"/>
+          </a:xfrm>
+          <a:custGeom>
+            <a:avLst/>
+            <a:gdLst/>
+            <a:ahLst/>
+            <a:cxnLst/>
+            <a:rect l="l" t="t" r="r" b="b"/>
+            <a:pathLst>
+              <a:path w="5394960" h="6858000">
+                <a:moveTo>
+                  <a:pt x="842596" y="0"/>
+                </a:moveTo>
+                <a:lnTo>
+                  <a:pt x="5394960" y="0"/>
+                </a:lnTo>
+                <a:lnTo>
+                  <a:pt x="5394960" y="21851"/>
+                </a:lnTo>
+                <a:lnTo>
+                  <a:pt x="4365943" y="6858000"/>
+                </a:lnTo>
+                <a:lnTo>
+                  <a:pt x="0" y="6858000"/>
+                </a:lnTo>
+                <a:lnTo>
+                  <a:pt x="0" y="5666154"/>
+                </a:lnTo>
+                <a:close/>
+              </a:path>
+            </a:pathLst>
+          </a:custGeom>
+        </p:spPr>
+      </p:pic>
+      <p:sp>
+        <p:nvSpPr>
+          <p:cNvPr id="9" name="Isosceles Triangle 8">
+            <a:extLst>
+              <a:ext uri="{FF2B5EF4-FFF2-40B4-BE49-F238E27FC236}">
+                <a16:creationId xmlns:a16="http://schemas.microsoft.com/office/drawing/2014/main" id="{3BCB5F6A-9EB0-40B0-9D13-3023E9A20508}"/>
+              </a:ext>
+              <a:ext uri="{C183D7F6-B498-43B3-948B-1728B52AA6E4}">
+                <adec:decorative xmlns:adec="http://schemas.microsoft.com/office/drawing/2017/decorative" val="1"/>
+              </a:ext>
+            </a:extLst>
+          </p:cNvPr>
+          <p:cNvSpPr>
+            <a:spLocks noGrp="1" noRot="1" noChangeAspect="1" noMove="1" noResize="1" noEditPoints="1" noAdjustHandles="1" noChangeArrowheads="1" noChangeShapeType="1" noTextEdit="1"/>
+          </p:cNvSpPr>
+          <p:nvPr>
+            <p:extLst>
+              <p:ext uri="{386F3935-93C4-4BCD-93E2-E3B085C9AB24}">
+                <p16:designElem xmlns:p16="http://schemas.microsoft.com/office/powerpoint/2015/main" val="1"/>
+              </p:ext>
+            </p:extLst>
+          </p:nvPr>
+        </p:nvSpPr>
+        <p:spPr>
+          <a:xfrm rot="10800000">
+            <a:off x="0" y="0"/>
+            <a:ext cx="842596" cy="5666154"/>
+          </a:xfrm>
+          <a:prstGeom prst="triangle">
+            <a:avLst>
+              <a:gd name="adj" fmla="val 100000"/>
+            </a:avLst>
+          </a:prstGeom>
+          <a:solidFill>
+            <a:schemeClr val="accent1"/>
+          </a:solidFill>
+          <a:ln>
+            <a:noFill/>
+          </a:ln>
+          <a:effectLst/>
+        </p:spPr>
+        <p:style>
+          <a:lnRef idx="1">
+            <a:schemeClr val="accent1"/>
+          </a:lnRef>
+          <a:fillRef idx="3">
+            <a:schemeClr val="accent1"/>
+          </a:fillRef>
+          <a:effectRef idx="2">
+            <a:schemeClr val="accent1"/>
+          </a:effectRef>
+          <a:fontRef idx="minor">
+            <a:schemeClr val="lt1"/>
+          </a:fontRef>
+        </p:style>
+        <p:txBody>
+          <a:bodyPr/>
+          <a:lstStyle/>
+          <a:p>
+            <a:endParaRPr lang="en-GB"/>
+          </a:p>
+        </p:txBody>
+      </p:sp>
+    </p:spTree>
+    <p:extLst>
+      <p:ext uri="{BB962C8B-B14F-4D97-AF65-F5344CB8AC3E}">
+        <p14:creationId xmlns:p14="http://schemas.microsoft.com/office/powerpoint/2010/main" val="4293947993"/>
+      </p:ext>
+    </p:extLst>
+  </p:cSld>
+  <p:clrMapOvr>
+    <a:overrideClrMapping bg1="dk1" tx1="lt1" bg2="dk2" tx2="lt2" accent1="accent1" accent2="accent2" accent3="accent3" accent4="accent4" accent5="accent5" accent6="accent6" hlink="hlink" folHlink="folHlink"/>
+  </p:clrMapOvr>
+</p:sld>
+</file>
+
+<file path=ppt/slides/slide20.xml><?xml version="1.0" encoding="utf-8"?>
 <p:sld xmlns:a="http://schemas.openxmlformats.org/drawingml/2006/main" xmlns:r="http://schemas.openxmlformats.org/officeDocument/2006/relationships" xmlns:p="http://schemas.openxmlformats.org/presentationml/2006/main">
   <p:cSld>
     <p:bg>
@@ -15222,7 +17229,7 @@
 </p:sld>
 </file>
 
-<file path=ppt/slides/slide16.xml><?xml version="1.0" encoding="utf-8"?>
+<file path=ppt/slides/slide21.xml><?xml version="1.0" encoding="utf-8"?>
 <p:sld xmlns:a="http://schemas.openxmlformats.org/drawingml/2006/main" xmlns:r="http://schemas.openxmlformats.org/officeDocument/2006/relationships" xmlns:p="http://schemas.openxmlformats.org/presentationml/2006/main">
   <p:cSld>
     <p:bg>
@@ -16172,7 +18179,7 @@
 </p:sld>
 </file>
 
-<file path=ppt/slides/slide17.xml><?xml version="1.0" encoding="utf-8"?>
+<file path=ppt/slides/slide22.xml><?xml version="1.0" encoding="utf-8"?>
 <p:sld xmlns:a="http://schemas.openxmlformats.org/drawingml/2006/main" xmlns:r="http://schemas.openxmlformats.org/officeDocument/2006/relationships" xmlns:p="http://schemas.openxmlformats.org/presentationml/2006/main">
   <p:cSld>
     <p:bg>
@@ -17080,7 +19087,7 @@
 </p:sld>
 </file>
 
-<file path=ppt/slides/slide18.xml><?xml version="1.0" encoding="utf-8"?>
+<file path=ppt/slides/slide23.xml><?xml version="1.0" encoding="utf-8"?>
 <p:sld xmlns:a="http://schemas.openxmlformats.org/drawingml/2006/main" xmlns:r="http://schemas.openxmlformats.org/officeDocument/2006/relationships" xmlns:p="http://schemas.openxmlformats.org/presentationml/2006/main">
   <p:cSld>
     <p:bg>
@@ -17551,7 +19558,7 @@
 </p:sld>
 </file>
 
-<file path=ppt/slides/slide19.xml><?xml version="1.0" encoding="utf-8"?>
+<file path=ppt/slides/slide24.xml><?xml version="1.0" encoding="utf-8"?>
 <p:sld xmlns:a="http://schemas.openxmlformats.org/drawingml/2006/main" xmlns:r="http://schemas.openxmlformats.org/officeDocument/2006/relationships" xmlns:p="http://schemas.openxmlformats.org/presentationml/2006/main">
   <p:cSld>
     <p:bg>
@@ -17857,277 +19864,7 @@
 </p:sld>
 </file>
 
-<file path=ppt/slides/slide2.xml><?xml version="1.0" encoding="utf-8"?>
-<p:sld xmlns:a="http://schemas.openxmlformats.org/drawingml/2006/main" xmlns:r="http://schemas.openxmlformats.org/officeDocument/2006/relationships" xmlns:p="http://schemas.openxmlformats.org/presentationml/2006/main">
-  <p:cSld>
-    <p:bg>
-      <p:bgPr>
-        <a:solidFill>
-          <a:schemeClr val="bg2"/>
-        </a:solidFill>
-        <a:effectLst/>
-      </p:bgPr>
-    </p:bg>
-    <p:spTree>
-      <p:nvGrpSpPr>
-        <p:cNvPr id="1" name=""/>
-        <p:cNvGrpSpPr/>
-        <p:nvPr/>
-      </p:nvGrpSpPr>
-      <p:grpSpPr>
-        <a:xfrm>
-          <a:off x="0" y="0"/>
-          <a:ext cx="0" cy="0"/>
-          <a:chOff x="0" y="0"/>
-          <a:chExt cx="0" cy="0"/>
-        </a:xfrm>
-      </p:grpSpPr>
-      <p:sp>
-        <p:nvSpPr>
-          <p:cNvPr id="2" name="Title 1">
-            <a:extLst>
-              <a:ext uri="{FF2B5EF4-FFF2-40B4-BE49-F238E27FC236}">
-                <a16:creationId xmlns:a16="http://schemas.microsoft.com/office/drawing/2014/main" id="{EC7B9EFB-9468-8134-4CCC-65AB9B05D558}"/>
-              </a:ext>
-            </a:extLst>
-          </p:cNvPr>
-          <p:cNvSpPr>
-            <a:spLocks noGrp="1"/>
-          </p:cNvSpPr>
-          <p:nvPr>
-            <p:ph type="title"/>
-          </p:nvPr>
-        </p:nvSpPr>
-        <p:spPr>
-          <a:xfrm>
-            <a:off x="5536734" y="609600"/>
-            <a:ext cx="3737268" cy="1320800"/>
-          </a:xfrm>
-        </p:spPr>
-        <p:txBody>
-          <a:bodyPr>
-            <a:normAutofit/>
-          </a:bodyPr>
-          <a:lstStyle/>
-          <a:p>
-            <a:r>
-              <a:rPr lang="pl-PL" dirty="0"/>
-              <a:t>Kilka mądrych nazw</a:t>
-            </a:r>
-            <a:endParaRPr lang="en-GB" dirty="0"/>
-          </a:p>
-        </p:txBody>
-      </p:sp>
-      <p:sp>
-        <p:nvSpPr>
-          <p:cNvPr id="3" name="Content Placeholder 2">
-            <a:extLst>
-              <a:ext uri="{FF2B5EF4-FFF2-40B4-BE49-F238E27FC236}">
-                <a16:creationId xmlns:a16="http://schemas.microsoft.com/office/drawing/2014/main" id="{E271E7B7-90D9-9D19-D5BB-7520486959EA}"/>
-              </a:ext>
-            </a:extLst>
-          </p:cNvPr>
-          <p:cNvSpPr>
-            <a:spLocks noGrp="1"/>
-          </p:cNvSpPr>
-          <p:nvPr>
-            <p:ph idx="1"/>
-          </p:nvPr>
-        </p:nvSpPr>
-        <p:spPr>
-          <a:xfrm>
-            <a:off x="5209563" y="2160589"/>
-            <a:ext cx="4064439" cy="3880773"/>
-          </a:xfrm>
-        </p:spPr>
-        <p:txBody>
-          <a:bodyPr>
-            <a:normAutofit/>
-          </a:bodyPr>
-          <a:lstStyle/>
-          <a:p>
-            <a:r>
-              <a:rPr lang="pl-PL" dirty="0" err="1"/>
-              <a:t>Desk</a:t>
-            </a:r>
-            <a:r>
-              <a:rPr lang="pl-PL" dirty="0"/>
-              <a:t> </a:t>
-            </a:r>
-            <a:r>
-              <a:rPr lang="pl-PL" dirty="0" err="1"/>
-              <a:t>Research</a:t>
-            </a:r>
-            <a:r>
-              <a:rPr lang="pl-PL" dirty="0"/>
-              <a:t> – wyszukiwanie informacji</a:t>
-            </a:r>
-          </a:p>
-          <a:p>
-            <a:endParaRPr lang="pl-PL" dirty="0"/>
-          </a:p>
-          <a:p>
-            <a:r>
-              <a:rPr lang="pl-PL" dirty="0"/>
-              <a:t>Synonim </a:t>
-            </a:r>
-            <a:r>
-              <a:rPr lang="pl-PL"/>
-              <a:t>modny militarnie: </a:t>
-            </a:r>
-            <a:r>
-              <a:rPr lang="pl-PL" dirty="0"/>
-              <a:t>OSINT – Open Source </a:t>
-            </a:r>
-            <a:r>
-              <a:rPr lang="pl-PL" dirty="0" err="1"/>
-              <a:t>Intelligence</a:t>
-            </a:r>
-            <a:endParaRPr lang="pl-PL" dirty="0"/>
-          </a:p>
-          <a:p>
-            <a:pPr lvl="1"/>
-            <a:r>
-              <a:rPr lang="pl-PL" dirty="0"/>
-              <a:t>Pomoże w szukaniu oprogramowania.</a:t>
-            </a:r>
-            <a:endParaRPr lang="en-GB" dirty="0"/>
-          </a:p>
-        </p:txBody>
-      </p:sp>
-      <p:pic>
-        <p:nvPicPr>
-          <p:cNvPr id="5" name="Picture 4" descr="Lupa na czystym tle">
-            <a:extLst>
-              <a:ext uri="{FF2B5EF4-FFF2-40B4-BE49-F238E27FC236}">
-                <a16:creationId xmlns:a16="http://schemas.microsoft.com/office/drawing/2014/main" id="{8DC6B1D6-DC6E-AE62-1321-961F7984F6FC}"/>
-              </a:ext>
-            </a:extLst>
-          </p:cNvPr>
-          <p:cNvPicPr>
-            <a:picLocks noChangeAspect="1"/>
-          </p:cNvPicPr>
-          <p:nvPr/>
-        </p:nvPicPr>
-        <p:blipFill rotWithShape="1">
-          <a:blip r:embed="rId2"/>
-          <a:srcRect l="36885" r="10605" b="-2"/>
-          <a:stretch/>
-        </p:blipFill>
-        <p:spPr>
-          <a:xfrm>
-            <a:off x="20" y="-1"/>
-            <a:ext cx="5394940" cy="6858001"/>
-          </a:xfrm>
-          <a:custGeom>
-            <a:avLst/>
-            <a:gdLst/>
-            <a:ahLst/>
-            <a:cxnLst/>
-            <a:rect l="l" t="t" r="r" b="b"/>
-            <a:pathLst>
-              <a:path w="5394960" h="6858000">
-                <a:moveTo>
-                  <a:pt x="842596" y="0"/>
-                </a:moveTo>
-                <a:lnTo>
-                  <a:pt x="5394960" y="0"/>
-                </a:lnTo>
-                <a:lnTo>
-                  <a:pt x="5394960" y="21851"/>
-                </a:lnTo>
-                <a:lnTo>
-                  <a:pt x="4365943" y="6858000"/>
-                </a:lnTo>
-                <a:lnTo>
-                  <a:pt x="0" y="6858000"/>
-                </a:lnTo>
-                <a:lnTo>
-                  <a:pt x="0" y="5666154"/>
-                </a:lnTo>
-                <a:close/>
-              </a:path>
-            </a:pathLst>
-          </a:custGeom>
-        </p:spPr>
-      </p:pic>
-      <p:sp>
-        <p:nvSpPr>
-          <p:cNvPr id="9" name="Isosceles Triangle 8">
-            <a:extLst>
-              <a:ext uri="{FF2B5EF4-FFF2-40B4-BE49-F238E27FC236}">
-                <a16:creationId xmlns:a16="http://schemas.microsoft.com/office/drawing/2014/main" id="{3BCB5F6A-9EB0-40B0-9D13-3023E9A20508}"/>
-              </a:ext>
-              <a:ext uri="{C183D7F6-B498-43B3-948B-1728B52AA6E4}">
-                <adec:decorative xmlns:adec="http://schemas.microsoft.com/office/drawing/2017/decorative" val="1"/>
-              </a:ext>
-            </a:extLst>
-          </p:cNvPr>
-          <p:cNvSpPr>
-            <a:spLocks noGrp="1" noRot="1" noChangeAspect="1" noMove="1" noResize="1" noEditPoints="1" noAdjustHandles="1" noChangeArrowheads="1" noChangeShapeType="1" noTextEdit="1"/>
-          </p:cNvSpPr>
-          <p:nvPr>
-            <p:extLst>
-              <p:ext uri="{386F3935-93C4-4BCD-93E2-E3B085C9AB24}">
-                <p16:designElem xmlns:p16="http://schemas.microsoft.com/office/powerpoint/2015/main" val="1"/>
-              </p:ext>
-            </p:extLst>
-          </p:nvPr>
-        </p:nvSpPr>
-        <p:spPr>
-          <a:xfrm rot="10800000">
-            <a:off x="0" y="0"/>
-            <a:ext cx="842596" cy="5666154"/>
-          </a:xfrm>
-          <a:prstGeom prst="triangle">
-            <a:avLst>
-              <a:gd name="adj" fmla="val 100000"/>
-            </a:avLst>
-          </a:prstGeom>
-          <a:solidFill>
-            <a:schemeClr val="accent1"/>
-          </a:solidFill>
-          <a:ln>
-            <a:noFill/>
-          </a:ln>
-          <a:effectLst/>
-        </p:spPr>
-        <p:style>
-          <a:lnRef idx="1">
-            <a:schemeClr val="accent1"/>
-          </a:lnRef>
-          <a:fillRef idx="3">
-            <a:schemeClr val="accent1"/>
-          </a:fillRef>
-          <a:effectRef idx="2">
-            <a:schemeClr val="accent1"/>
-          </a:effectRef>
-          <a:fontRef idx="minor">
-            <a:schemeClr val="lt1"/>
-          </a:fontRef>
-        </p:style>
-        <p:txBody>
-          <a:bodyPr/>
-          <a:lstStyle/>
-          <a:p>
-            <a:endParaRPr lang="en-GB"/>
-          </a:p>
-        </p:txBody>
-      </p:sp>
-    </p:spTree>
-    <p:extLst>
-      <p:ext uri="{BB962C8B-B14F-4D97-AF65-F5344CB8AC3E}">
-        <p14:creationId xmlns:p14="http://schemas.microsoft.com/office/powerpoint/2010/main" val="4293947993"/>
-      </p:ext>
-    </p:extLst>
-  </p:cSld>
-  <p:clrMapOvr>
-    <a:overrideClrMapping bg1="dk1" tx1="lt1" bg2="dk2" tx2="lt2" accent1="accent1" accent2="accent2" accent3="accent3" accent4="accent4" accent5="accent5" accent6="accent6" hlink="hlink" folHlink="folHlink"/>
-  </p:clrMapOvr>
-</p:sld>
-</file>
-
-<file path=ppt/slides/slide20.xml><?xml version="1.0" encoding="utf-8"?>
+<file path=ppt/slides/slide25.xml><?xml version="1.0" encoding="utf-8"?>
 <p:sld xmlns:a="http://schemas.openxmlformats.org/drawingml/2006/main" xmlns:r="http://schemas.openxmlformats.org/officeDocument/2006/relationships" xmlns:p="http://schemas.openxmlformats.org/presentationml/2006/main">
   <p:cSld>
     <p:spTree>
@@ -18224,6 +19961,1258 @@
 </file>
 
 <file path=ppt/slides/slide3.xml><?xml version="1.0" encoding="utf-8"?>
+<p:sld xmlns:a="http://schemas.openxmlformats.org/drawingml/2006/main" xmlns:r="http://schemas.openxmlformats.org/officeDocument/2006/relationships" xmlns:p="http://schemas.openxmlformats.org/presentationml/2006/main">
+  <p:cSld>
+    <p:bg>
+      <p:bgPr>
+        <a:solidFill>
+          <a:schemeClr val="bg1"/>
+        </a:solidFill>
+        <a:effectLst/>
+      </p:bgPr>
+    </p:bg>
+    <p:spTree>
+      <p:nvGrpSpPr>
+        <p:cNvPr id="1" name=""/>
+        <p:cNvGrpSpPr/>
+        <p:nvPr/>
+      </p:nvGrpSpPr>
+      <p:grpSpPr>
+        <a:xfrm>
+          <a:off x="0" y="0"/>
+          <a:ext cx="0" cy="0"/>
+          <a:chOff x="0" y="0"/>
+          <a:chExt cx="0" cy="0"/>
+        </a:xfrm>
+      </p:grpSpPr>
+      <p:sp>
+        <p:nvSpPr>
+          <p:cNvPr id="2" name="Title 1">
+            <a:extLst>
+              <a:ext uri="{FF2B5EF4-FFF2-40B4-BE49-F238E27FC236}">
+                <a16:creationId xmlns:a16="http://schemas.microsoft.com/office/drawing/2014/main" id="{2E944ECD-D1E3-A1EE-C0AE-5147D723A632}"/>
+              </a:ext>
+            </a:extLst>
+          </p:cNvPr>
+          <p:cNvSpPr>
+            <a:spLocks noGrp="1"/>
+          </p:cNvSpPr>
+          <p:nvPr>
+            <p:ph type="title"/>
+          </p:nvPr>
+        </p:nvSpPr>
+        <p:spPr>
+          <a:xfrm>
+            <a:off x="2849562" y="609600"/>
+            <a:ext cx="6424440" cy="1320800"/>
+          </a:xfrm>
+        </p:spPr>
+        <p:txBody>
+          <a:bodyPr>
+            <a:normAutofit/>
+          </a:bodyPr>
+          <a:lstStyle/>
+          <a:p>
+            <a:r>
+              <a:rPr lang="pl-PL" dirty="0"/>
+              <a:t>Po co nam </a:t>
+            </a:r>
+            <a:r>
+              <a:rPr lang="pl-PL" dirty="0" err="1"/>
+              <a:t>Desk</a:t>
+            </a:r>
+            <a:r>
+              <a:rPr lang="pl-PL" dirty="0"/>
+              <a:t> </a:t>
+            </a:r>
+            <a:r>
+              <a:rPr lang="pl-PL" dirty="0" err="1"/>
+              <a:t>Research</a:t>
+            </a:r>
+            <a:r>
+              <a:rPr lang="pl-PL" dirty="0"/>
+              <a:t> </a:t>
+            </a:r>
+            <a:endParaRPr lang="en-GB" dirty="0"/>
+          </a:p>
+        </p:txBody>
+      </p:sp>
+      <p:pic>
+        <p:nvPicPr>
+          <p:cNvPr id="6" name="Picture 5" descr="Osoba korzystająca z mikroskopu">
+            <a:extLst>
+              <a:ext uri="{FF2B5EF4-FFF2-40B4-BE49-F238E27FC236}">
+                <a16:creationId xmlns:a16="http://schemas.microsoft.com/office/drawing/2014/main" id="{5E6C687C-8E0F-9E8F-3146-B77C1AA9F20F}"/>
+              </a:ext>
+            </a:extLst>
+          </p:cNvPr>
+          <p:cNvPicPr>
+            <a:picLocks noChangeAspect="1"/>
+          </p:cNvPicPr>
+          <p:nvPr/>
+        </p:nvPicPr>
+        <p:blipFill rotWithShape="1">
+          <a:blip r:embed="rId2"/>
+          <a:srcRect l="34185" r="46308" b="-1"/>
+          <a:stretch/>
+        </p:blipFill>
+        <p:spPr>
+          <a:xfrm>
+            <a:off x="20" y="10"/>
+            <a:ext cx="2734036" cy="6867719"/>
+          </a:xfrm>
+          <a:custGeom>
+            <a:avLst/>
+            <a:gdLst/>
+            <a:ahLst/>
+            <a:cxnLst/>
+            <a:rect l="l" t="t" r="r" b="b"/>
+            <a:pathLst>
+              <a:path w="2734056" h="6858000">
+                <a:moveTo>
+                  <a:pt x="0" y="0"/>
+                </a:moveTo>
+                <a:lnTo>
+                  <a:pt x="1674254" y="0"/>
+                </a:lnTo>
+                <a:lnTo>
+                  <a:pt x="2734056" y="6850199"/>
+                </a:lnTo>
+                <a:lnTo>
+                  <a:pt x="2734056" y="6858000"/>
+                </a:lnTo>
+                <a:lnTo>
+                  <a:pt x="461457" y="6858000"/>
+                </a:lnTo>
+                <a:lnTo>
+                  <a:pt x="0" y="4134118"/>
+                </a:lnTo>
+                <a:close/>
+              </a:path>
+            </a:pathLst>
+          </a:custGeom>
+        </p:spPr>
+      </p:pic>
+      <p:sp>
+        <p:nvSpPr>
+          <p:cNvPr id="9" name="Isosceles Triangle 8">
+            <a:extLst>
+              <a:ext uri="{FF2B5EF4-FFF2-40B4-BE49-F238E27FC236}">
+                <a16:creationId xmlns:a16="http://schemas.microsoft.com/office/drawing/2014/main" id="{EB6743CF-E74B-4A3C-A785-599069DB89DF}"/>
+              </a:ext>
+              <a:ext uri="{C183D7F6-B498-43B3-948B-1728B52AA6E4}">
+                <adec:decorative xmlns:adec="http://schemas.microsoft.com/office/drawing/2017/decorative" val="1"/>
+              </a:ext>
+            </a:extLst>
+          </p:cNvPr>
+          <p:cNvSpPr>
+            <a:spLocks noGrp="1" noRot="1" noChangeAspect="1" noMove="1" noResize="1" noEditPoints="1" noAdjustHandles="1" noChangeArrowheads="1" noChangeShapeType="1" noTextEdit="1"/>
+          </p:cNvSpPr>
+          <p:nvPr>
+            <p:extLst>
+              <p:ext uri="{386F3935-93C4-4BCD-93E2-E3B085C9AB24}">
+                <p16:designElem xmlns:p16="http://schemas.microsoft.com/office/powerpoint/2015/main" val="1"/>
+              </p:ext>
+            </p:extLst>
+          </p:nvPr>
+        </p:nvSpPr>
+        <p:spPr>
+          <a:xfrm>
+            <a:off x="0" y="4013201"/>
+            <a:ext cx="476655" cy="2844800"/>
+          </a:xfrm>
+          <a:prstGeom prst="triangle">
+            <a:avLst>
+              <a:gd name="adj" fmla="val 0"/>
+            </a:avLst>
+          </a:prstGeom>
+          <a:solidFill>
+            <a:schemeClr val="accent1"/>
+          </a:solidFill>
+          <a:ln>
+            <a:noFill/>
+          </a:ln>
+          <a:effectLst/>
+        </p:spPr>
+        <p:style>
+          <a:lnRef idx="1">
+            <a:schemeClr val="accent1"/>
+          </a:lnRef>
+          <a:fillRef idx="3">
+            <a:schemeClr val="accent1"/>
+          </a:fillRef>
+          <a:effectRef idx="2">
+            <a:schemeClr val="accent1"/>
+          </a:effectRef>
+          <a:fontRef idx="minor">
+            <a:schemeClr val="lt1"/>
+          </a:fontRef>
+        </p:style>
+        <p:txBody>
+          <a:bodyPr/>
+          <a:lstStyle/>
+          <a:p>
+            <a:endParaRPr lang="en-GB"/>
+          </a:p>
+        </p:txBody>
+      </p:sp>
+      <p:sp>
+        <p:nvSpPr>
+          <p:cNvPr id="3" name="Content Placeholder 2">
+            <a:extLst>
+              <a:ext uri="{FF2B5EF4-FFF2-40B4-BE49-F238E27FC236}">
+                <a16:creationId xmlns:a16="http://schemas.microsoft.com/office/drawing/2014/main" id="{A080AE80-BF4C-DA79-A680-3105D36562B6}"/>
+              </a:ext>
+            </a:extLst>
+          </p:cNvPr>
+          <p:cNvSpPr>
+            <a:spLocks noGrp="1"/>
+          </p:cNvSpPr>
+          <p:nvPr>
+            <p:ph idx="1"/>
+          </p:nvPr>
+        </p:nvSpPr>
+        <p:spPr>
+          <a:xfrm>
+            <a:off x="2849562" y="2160589"/>
+            <a:ext cx="6424440" cy="3880773"/>
+          </a:xfrm>
+        </p:spPr>
+        <p:txBody>
+          <a:bodyPr>
+            <a:normAutofit/>
+          </a:bodyPr>
+          <a:lstStyle/>
+          <a:p>
+            <a:r>
+              <a:rPr lang="pl-PL" dirty="0"/>
+              <a:t>Badania ankietowe mogą dać słabe wyniki – często błędne.</a:t>
+            </a:r>
+          </a:p>
+          <a:p>
+            <a:pPr marL="0" indent="0">
+              <a:buNone/>
+            </a:pPr>
+            <a:endParaRPr lang="pl-PL" dirty="0"/>
+          </a:p>
+          <a:p>
+            <a:r>
+              <a:rPr lang="pl-PL" dirty="0"/>
+              <a:t>Przykład raport </a:t>
+            </a:r>
+            <a:r>
+              <a:rPr lang="pl-PL" dirty="0" err="1"/>
+              <a:t>kryptowaluty</a:t>
+            </a:r>
+            <a:r>
+              <a:rPr lang="pl-PL" dirty="0"/>
+              <a:t>: </a:t>
+            </a:r>
+            <a:r>
+              <a:rPr lang="pl-PL" dirty="0">
+                <a:hlinkClick r:id="rId3"/>
+              </a:rPr>
+              <a:t>https://pie.net.pl/94-proc-polakow-slyszalo-o-kryptowalutach-ale-tylko-co-druga-osoba-uwaza-ze-sa-one-bezpieczne/</a:t>
+            </a:r>
+            <a:r>
+              <a:rPr lang="pl-PL" dirty="0"/>
+              <a:t> </a:t>
+            </a:r>
+          </a:p>
+          <a:p>
+            <a:endParaRPr lang="pl-PL" dirty="0"/>
+          </a:p>
+          <a:p>
+            <a:r>
+              <a:rPr lang="pl-PL" dirty="0"/>
+              <a:t>Wyniki ankiet – </a:t>
+            </a:r>
+            <a:r>
+              <a:rPr lang="pl-PL" b="1" u="sng" dirty="0">
+                <a:solidFill>
+                  <a:schemeClr val="tx2">
+                    <a:lumMod val="50000"/>
+                  </a:schemeClr>
+                </a:solidFill>
+              </a:rPr>
+              <a:t>24% osób w Polsce posiada bądź posiadało BTC. </a:t>
+            </a:r>
+            <a:endParaRPr lang="en-GB" b="1" u="sng" dirty="0">
+              <a:solidFill>
+                <a:schemeClr val="tx2">
+                  <a:lumMod val="50000"/>
+                </a:schemeClr>
+              </a:solidFill>
+            </a:endParaRPr>
+          </a:p>
+        </p:txBody>
+      </p:sp>
+    </p:spTree>
+    <p:extLst>
+      <p:ext uri="{BB962C8B-B14F-4D97-AF65-F5344CB8AC3E}">
+        <p14:creationId xmlns:p14="http://schemas.microsoft.com/office/powerpoint/2010/main" val="3893542826"/>
+      </p:ext>
+    </p:extLst>
+  </p:cSld>
+  <p:clrMapOvr>
+    <a:masterClrMapping/>
+  </p:clrMapOvr>
+</p:sld>
+</file>
+
+<file path=ppt/slides/slide4.xml><?xml version="1.0" encoding="utf-8"?>
+<p:sld xmlns:a="http://schemas.openxmlformats.org/drawingml/2006/main" xmlns:r="http://schemas.openxmlformats.org/officeDocument/2006/relationships" xmlns:p="http://schemas.openxmlformats.org/presentationml/2006/main">
+  <p:cSld>
+    <p:bg>
+      <p:bgPr>
+        <a:solidFill>
+          <a:schemeClr val="bg1"/>
+        </a:solidFill>
+        <a:effectLst/>
+      </p:bgPr>
+    </p:bg>
+    <p:spTree>
+      <p:nvGrpSpPr>
+        <p:cNvPr id="1" name=""/>
+        <p:cNvGrpSpPr/>
+        <p:nvPr/>
+      </p:nvGrpSpPr>
+      <p:grpSpPr>
+        <a:xfrm>
+          <a:off x="0" y="0"/>
+          <a:ext cx="0" cy="0"/>
+          <a:chOff x="0" y="0"/>
+          <a:chExt cx="0" cy="0"/>
+        </a:xfrm>
+      </p:grpSpPr>
+      <p:grpSp>
+        <p:nvGrpSpPr>
+          <p:cNvPr id="40" name="Group 39">
+            <a:extLst>
+              <a:ext uri="{FF2B5EF4-FFF2-40B4-BE49-F238E27FC236}">
+                <a16:creationId xmlns:a16="http://schemas.microsoft.com/office/drawing/2014/main" id="{B4DE830A-B531-4A3B-96F6-0ECE88B08555}"/>
+              </a:ext>
+              <a:ext uri="{C183D7F6-B498-43B3-948B-1728B52AA6E4}">
+                <adec:decorative xmlns:adec="http://schemas.microsoft.com/office/drawing/2017/decorative" val="1"/>
+              </a:ext>
+            </a:extLst>
+          </p:cNvPr>
+          <p:cNvGrpSpPr>
+            <a:grpSpLocks noGrp="1" noUngrp="1" noRot="1" noChangeAspect="1" noMove="1" noResize="1"/>
+          </p:cNvGrpSpPr>
+          <p:nvPr>
+            <p:extLst>
+              <p:ext uri="{386F3935-93C4-4BCD-93E2-E3B085C9AB24}">
+                <p16:designElem xmlns:p16="http://schemas.microsoft.com/office/powerpoint/2015/main" val="1"/>
+              </p:ext>
+            </p:extLst>
+          </p:nvPr>
+        </p:nvGrpSpPr>
+        <p:grpSpPr>
+          <a:xfrm>
+            <a:off x="0" y="-8467"/>
+            <a:ext cx="12192000" cy="6866467"/>
+            <a:chOff x="0" y="-8467"/>
+            <a:chExt cx="12192000" cy="6866467"/>
+          </a:xfrm>
+        </p:grpSpPr>
+        <p:cxnSp>
+          <p:nvCxnSpPr>
+            <p:cNvPr id="11" name="Straight Connector 10">
+              <a:extLst>
+                <a:ext uri="{FF2B5EF4-FFF2-40B4-BE49-F238E27FC236}">
+                  <a16:creationId xmlns:a16="http://schemas.microsoft.com/office/drawing/2014/main" id="{2813DF2C-461A-4A8F-9679-A172790D1F3A}"/>
+                </a:ext>
+                <a:ext uri="{C183D7F6-B498-43B3-948B-1728B52AA6E4}">
+                  <adec:decorative xmlns:adec="http://schemas.microsoft.com/office/drawing/2017/decorative" val="1"/>
+                </a:ext>
+              </a:extLst>
+            </p:cNvPr>
+            <p:cNvCxnSpPr/>
+            <p:nvPr>
+              <p:extLst>
+                <p:ext uri="{386F3935-93C4-4BCD-93E2-E3B085C9AB24}">
+                  <p16:designElem xmlns:p16="http://schemas.microsoft.com/office/powerpoint/2015/main" val="1"/>
+                </p:ext>
+              </p:extLst>
+            </p:nvPr>
+          </p:nvCxnSpPr>
+          <p:spPr>
+            <a:xfrm>
+              <a:off x="9371012" y="0"/>
+              <a:ext cx="1219200" cy="6858000"/>
+            </a:xfrm>
+            <a:prstGeom prst="line">
+              <a:avLst/>
+            </a:prstGeom>
+            <a:ln w="9525">
+              <a:solidFill>
+                <a:schemeClr val="bg1">
+                  <a:lumMod val="75000"/>
+                </a:schemeClr>
+              </a:solidFill>
+            </a:ln>
+          </p:spPr>
+          <p:style>
+            <a:lnRef idx="2">
+              <a:schemeClr val="accent1"/>
+            </a:lnRef>
+            <a:fillRef idx="0">
+              <a:schemeClr val="accent1"/>
+            </a:fillRef>
+            <a:effectRef idx="1">
+              <a:schemeClr val="accent1"/>
+            </a:effectRef>
+            <a:fontRef idx="minor">
+              <a:schemeClr val="tx1"/>
+            </a:fontRef>
+          </p:style>
+        </p:cxnSp>
+        <p:cxnSp>
+          <p:nvCxnSpPr>
+            <p:cNvPr id="12" name="Straight Connector 11">
+              <a:extLst>
+                <a:ext uri="{FF2B5EF4-FFF2-40B4-BE49-F238E27FC236}">
+                  <a16:creationId xmlns:a16="http://schemas.microsoft.com/office/drawing/2014/main" id="{54CD3A85-C039-4249-86E4-1EB9318B5495}"/>
+                </a:ext>
+                <a:ext uri="{C183D7F6-B498-43B3-948B-1728B52AA6E4}">
+                  <adec:decorative xmlns:adec="http://schemas.microsoft.com/office/drawing/2017/decorative" val="1"/>
+                </a:ext>
+              </a:extLst>
+            </p:cNvPr>
+            <p:cNvCxnSpPr/>
+            <p:nvPr>
+              <p:extLst>
+                <p:ext uri="{386F3935-93C4-4BCD-93E2-E3B085C9AB24}">
+                  <p16:designElem xmlns:p16="http://schemas.microsoft.com/office/powerpoint/2015/main" val="1"/>
+                </p:ext>
+              </p:extLst>
+            </p:nvPr>
+          </p:nvCxnSpPr>
+          <p:spPr>
+            <a:xfrm flipH="1">
+              <a:off x="7425267" y="3681413"/>
+              <a:ext cx="4763558" cy="3176587"/>
+            </a:xfrm>
+            <a:prstGeom prst="line">
+              <a:avLst/>
+            </a:prstGeom>
+            <a:ln w="9525">
+              <a:solidFill>
+                <a:schemeClr val="bg1">
+                  <a:lumMod val="85000"/>
+                </a:schemeClr>
+              </a:solidFill>
+            </a:ln>
+          </p:spPr>
+          <p:style>
+            <a:lnRef idx="2">
+              <a:schemeClr val="accent1"/>
+            </a:lnRef>
+            <a:fillRef idx="0">
+              <a:schemeClr val="accent1"/>
+            </a:fillRef>
+            <a:effectRef idx="1">
+              <a:schemeClr val="accent1"/>
+            </a:effectRef>
+            <a:fontRef idx="minor">
+              <a:schemeClr val="tx1"/>
+            </a:fontRef>
+          </p:style>
+        </p:cxnSp>
+        <p:sp>
+          <p:nvSpPr>
+            <p:cNvPr id="13" name="Rectangle 23">
+              <a:extLst>
+                <a:ext uri="{FF2B5EF4-FFF2-40B4-BE49-F238E27FC236}">
+                  <a16:creationId xmlns:a16="http://schemas.microsoft.com/office/drawing/2014/main" id="{887EA6D2-2883-42C2-993D-094CA6D65DA3}"/>
+                </a:ext>
+                <a:ext uri="{C183D7F6-B498-43B3-948B-1728B52AA6E4}">
+                  <adec:decorative xmlns:adec="http://schemas.microsoft.com/office/drawing/2017/decorative" val="1"/>
+                </a:ext>
+              </a:extLst>
+            </p:cNvPr>
+            <p:cNvSpPr/>
+            <p:nvPr>
+              <p:extLst>
+                <p:ext uri="{386F3935-93C4-4BCD-93E2-E3B085C9AB24}">
+                  <p16:designElem xmlns:p16="http://schemas.microsoft.com/office/powerpoint/2015/main" val="1"/>
+                </p:ext>
+              </p:extLst>
+            </p:nvPr>
+          </p:nvSpPr>
+          <p:spPr>
+            <a:xfrm>
+              <a:off x="9181476" y="-8467"/>
+              <a:ext cx="3007349" cy="6866467"/>
+            </a:xfrm>
+            <a:custGeom>
+              <a:avLst/>
+              <a:gdLst/>
+              <a:ahLst/>
+              <a:cxnLst/>
+              <a:rect l="l" t="t" r="r" b="b"/>
+              <a:pathLst>
+                <a:path w="3007349" h="6866467">
+                  <a:moveTo>
+                    <a:pt x="2045532" y="0"/>
+                  </a:moveTo>
+                  <a:lnTo>
+                    <a:pt x="3007349" y="0"/>
+                  </a:lnTo>
+                  <a:lnTo>
+                    <a:pt x="3007349" y="6866467"/>
+                  </a:lnTo>
+                  <a:lnTo>
+                    <a:pt x="0" y="6866467"/>
+                  </a:lnTo>
+                  <a:lnTo>
+                    <a:pt x="2045532" y="0"/>
+                  </a:lnTo>
+                  <a:close/>
+                </a:path>
+              </a:pathLst>
+            </a:custGeom>
+            <a:solidFill>
+              <a:schemeClr val="accent1">
+                <a:alpha val="30000"/>
+              </a:schemeClr>
+            </a:solidFill>
+            <a:ln>
+              <a:noFill/>
+            </a:ln>
+            <a:effectLst/>
+          </p:spPr>
+          <p:style>
+            <a:lnRef idx="1">
+              <a:schemeClr val="accent1"/>
+            </a:lnRef>
+            <a:fillRef idx="3">
+              <a:schemeClr val="accent1"/>
+            </a:fillRef>
+            <a:effectRef idx="2">
+              <a:schemeClr val="accent1"/>
+            </a:effectRef>
+            <a:fontRef idx="minor">
+              <a:schemeClr val="lt1"/>
+            </a:fontRef>
+          </p:style>
+          <p:txBody>
+            <a:bodyPr/>
+            <a:lstStyle/>
+            <a:p>
+              <a:endParaRPr lang="en-GB"/>
+            </a:p>
+          </p:txBody>
+        </p:sp>
+        <p:sp>
+          <p:nvSpPr>
+            <p:cNvPr id="14" name="Rectangle 25">
+              <a:extLst>
+                <a:ext uri="{FF2B5EF4-FFF2-40B4-BE49-F238E27FC236}">
+                  <a16:creationId xmlns:a16="http://schemas.microsoft.com/office/drawing/2014/main" id="{3B895046-636F-4D1B-ACA4-29AA0CB3329F}"/>
+                </a:ext>
+                <a:ext uri="{C183D7F6-B498-43B3-948B-1728B52AA6E4}">
+                  <adec:decorative xmlns:adec="http://schemas.microsoft.com/office/drawing/2017/decorative" val="1"/>
+                </a:ext>
+              </a:extLst>
+            </p:cNvPr>
+            <p:cNvSpPr/>
+            <p:nvPr>
+              <p:extLst>
+                <p:ext uri="{386F3935-93C4-4BCD-93E2-E3B085C9AB24}">
+                  <p16:designElem xmlns:p16="http://schemas.microsoft.com/office/powerpoint/2015/main" val="1"/>
+                </p:ext>
+              </p:extLst>
+            </p:nvPr>
+          </p:nvSpPr>
+          <p:spPr>
+            <a:xfrm>
+              <a:off x="9603442" y="-8467"/>
+              <a:ext cx="2588558" cy="6866467"/>
+            </a:xfrm>
+            <a:custGeom>
+              <a:avLst/>
+              <a:gdLst/>
+              <a:ahLst/>
+              <a:cxnLst/>
+              <a:rect l="l" t="t" r="r" b="b"/>
+              <a:pathLst>
+                <a:path w="2573311" h="6866467">
+                  <a:moveTo>
+                    <a:pt x="0" y="0"/>
+                  </a:moveTo>
+                  <a:lnTo>
+                    <a:pt x="2573311" y="0"/>
+                  </a:lnTo>
+                  <a:lnTo>
+                    <a:pt x="2573311" y="6866467"/>
+                  </a:lnTo>
+                  <a:lnTo>
+                    <a:pt x="1202336" y="6866467"/>
+                  </a:lnTo>
+                  <a:lnTo>
+                    <a:pt x="0" y="0"/>
+                  </a:lnTo>
+                  <a:close/>
+                </a:path>
+              </a:pathLst>
+            </a:custGeom>
+            <a:solidFill>
+              <a:schemeClr val="accent1">
+                <a:alpha val="20000"/>
+              </a:schemeClr>
+            </a:solidFill>
+            <a:ln>
+              <a:noFill/>
+            </a:ln>
+            <a:effectLst/>
+          </p:spPr>
+          <p:style>
+            <a:lnRef idx="1">
+              <a:schemeClr val="accent1"/>
+            </a:lnRef>
+            <a:fillRef idx="3">
+              <a:schemeClr val="accent1"/>
+            </a:fillRef>
+            <a:effectRef idx="2">
+              <a:schemeClr val="accent1"/>
+            </a:effectRef>
+            <a:fontRef idx="minor">
+              <a:schemeClr val="lt1"/>
+            </a:fontRef>
+          </p:style>
+          <p:txBody>
+            <a:bodyPr/>
+            <a:lstStyle/>
+            <a:p>
+              <a:endParaRPr lang="en-GB"/>
+            </a:p>
+          </p:txBody>
+        </p:sp>
+        <p:sp>
+          <p:nvSpPr>
+            <p:cNvPr id="15" name="Isosceles Triangle 14">
+              <a:extLst>
+                <a:ext uri="{FF2B5EF4-FFF2-40B4-BE49-F238E27FC236}">
+                  <a16:creationId xmlns:a16="http://schemas.microsoft.com/office/drawing/2014/main" id="{C6B0CDE3-E054-4EDD-A43B-F96843D8BF51}"/>
+                </a:ext>
+                <a:ext uri="{C183D7F6-B498-43B3-948B-1728B52AA6E4}">
+                  <adec:decorative xmlns:adec="http://schemas.microsoft.com/office/drawing/2017/decorative" val="1"/>
+                </a:ext>
+              </a:extLst>
+            </p:cNvPr>
+            <p:cNvSpPr/>
+            <p:nvPr>
+              <p:extLst>
+                <p:ext uri="{386F3935-93C4-4BCD-93E2-E3B085C9AB24}">
+                  <p16:designElem xmlns:p16="http://schemas.microsoft.com/office/powerpoint/2015/main" val="1"/>
+                </p:ext>
+              </p:extLst>
+            </p:nvPr>
+          </p:nvSpPr>
+          <p:spPr>
+            <a:xfrm>
+              <a:off x="8932333" y="3048000"/>
+              <a:ext cx="3259667" cy="3810000"/>
+            </a:xfrm>
+            <a:prstGeom prst="triangle">
+              <a:avLst>
+                <a:gd name="adj" fmla="val 100000"/>
+              </a:avLst>
+            </a:prstGeom>
+            <a:solidFill>
+              <a:schemeClr val="accent2">
+                <a:alpha val="72000"/>
+              </a:schemeClr>
+            </a:solidFill>
+            <a:ln>
+              <a:noFill/>
+            </a:ln>
+            <a:effectLst/>
+          </p:spPr>
+          <p:style>
+            <a:lnRef idx="1">
+              <a:schemeClr val="accent1"/>
+            </a:lnRef>
+            <a:fillRef idx="3">
+              <a:schemeClr val="accent1"/>
+            </a:fillRef>
+            <a:effectRef idx="2">
+              <a:schemeClr val="accent1"/>
+            </a:effectRef>
+            <a:fontRef idx="minor">
+              <a:schemeClr val="lt1"/>
+            </a:fontRef>
+          </p:style>
+          <p:txBody>
+            <a:bodyPr/>
+            <a:lstStyle/>
+            <a:p>
+              <a:endParaRPr lang="en-GB"/>
+            </a:p>
+          </p:txBody>
+        </p:sp>
+        <p:sp>
+          <p:nvSpPr>
+            <p:cNvPr id="16" name="Rectangle 27">
+              <a:extLst>
+                <a:ext uri="{FF2B5EF4-FFF2-40B4-BE49-F238E27FC236}">
+                  <a16:creationId xmlns:a16="http://schemas.microsoft.com/office/drawing/2014/main" id="{3B66B1A2-F145-4C9B-85CC-4BF30D58CBC5}"/>
+                </a:ext>
+                <a:ext uri="{C183D7F6-B498-43B3-948B-1728B52AA6E4}">
+                  <adec:decorative xmlns:adec="http://schemas.microsoft.com/office/drawing/2017/decorative" val="1"/>
+                </a:ext>
+              </a:extLst>
+            </p:cNvPr>
+            <p:cNvSpPr/>
+            <p:nvPr>
+              <p:extLst>
+                <p:ext uri="{386F3935-93C4-4BCD-93E2-E3B085C9AB24}">
+                  <p16:designElem xmlns:p16="http://schemas.microsoft.com/office/powerpoint/2015/main" val="1"/>
+                </p:ext>
+              </p:extLst>
+            </p:nvPr>
+          </p:nvSpPr>
+          <p:spPr>
+            <a:xfrm>
+              <a:off x="9334500" y="-8467"/>
+              <a:ext cx="2854326" cy="6866467"/>
+            </a:xfrm>
+            <a:custGeom>
+              <a:avLst/>
+              <a:gdLst/>
+              <a:ahLst/>
+              <a:cxnLst/>
+              <a:rect l="l" t="t" r="r" b="b"/>
+              <a:pathLst>
+                <a:path w="2858013" h="6866467">
+                  <a:moveTo>
+                    <a:pt x="0" y="0"/>
+                  </a:moveTo>
+                  <a:lnTo>
+                    <a:pt x="2858013" y="0"/>
+                  </a:lnTo>
+                  <a:lnTo>
+                    <a:pt x="2858013" y="6866467"/>
+                  </a:lnTo>
+                  <a:lnTo>
+                    <a:pt x="2473942" y="6866467"/>
+                  </a:lnTo>
+                  <a:lnTo>
+                    <a:pt x="0" y="0"/>
+                  </a:lnTo>
+                  <a:close/>
+                </a:path>
+              </a:pathLst>
+            </a:custGeom>
+            <a:solidFill>
+              <a:schemeClr val="accent2">
+                <a:lumMod val="75000"/>
+                <a:alpha val="70000"/>
+              </a:schemeClr>
+            </a:solidFill>
+            <a:ln>
+              <a:noFill/>
+            </a:ln>
+            <a:effectLst/>
+          </p:spPr>
+          <p:style>
+            <a:lnRef idx="1">
+              <a:schemeClr val="accent1"/>
+            </a:lnRef>
+            <a:fillRef idx="3">
+              <a:schemeClr val="accent1"/>
+            </a:fillRef>
+            <a:effectRef idx="2">
+              <a:schemeClr val="accent1"/>
+            </a:effectRef>
+            <a:fontRef idx="minor">
+              <a:schemeClr val="lt1"/>
+            </a:fontRef>
+          </p:style>
+          <p:txBody>
+            <a:bodyPr/>
+            <a:lstStyle/>
+            <a:p>
+              <a:endParaRPr lang="en-GB"/>
+            </a:p>
+          </p:txBody>
+        </p:sp>
+        <p:sp>
+          <p:nvSpPr>
+            <p:cNvPr id="17" name="Rectangle 28">
+              <a:extLst>
+                <a:ext uri="{FF2B5EF4-FFF2-40B4-BE49-F238E27FC236}">
+                  <a16:creationId xmlns:a16="http://schemas.microsoft.com/office/drawing/2014/main" id="{5D4FC972-94B3-4035-8D31-E668C132B411}"/>
+                </a:ext>
+                <a:ext uri="{C183D7F6-B498-43B3-948B-1728B52AA6E4}">
+                  <adec:decorative xmlns:adec="http://schemas.microsoft.com/office/drawing/2017/decorative" val="1"/>
+                </a:ext>
+              </a:extLst>
+            </p:cNvPr>
+            <p:cNvSpPr/>
+            <p:nvPr>
+              <p:extLst>
+                <p:ext uri="{386F3935-93C4-4BCD-93E2-E3B085C9AB24}">
+                  <p16:designElem xmlns:p16="http://schemas.microsoft.com/office/powerpoint/2015/main" val="1"/>
+                </p:ext>
+              </p:extLst>
+            </p:nvPr>
+          </p:nvSpPr>
+          <p:spPr>
+            <a:xfrm>
+              <a:off x="10898730" y="-8467"/>
+              <a:ext cx="1290094" cy="6866467"/>
+            </a:xfrm>
+            <a:custGeom>
+              <a:avLst/>
+              <a:gdLst/>
+              <a:ahLst/>
+              <a:cxnLst/>
+              <a:rect l="l" t="t" r="r" b="b"/>
+              <a:pathLst>
+                <a:path w="1290094" h="6858000">
+                  <a:moveTo>
+                    <a:pt x="1019735" y="0"/>
+                  </a:moveTo>
+                  <a:lnTo>
+                    <a:pt x="1290094" y="0"/>
+                  </a:lnTo>
+                  <a:lnTo>
+                    <a:pt x="1290094" y="6858000"/>
+                  </a:lnTo>
+                  <a:lnTo>
+                    <a:pt x="0" y="6858000"/>
+                  </a:lnTo>
+                  <a:lnTo>
+                    <a:pt x="1019735" y="0"/>
+                  </a:lnTo>
+                  <a:close/>
+                </a:path>
+              </a:pathLst>
+            </a:custGeom>
+            <a:solidFill>
+              <a:schemeClr val="accent1">
+                <a:lumMod val="60000"/>
+                <a:lumOff val="40000"/>
+                <a:alpha val="70000"/>
+              </a:schemeClr>
+            </a:solidFill>
+            <a:ln>
+              <a:noFill/>
+            </a:ln>
+            <a:effectLst/>
+          </p:spPr>
+          <p:style>
+            <a:lnRef idx="1">
+              <a:schemeClr val="accent1"/>
+            </a:lnRef>
+            <a:fillRef idx="3">
+              <a:schemeClr val="accent1"/>
+            </a:fillRef>
+            <a:effectRef idx="2">
+              <a:schemeClr val="accent1"/>
+            </a:effectRef>
+            <a:fontRef idx="minor">
+              <a:schemeClr val="lt1"/>
+            </a:fontRef>
+          </p:style>
+          <p:txBody>
+            <a:bodyPr/>
+            <a:lstStyle/>
+            <a:p>
+              <a:endParaRPr lang="en-GB"/>
+            </a:p>
+          </p:txBody>
+        </p:sp>
+        <p:sp>
+          <p:nvSpPr>
+            <p:cNvPr id="18" name="Rectangle 29">
+              <a:extLst>
+                <a:ext uri="{FF2B5EF4-FFF2-40B4-BE49-F238E27FC236}">
+                  <a16:creationId xmlns:a16="http://schemas.microsoft.com/office/drawing/2014/main" id="{374B9941-AFBE-4A77-A50E-B6EA04A746AE}"/>
+                </a:ext>
+                <a:ext uri="{C183D7F6-B498-43B3-948B-1728B52AA6E4}">
+                  <adec:decorative xmlns:adec="http://schemas.microsoft.com/office/drawing/2017/decorative" val="1"/>
+                </a:ext>
+              </a:extLst>
+            </p:cNvPr>
+            <p:cNvSpPr/>
+            <p:nvPr>
+              <p:extLst>
+                <p:ext uri="{386F3935-93C4-4BCD-93E2-E3B085C9AB24}">
+                  <p16:designElem xmlns:p16="http://schemas.microsoft.com/office/powerpoint/2015/main" val="1"/>
+                </p:ext>
+              </p:extLst>
+            </p:nvPr>
+          </p:nvSpPr>
+          <p:spPr>
+            <a:xfrm>
+              <a:off x="10938999" y="-8467"/>
+              <a:ext cx="1249825" cy="6866467"/>
+            </a:xfrm>
+            <a:custGeom>
+              <a:avLst/>
+              <a:gdLst/>
+              <a:ahLst/>
+              <a:cxnLst/>
+              <a:rect l="l" t="t" r="r" b="b"/>
+              <a:pathLst>
+                <a:path w="1249825" h="6858000">
+                  <a:moveTo>
+                    <a:pt x="0" y="0"/>
+                  </a:moveTo>
+                  <a:lnTo>
+                    <a:pt x="1249825" y="0"/>
+                  </a:lnTo>
+                  <a:lnTo>
+                    <a:pt x="1249825" y="6858000"/>
+                  </a:lnTo>
+                  <a:lnTo>
+                    <a:pt x="1109382" y="6858000"/>
+                  </a:lnTo>
+                  <a:lnTo>
+                    <a:pt x="0" y="0"/>
+                  </a:lnTo>
+                  <a:close/>
+                </a:path>
+              </a:pathLst>
+            </a:custGeom>
+            <a:solidFill>
+              <a:schemeClr val="accent1">
+                <a:alpha val="65000"/>
+              </a:schemeClr>
+            </a:solidFill>
+            <a:ln>
+              <a:noFill/>
+            </a:ln>
+            <a:effectLst/>
+          </p:spPr>
+          <p:style>
+            <a:lnRef idx="1">
+              <a:schemeClr val="accent1"/>
+            </a:lnRef>
+            <a:fillRef idx="3">
+              <a:schemeClr val="accent1"/>
+            </a:fillRef>
+            <a:effectRef idx="2">
+              <a:schemeClr val="accent1"/>
+            </a:effectRef>
+            <a:fontRef idx="minor">
+              <a:schemeClr val="lt1"/>
+            </a:fontRef>
+          </p:style>
+          <p:txBody>
+            <a:bodyPr/>
+            <a:lstStyle/>
+            <a:p>
+              <a:endParaRPr lang="en-GB"/>
+            </a:p>
+          </p:txBody>
+        </p:sp>
+        <p:sp>
+          <p:nvSpPr>
+            <p:cNvPr id="19" name="Isosceles Triangle 18">
+              <a:extLst>
+                <a:ext uri="{FF2B5EF4-FFF2-40B4-BE49-F238E27FC236}">
+                  <a16:creationId xmlns:a16="http://schemas.microsoft.com/office/drawing/2014/main" id="{27A982C5-2C38-4CE9-BC18-94697AD657FB}"/>
+                </a:ext>
+                <a:ext uri="{C183D7F6-B498-43B3-948B-1728B52AA6E4}">
+                  <adec:decorative xmlns:adec="http://schemas.microsoft.com/office/drawing/2017/decorative" val="1"/>
+                </a:ext>
+              </a:extLst>
+            </p:cNvPr>
+            <p:cNvSpPr/>
+            <p:nvPr>
+              <p:extLst>
+                <p:ext uri="{386F3935-93C4-4BCD-93E2-E3B085C9AB24}">
+                  <p16:designElem xmlns:p16="http://schemas.microsoft.com/office/powerpoint/2015/main" val="1"/>
+                </p:ext>
+              </p:extLst>
+            </p:nvPr>
+          </p:nvSpPr>
+          <p:spPr>
+            <a:xfrm>
+              <a:off x="10371666" y="3589867"/>
+              <a:ext cx="1817159" cy="3268133"/>
+            </a:xfrm>
+            <a:prstGeom prst="triangle">
+              <a:avLst>
+                <a:gd name="adj" fmla="val 100000"/>
+              </a:avLst>
+            </a:prstGeom>
+            <a:solidFill>
+              <a:schemeClr val="accent1">
+                <a:alpha val="80000"/>
+              </a:schemeClr>
+            </a:solidFill>
+            <a:ln>
+              <a:noFill/>
+            </a:ln>
+            <a:effectLst/>
+          </p:spPr>
+          <p:style>
+            <a:lnRef idx="1">
+              <a:schemeClr val="accent1"/>
+            </a:lnRef>
+            <a:fillRef idx="3">
+              <a:schemeClr val="accent1"/>
+            </a:fillRef>
+            <a:effectRef idx="2">
+              <a:schemeClr val="accent1"/>
+            </a:effectRef>
+            <a:fontRef idx="minor">
+              <a:schemeClr val="lt1"/>
+            </a:fontRef>
+          </p:style>
+          <p:txBody>
+            <a:bodyPr/>
+            <a:lstStyle/>
+            <a:p>
+              <a:endParaRPr lang="en-GB"/>
+            </a:p>
+          </p:txBody>
+        </p:sp>
+        <p:sp>
+          <p:nvSpPr>
+            <p:cNvPr id="20" name="Isosceles Triangle 19">
+              <a:extLst>
+                <a:ext uri="{FF2B5EF4-FFF2-40B4-BE49-F238E27FC236}">
+                  <a16:creationId xmlns:a16="http://schemas.microsoft.com/office/drawing/2014/main" id="{0060D8D1-7BB1-498F-AFBB-ADAC130A9E90}"/>
+                </a:ext>
+                <a:ext uri="{C183D7F6-B498-43B3-948B-1728B52AA6E4}">
+                  <adec:decorative xmlns:adec="http://schemas.microsoft.com/office/drawing/2017/decorative" val="1"/>
+                </a:ext>
+              </a:extLst>
+            </p:cNvPr>
+            <p:cNvSpPr/>
+            <p:nvPr>
+              <p:extLst>
+                <p:ext uri="{386F3935-93C4-4BCD-93E2-E3B085C9AB24}">
+                  <p16:designElem xmlns:p16="http://schemas.microsoft.com/office/powerpoint/2015/main" val="1"/>
+                </p:ext>
+              </p:extLst>
+            </p:nvPr>
+          </p:nvSpPr>
+          <p:spPr>
+            <a:xfrm rot="10800000">
+              <a:off x="0" y="0"/>
+              <a:ext cx="842596" cy="5666154"/>
+            </a:xfrm>
+            <a:prstGeom prst="triangle">
+              <a:avLst>
+                <a:gd name="adj" fmla="val 100000"/>
+              </a:avLst>
+            </a:prstGeom>
+            <a:solidFill>
+              <a:schemeClr val="accent1">
+                <a:alpha val="85000"/>
+              </a:schemeClr>
+            </a:solidFill>
+            <a:ln>
+              <a:noFill/>
+            </a:ln>
+            <a:effectLst/>
+          </p:spPr>
+          <p:style>
+            <a:lnRef idx="1">
+              <a:schemeClr val="accent1"/>
+            </a:lnRef>
+            <a:fillRef idx="3">
+              <a:schemeClr val="accent1"/>
+            </a:fillRef>
+            <a:effectRef idx="2">
+              <a:schemeClr val="accent1"/>
+            </a:effectRef>
+            <a:fontRef idx="minor">
+              <a:schemeClr val="lt1"/>
+            </a:fontRef>
+          </p:style>
+          <p:txBody>
+            <a:bodyPr/>
+            <a:lstStyle/>
+            <a:p>
+              <a:endParaRPr lang="en-GB"/>
+            </a:p>
+          </p:txBody>
+        </p:sp>
+      </p:grpSp>
+      <p:sp>
+        <p:nvSpPr>
+          <p:cNvPr id="2" name="Title 1">
+            <a:extLst>
+              <a:ext uri="{FF2B5EF4-FFF2-40B4-BE49-F238E27FC236}">
+                <a16:creationId xmlns:a16="http://schemas.microsoft.com/office/drawing/2014/main" id="{14C46AA9-A8D5-F4F3-FC5B-950D5E01792D}"/>
+              </a:ext>
+            </a:extLst>
+          </p:cNvPr>
+          <p:cNvSpPr>
+            <a:spLocks noGrp="1"/>
+          </p:cNvSpPr>
+          <p:nvPr>
+            <p:ph type="title"/>
+          </p:nvPr>
+        </p:nvSpPr>
+        <p:spPr>
+          <a:xfrm>
+            <a:off x="1600199" y="4571999"/>
+            <a:ext cx="7673801" cy="1087656"/>
+          </a:xfrm>
+        </p:spPr>
+        <p:txBody>
+          <a:bodyPr vert="horz" lIns="91440" tIns="45720" rIns="91440" bIns="45720" rtlCol="0" anchor="b">
+            <a:normAutofit/>
+          </a:bodyPr>
+          <a:lstStyle/>
+          <a:p>
+            <a:pPr>
+              <a:lnSpc>
+                <a:spcPct val="90000"/>
+              </a:lnSpc>
+            </a:pPr>
+            <a:r>
+              <a:rPr lang="en-US" sz="3400" kern="1200">
+                <a:solidFill>
+                  <a:schemeClr val="accent1"/>
+                </a:solidFill>
+                <a:latin typeface="+mj-lt"/>
+                <a:ea typeface="+mj-ea"/>
+                <a:cs typeface="+mj-cs"/>
+              </a:rPr>
+              <a:t>Nie znajduje to potwierdzenia w danych</a:t>
+            </a:r>
+          </a:p>
+        </p:txBody>
+      </p:sp>
+      <p:pic>
+        <p:nvPicPr>
+          <p:cNvPr id="5" name="Picture 4">
+            <a:extLst>
+              <a:ext uri="{FF2B5EF4-FFF2-40B4-BE49-F238E27FC236}">
+                <a16:creationId xmlns:a16="http://schemas.microsoft.com/office/drawing/2014/main" id="{36D4A7F1-B3CD-A0C9-87E0-750B590A27DF}"/>
+              </a:ext>
+            </a:extLst>
+          </p:cNvPr>
+          <p:cNvPicPr>
+            <a:picLocks noChangeAspect="1"/>
+          </p:cNvPicPr>
+          <p:nvPr/>
+        </p:nvPicPr>
+        <p:blipFill>
+          <a:blip r:embed="rId2"/>
+          <a:stretch>
+            <a:fillRect/>
+          </a:stretch>
+        </p:blipFill>
+        <p:spPr>
+          <a:xfrm>
+            <a:off x="1600201" y="609600"/>
+            <a:ext cx="5336786" cy="3642357"/>
+          </a:xfrm>
+          <a:prstGeom prst="rect">
+            <a:avLst/>
+          </a:prstGeom>
+        </p:spPr>
+      </p:pic>
+    </p:spTree>
+    <p:extLst>
+      <p:ext uri="{BB962C8B-B14F-4D97-AF65-F5344CB8AC3E}">
+        <p14:creationId xmlns:p14="http://schemas.microsoft.com/office/powerpoint/2010/main" val="349356628"/>
+      </p:ext>
+    </p:extLst>
+  </p:cSld>
+  <p:clrMapOvr>
+    <a:masterClrMapping/>
+  </p:clrMapOvr>
+</p:sld>
+</file>
+
+<file path=ppt/slides/slide5.xml><?xml version="1.0" encoding="utf-8"?>
+<p:sld xmlns:a="http://schemas.openxmlformats.org/drawingml/2006/main" xmlns:r="http://schemas.openxmlformats.org/officeDocument/2006/relationships" xmlns:p="http://schemas.openxmlformats.org/presentationml/2006/main">
+  <p:cSld>
+    <p:spTree>
+      <p:nvGrpSpPr>
+        <p:cNvPr id="1" name=""/>
+        <p:cNvGrpSpPr/>
+        <p:nvPr/>
+      </p:nvGrpSpPr>
+      <p:grpSpPr>
+        <a:xfrm>
+          <a:off x="0" y="0"/>
+          <a:ext cx="0" cy="0"/>
+          <a:chOff x="0" y="0"/>
+          <a:chExt cx="0" cy="0"/>
+        </a:xfrm>
+      </p:grpSpPr>
+      <p:sp>
+        <p:nvSpPr>
+          <p:cNvPr id="4" name="Title 3">
+            <a:extLst>
+              <a:ext uri="{FF2B5EF4-FFF2-40B4-BE49-F238E27FC236}">
+                <a16:creationId xmlns:a16="http://schemas.microsoft.com/office/drawing/2014/main" id="{0AB1EFDB-A4E4-008C-C2BA-803BB3342EAB}"/>
+              </a:ext>
+            </a:extLst>
+          </p:cNvPr>
+          <p:cNvSpPr>
+            <a:spLocks noGrp="1"/>
+          </p:cNvSpPr>
+          <p:nvPr>
+            <p:ph type="title"/>
+          </p:nvPr>
+        </p:nvSpPr>
+        <p:spPr/>
+        <p:txBody>
+          <a:bodyPr/>
+          <a:lstStyle/>
+          <a:p>
+            <a:r>
+              <a:rPr lang="pl-PL" dirty="0"/>
+              <a:t>Wyszukiwanie informacji - sztuczki</a:t>
+            </a:r>
+            <a:endParaRPr lang="en-GB" dirty="0"/>
+          </a:p>
+        </p:txBody>
+      </p:sp>
+      <p:sp>
+        <p:nvSpPr>
+          <p:cNvPr id="5" name="Text Placeholder 4">
+            <a:extLst>
+              <a:ext uri="{FF2B5EF4-FFF2-40B4-BE49-F238E27FC236}">
+                <a16:creationId xmlns:a16="http://schemas.microsoft.com/office/drawing/2014/main" id="{A6076B7A-2BDE-8D5F-AC96-505284790FFE}"/>
+              </a:ext>
+            </a:extLst>
+          </p:cNvPr>
+          <p:cNvSpPr>
+            <a:spLocks noGrp="1"/>
+          </p:cNvSpPr>
+          <p:nvPr>
+            <p:ph type="body" idx="1"/>
+          </p:nvPr>
+        </p:nvSpPr>
+        <p:spPr/>
+        <p:txBody>
+          <a:bodyPr/>
+          <a:lstStyle/>
+          <a:p>
+            <a:endParaRPr lang="en-GB" dirty="0"/>
+          </a:p>
+        </p:txBody>
+      </p:sp>
+    </p:spTree>
+    <p:extLst>
+      <p:ext uri="{BB962C8B-B14F-4D97-AF65-F5344CB8AC3E}">
+        <p14:creationId xmlns:p14="http://schemas.microsoft.com/office/powerpoint/2010/main" val="159773631"/>
+      </p:ext>
+    </p:extLst>
+  </p:cSld>
+  <p:clrMapOvr>
+    <a:masterClrMapping/>
+  </p:clrMapOvr>
+</p:sld>
+</file>
+
+<file path=ppt/slides/slide6.xml><?xml version="1.0" encoding="utf-8"?>
 <p:sld xmlns:a="http://schemas.openxmlformats.org/drawingml/2006/main" xmlns:r="http://schemas.openxmlformats.org/officeDocument/2006/relationships" xmlns:p="http://schemas.openxmlformats.org/presentationml/2006/main">
   <p:cSld>
     <p:bg>
@@ -19137,7 +22126,7 @@
 </p:sld>
 </file>
 
-<file path=ppt/slides/slide4.xml><?xml version="1.0" encoding="utf-8"?>
+<file path=ppt/slides/slide7.xml><?xml version="1.0" encoding="utf-8"?>
 <p:sld xmlns:a="http://schemas.openxmlformats.org/drawingml/2006/main" xmlns:r="http://schemas.openxmlformats.org/officeDocument/2006/relationships" xmlns:p="http://schemas.openxmlformats.org/presentationml/2006/main">
   <p:cSld>
     <p:bg>
@@ -19425,12 +22414,8 @@
           <a:p>
             <a:pPr lvl="1"/>
             <a:r>
-              <a:rPr lang="pl-PL" dirty="0" err="1"/>
-              <a:t>Cudyzsłów</a:t>
-            </a:r>
-            <a:r>
               <a:rPr lang="pl-PL" dirty="0"/>
-              <a:t> „” – wyszukaj dokładną frazę</a:t>
+              <a:t>Cudzysłów „” – wyszukaj dokładną frazę</a:t>
             </a:r>
           </a:p>
           <a:p>
@@ -19570,7 +22555,7 @@
 </p:sld>
 </file>
 
-<file path=ppt/slides/slide5.xml><?xml version="1.0" encoding="utf-8"?>
+<file path=ppt/slides/slide8.xml><?xml version="1.0" encoding="utf-8"?>
 <p:sld xmlns:a="http://schemas.openxmlformats.org/drawingml/2006/main" xmlns:r="http://schemas.openxmlformats.org/officeDocument/2006/relationships" xmlns:p="http://schemas.openxmlformats.org/presentationml/2006/main">
   <p:cSld>
     <p:bg>
@@ -19861,7 +22846,7 @@
 </p:sld>
 </file>
 
-<file path=ppt/slides/slide6.xml><?xml version="1.0" encoding="utf-8"?>
+<file path=ppt/slides/slide9.xml><?xml version="1.0" encoding="utf-8"?>
 <p:sld xmlns:a="http://schemas.openxmlformats.org/drawingml/2006/main" xmlns:r="http://schemas.openxmlformats.org/officeDocument/2006/relationships" xmlns:p="http://schemas.openxmlformats.org/presentationml/2006/main">
   <p:cSld>
     <p:bg>
@@ -20080,1204 +23065,6 @@
     <p:extLst>
       <p:ext uri="{BB962C8B-B14F-4D97-AF65-F5344CB8AC3E}">
         <p14:creationId xmlns:p14="http://schemas.microsoft.com/office/powerpoint/2010/main" val="3312325297"/>
-      </p:ext>
-    </p:extLst>
-  </p:cSld>
-  <p:clrMapOvr>
-    <a:overrideClrMapping bg1="dk1" tx1="lt1" bg2="dk2" tx2="lt2" accent1="accent1" accent2="accent2" accent3="accent3" accent4="accent4" accent5="accent5" accent6="accent6" hlink="hlink" folHlink="folHlink"/>
-  </p:clrMapOvr>
-</p:sld>
-</file>
-
-<file path=ppt/slides/slide7.xml><?xml version="1.0" encoding="utf-8"?>
-<p:sld xmlns:a="http://schemas.openxmlformats.org/drawingml/2006/main" xmlns:r="http://schemas.openxmlformats.org/officeDocument/2006/relationships" xmlns:p="http://schemas.openxmlformats.org/presentationml/2006/main">
-  <p:cSld>
-    <p:bg>
-      <p:bgPr>
-        <a:solidFill>
-          <a:schemeClr val="bg1"/>
-        </a:solidFill>
-        <a:effectLst/>
-      </p:bgPr>
-    </p:bg>
-    <p:spTree>
-      <p:nvGrpSpPr>
-        <p:cNvPr id="1" name=""/>
-        <p:cNvGrpSpPr/>
-        <p:nvPr/>
-      </p:nvGrpSpPr>
-      <p:grpSpPr>
-        <a:xfrm>
-          <a:off x="0" y="0"/>
-          <a:ext cx="0" cy="0"/>
-          <a:chOff x="0" y="0"/>
-          <a:chExt cx="0" cy="0"/>
-        </a:xfrm>
-      </p:grpSpPr>
-      <p:sp useBgFill="1">
-        <p:nvSpPr>
-          <p:cNvPr id="8" name="Rectangle 7">
-            <a:extLst>
-              <a:ext uri="{FF2B5EF4-FFF2-40B4-BE49-F238E27FC236}">
-                <a16:creationId xmlns:a16="http://schemas.microsoft.com/office/drawing/2014/main" id="{603AE127-802C-459A-A612-DB85B67F0DC0}"/>
-              </a:ext>
-              <a:ext uri="{C183D7F6-B498-43B3-948B-1728B52AA6E4}">
-                <adec:decorative xmlns:adec="http://schemas.microsoft.com/office/drawing/2017/decorative" val="1"/>
-              </a:ext>
-            </a:extLst>
-          </p:cNvPr>
-          <p:cNvSpPr>
-            <a:spLocks noGrp="1" noRot="1" noChangeAspect="1" noMove="1" noResize="1" noEditPoints="1" noAdjustHandles="1" noChangeArrowheads="1" noChangeShapeType="1" noTextEdit="1"/>
-          </p:cNvSpPr>
-          <p:nvPr>
-            <p:extLst>
-              <p:ext uri="{386F3935-93C4-4BCD-93E2-E3B085C9AB24}">
-                <p16:designElem xmlns:p16="http://schemas.microsoft.com/office/powerpoint/2015/main" val="1"/>
-              </p:ext>
-            </p:extLst>
-          </p:nvPr>
-        </p:nvSpPr>
-        <p:spPr>
-          <a:xfrm>
-            <a:off x="0" y="0"/>
-            <a:ext cx="12192000" cy="6858000"/>
-          </a:xfrm>
-          <a:prstGeom prst="rect">
-            <a:avLst/>
-          </a:prstGeom>
-          <a:ln>
-            <a:noFill/>
-          </a:ln>
-        </p:spPr>
-        <p:style>
-          <a:lnRef idx="2">
-            <a:schemeClr val="accent1">
-              <a:shade val="50000"/>
-            </a:schemeClr>
-          </a:lnRef>
-          <a:fillRef idx="1">
-            <a:schemeClr val="accent1"/>
-          </a:fillRef>
-          <a:effectRef idx="0">
-            <a:schemeClr val="accent1"/>
-          </a:effectRef>
-          <a:fontRef idx="minor">
-            <a:schemeClr val="lt1"/>
-          </a:fontRef>
-        </p:style>
-        <p:txBody>
-          <a:bodyPr rtlCol="0" anchor="ctr"/>
-          <a:lstStyle/>
-          <a:p>
-            <a:pPr algn="ctr"/>
-            <a:endParaRPr lang="en-US"/>
-          </a:p>
-        </p:txBody>
-      </p:sp>
-      <p:sp>
-        <p:nvSpPr>
-          <p:cNvPr id="2" name="Title 1">
-            <a:extLst>
-              <a:ext uri="{FF2B5EF4-FFF2-40B4-BE49-F238E27FC236}">
-                <a16:creationId xmlns:a16="http://schemas.microsoft.com/office/drawing/2014/main" id="{6A1FC78C-1841-EA6C-3B3B-242FA46EC451}"/>
-              </a:ext>
-            </a:extLst>
-          </p:cNvPr>
-          <p:cNvSpPr>
-            <a:spLocks noGrp="1"/>
-          </p:cNvSpPr>
-          <p:nvPr>
-            <p:ph type="title"/>
-          </p:nvPr>
-        </p:nvSpPr>
-        <p:spPr>
-          <a:xfrm>
-            <a:off x="1043950" y="1179151"/>
-            <a:ext cx="3300646" cy="4463889"/>
-          </a:xfrm>
-        </p:spPr>
-        <p:txBody>
-          <a:bodyPr anchor="ctr">
-            <a:normAutofit/>
-          </a:bodyPr>
-          <a:lstStyle/>
-          <a:p>
-            <a:r>
-              <a:rPr lang="pl-PL" sz="3300"/>
-              <a:t>Pobieranie danych z interaktywnych wykresów</a:t>
-            </a:r>
-            <a:endParaRPr lang="en-GB" sz="3300"/>
-          </a:p>
-        </p:txBody>
-      </p:sp>
-      <p:sp>
-        <p:nvSpPr>
-          <p:cNvPr id="10" name="Isosceles Triangle 9">
-            <a:extLst>
-              <a:ext uri="{FF2B5EF4-FFF2-40B4-BE49-F238E27FC236}">
-                <a16:creationId xmlns:a16="http://schemas.microsoft.com/office/drawing/2014/main" id="{9323D83D-50D6-4040-A58B-FCEA340F886A}"/>
-              </a:ext>
-              <a:ext uri="{C183D7F6-B498-43B3-948B-1728B52AA6E4}">
-                <adec:decorative xmlns:adec="http://schemas.microsoft.com/office/drawing/2017/decorative" val="1"/>
-              </a:ext>
-            </a:extLst>
-          </p:cNvPr>
-          <p:cNvSpPr>
-            <a:spLocks noGrp="1" noRot="1" noChangeAspect="1" noMove="1" noResize="1" noEditPoints="1" noAdjustHandles="1" noChangeArrowheads="1" noChangeShapeType="1" noTextEdit="1"/>
-          </p:cNvSpPr>
-          <p:nvPr>
-            <p:extLst>
-              <p:ext uri="{386F3935-93C4-4BCD-93E2-E3B085C9AB24}">
-                <p16:designElem xmlns:p16="http://schemas.microsoft.com/office/powerpoint/2015/main" val="1"/>
-              </p:ext>
-            </p:extLst>
-          </p:nvPr>
-        </p:nvSpPr>
-        <p:spPr>
-          <a:xfrm>
-            <a:off x="0" y="4013200"/>
-            <a:ext cx="448733" cy="2844800"/>
-          </a:xfrm>
-          <a:prstGeom prst="triangle">
-            <a:avLst>
-              <a:gd name="adj" fmla="val 0"/>
-            </a:avLst>
-          </a:prstGeom>
-          <a:solidFill>
-            <a:schemeClr val="accent1"/>
-          </a:solidFill>
-          <a:ln>
-            <a:noFill/>
-          </a:ln>
-          <a:effectLst/>
-        </p:spPr>
-        <p:style>
-          <a:lnRef idx="1">
-            <a:schemeClr val="accent1"/>
-          </a:lnRef>
-          <a:fillRef idx="3">
-            <a:schemeClr val="accent1"/>
-          </a:fillRef>
-          <a:effectRef idx="2">
-            <a:schemeClr val="accent1"/>
-          </a:effectRef>
-          <a:fontRef idx="minor">
-            <a:schemeClr val="lt1"/>
-          </a:fontRef>
-        </p:style>
-        <p:txBody>
-          <a:bodyPr/>
-          <a:lstStyle/>
-          <a:p>
-            <a:endParaRPr lang="en-GB"/>
-          </a:p>
-        </p:txBody>
-      </p:sp>
-      <p:cxnSp>
-        <p:nvCxnSpPr>
-          <p:cNvPr id="12" name="Straight Connector 11">
-            <a:extLst>
-              <a:ext uri="{FF2B5EF4-FFF2-40B4-BE49-F238E27FC236}">
-                <a16:creationId xmlns:a16="http://schemas.microsoft.com/office/drawing/2014/main" id="{1A1FE6BB-DFB2-4080-9B5E-076EF5DDE67B}"/>
-              </a:ext>
-              <a:ext uri="{C183D7F6-B498-43B3-948B-1728B52AA6E4}">
-                <adec:decorative xmlns:adec="http://schemas.microsoft.com/office/drawing/2017/decorative" val="1"/>
-              </a:ext>
-            </a:extLst>
-          </p:cNvPr>
-          <p:cNvCxnSpPr>
-            <a:cxnSpLocks noGrp="1" noRot="1" noChangeAspect="1" noMove="1" noResize="1" noEditPoints="1" noAdjustHandles="1" noChangeArrowheads="1" noChangeShapeType="1"/>
-          </p:cNvCxnSpPr>
-          <p:nvPr>
-            <p:extLst>
-              <p:ext uri="{386F3935-93C4-4BCD-93E2-E3B085C9AB24}">
-                <p16:designElem xmlns:p16="http://schemas.microsoft.com/office/powerpoint/2015/main" val="1"/>
-              </p:ext>
-            </p:extLst>
-          </p:nvPr>
-        </p:nvCxnSpPr>
-        <p:spPr>
-          <a:xfrm>
-            <a:off x="4656670" y="1442595"/>
-            <a:ext cx="0" cy="3937000"/>
-          </a:xfrm>
-          <a:prstGeom prst="line">
-            <a:avLst/>
-          </a:prstGeom>
-        </p:spPr>
-        <p:style>
-          <a:lnRef idx="1">
-            <a:schemeClr val="accent1"/>
-          </a:lnRef>
-          <a:fillRef idx="0">
-            <a:schemeClr val="accent1"/>
-          </a:fillRef>
-          <a:effectRef idx="0">
-            <a:schemeClr val="accent1"/>
-          </a:effectRef>
-          <a:fontRef idx="minor">
-            <a:schemeClr val="tx1"/>
-          </a:fontRef>
-        </p:style>
-      </p:cxnSp>
-      <p:sp>
-        <p:nvSpPr>
-          <p:cNvPr id="3" name="Content Placeholder 2">
-            <a:extLst>
-              <a:ext uri="{FF2B5EF4-FFF2-40B4-BE49-F238E27FC236}">
-                <a16:creationId xmlns:a16="http://schemas.microsoft.com/office/drawing/2014/main" id="{1E5946FF-4DF7-195E-8FE0-20362BCE7EB8}"/>
-              </a:ext>
-            </a:extLst>
-          </p:cNvPr>
-          <p:cNvSpPr>
-            <a:spLocks noGrp="1"/>
-          </p:cNvSpPr>
-          <p:nvPr>
-            <p:ph idx="1"/>
-          </p:nvPr>
-        </p:nvSpPr>
-        <p:spPr>
-          <a:xfrm>
-            <a:off x="4978918" y="1109145"/>
-            <a:ext cx="6341016" cy="4603900"/>
-          </a:xfrm>
-        </p:spPr>
-        <p:txBody>
-          <a:bodyPr anchor="ctr">
-            <a:normAutofit/>
-          </a:bodyPr>
-          <a:lstStyle/>
-          <a:p>
-            <a:r>
-              <a:rPr lang="pl-PL" dirty="0"/>
-              <a:t>Przeglądarki pozwalają na modyfikowanie treści stron:</a:t>
-            </a:r>
-          </a:p>
-          <a:p>
-            <a:pPr lvl="1"/>
-            <a:r>
-              <a:rPr lang="pl-PL" dirty="0"/>
-              <a:t>Uruchomienie: Prawy przycisk myszy – Zbadaj</a:t>
-            </a:r>
-          </a:p>
-          <a:p>
-            <a:pPr lvl="1"/>
-            <a:r>
-              <a:rPr lang="pl-PL" dirty="0"/>
-              <a:t>Ważne karty: </a:t>
-            </a:r>
-          </a:p>
-          <a:p>
-            <a:pPr lvl="2"/>
-            <a:r>
-              <a:rPr lang="pl-PL" dirty="0" err="1"/>
-              <a:t>Elements</a:t>
-            </a:r>
-            <a:r>
-              <a:rPr lang="pl-PL" dirty="0"/>
-              <a:t> – gotowy kod HTML strony</a:t>
-            </a:r>
-          </a:p>
-          <a:p>
-            <a:pPr lvl="2"/>
-            <a:r>
-              <a:rPr lang="pl-PL" dirty="0"/>
-              <a:t>Network – informacje jakie pliki są pobierane przez strony</a:t>
-            </a:r>
-          </a:p>
-          <a:p>
-            <a:pPr lvl="2"/>
-            <a:endParaRPr lang="pl-PL" dirty="0"/>
-          </a:p>
-          <a:p>
-            <a:r>
-              <a:rPr lang="pl-PL" dirty="0"/>
-              <a:t>Przykłady:</a:t>
-            </a:r>
-          </a:p>
-          <a:p>
-            <a:pPr lvl="1"/>
-            <a:r>
-              <a:rPr lang="pl-PL" dirty="0"/>
-              <a:t>Statystyki </a:t>
-            </a:r>
-            <a:r>
-              <a:rPr lang="pl-PL" dirty="0">
-                <a:hlinkClick r:id="rId2"/>
-              </a:rPr>
-              <a:t>Kir</a:t>
-            </a:r>
-            <a:endParaRPr lang="pl-PL" dirty="0"/>
-          </a:p>
-          <a:p>
-            <a:pPr lvl="1"/>
-            <a:r>
-              <a:rPr lang="pl-PL" dirty="0"/>
-              <a:t>Wydatki kartowe – </a:t>
-            </a:r>
-            <a:r>
-              <a:rPr lang="pl-PL" dirty="0">
-                <a:hlinkClick r:id="rId3"/>
-              </a:rPr>
-              <a:t>Indeks Konsumpcji</a:t>
-            </a:r>
-            <a:endParaRPr lang="pl-PL" dirty="0"/>
-          </a:p>
-          <a:p>
-            <a:pPr lvl="1"/>
-            <a:endParaRPr lang="pl-PL" dirty="0"/>
-          </a:p>
-          <a:p>
-            <a:r>
-              <a:rPr lang="pl-PL" dirty="0"/>
-              <a:t>Czasami dane z wykresów są zakodowane np. </a:t>
-            </a:r>
-            <a:r>
-              <a:rPr lang="pl-PL" dirty="0" err="1">
-                <a:hlinkClick r:id="rId4"/>
-              </a:rPr>
-              <a:t>transfermarkt</a:t>
-            </a:r>
-            <a:endParaRPr lang="pl-PL" dirty="0"/>
-          </a:p>
-          <a:p>
-            <a:pPr marL="0" indent="0">
-              <a:buNone/>
-            </a:pPr>
-            <a:endParaRPr lang="pl-PL" dirty="0"/>
-          </a:p>
-          <a:p>
-            <a:pPr lvl="1"/>
-            <a:endParaRPr lang="pl-PL" dirty="0"/>
-          </a:p>
-        </p:txBody>
-      </p:sp>
-      <p:sp>
-        <p:nvSpPr>
-          <p:cNvPr id="14" name="Isosceles Triangle 13">
-            <a:extLst>
-              <a:ext uri="{FF2B5EF4-FFF2-40B4-BE49-F238E27FC236}">
-                <a16:creationId xmlns:a16="http://schemas.microsoft.com/office/drawing/2014/main" id="{F10FD715-4DCE-4779-B634-EC78315EA213}"/>
-              </a:ext>
-              <a:ext uri="{C183D7F6-B498-43B3-948B-1728B52AA6E4}">
-                <adec:decorative xmlns:adec="http://schemas.microsoft.com/office/drawing/2017/decorative" val="1"/>
-              </a:ext>
-            </a:extLst>
-          </p:cNvPr>
-          <p:cNvSpPr>
-            <a:spLocks noGrp="1" noRot="1" noChangeAspect="1" noMove="1" noResize="1" noEditPoints="1" noAdjustHandles="1" noChangeArrowheads="1" noChangeShapeType="1" noTextEdit="1"/>
-          </p:cNvSpPr>
-          <p:nvPr>
-            <p:extLst>
-              <p:ext uri="{386F3935-93C4-4BCD-93E2-E3B085C9AB24}">
-                <p16:designElem xmlns:p16="http://schemas.microsoft.com/office/powerpoint/2015/main" val="1"/>
-              </p:ext>
-            </p:extLst>
-          </p:nvPr>
-        </p:nvSpPr>
-        <p:spPr>
-          <a:xfrm rot="10800000" flipH="1">
-            <a:off x="11364139" y="0"/>
-            <a:ext cx="842596" cy="4616289"/>
-          </a:xfrm>
-          <a:prstGeom prst="triangle">
-            <a:avLst>
-              <a:gd name="adj" fmla="val 100000"/>
-            </a:avLst>
-          </a:prstGeom>
-          <a:solidFill>
-            <a:schemeClr val="accent2"/>
-          </a:solidFill>
-          <a:ln>
-            <a:noFill/>
-          </a:ln>
-          <a:effectLst/>
-        </p:spPr>
-        <p:style>
-          <a:lnRef idx="1">
-            <a:schemeClr val="accent1"/>
-          </a:lnRef>
-          <a:fillRef idx="3">
-            <a:schemeClr val="accent1"/>
-          </a:fillRef>
-          <a:effectRef idx="2">
-            <a:schemeClr val="accent1"/>
-          </a:effectRef>
-          <a:fontRef idx="minor">
-            <a:schemeClr val="lt1"/>
-          </a:fontRef>
-        </p:style>
-        <p:txBody>
-          <a:bodyPr/>
-          <a:lstStyle/>
-          <a:p>
-            <a:endParaRPr lang="en-GB"/>
-          </a:p>
-        </p:txBody>
-      </p:sp>
-    </p:spTree>
-    <p:extLst>
-      <p:ext uri="{BB962C8B-B14F-4D97-AF65-F5344CB8AC3E}">
-        <p14:creationId xmlns:p14="http://schemas.microsoft.com/office/powerpoint/2010/main" val="3825167684"/>
-      </p:ext>
-    </p:extLst>
-  </p:cSld>
-  <p:clrMapOvr>
-    <a:masterClrMapping/>
-  </p:clrMapOvr>
-</p:sld>
-</file>
-
-<file path=ppt/slides/slide8.xml><?xml version="1.0" encoding="utf-8"?>
-<p:sld xmlns:a="http://schemas.openxmlformats.org/drawingml/2006/main" xmlns:r="http://schemas.openxmlformats.org/officeDocument/2006/relationships" xmlns:p="http://schemas.openxmlformats.org/presentationml/2006/main">
-  <p:cSld>
-    <p:bg>
-      <p:bgPr>
-        <a:solidFill>
-          <a:schemeClr val="bg1"/>
-        </a:solidFill>
-        <a:effectLst/>
-      </p:bgPr>
-    </p:bg>
-    <p:spTree>
-      <p:nvGrpSpPr>
-        <p:cNvPr id="1" name=""/>
-        <p:cNvGrpSpPr/>
-        <p:nvPr/>
-      </p:nvGrpSpPr>
-      <p:grpSpPr>
-        <a:xfrm>
-          <a:off x="0" y="0"/>
-          <a:ext cx="0" cy="0"/>
-          <a:chOff x="0" y="0"/>
-          <a:chExt cx="0" cy="0"/>
-        </a:xfrm>
-      </p:grpSpPr>
-      <p:sp useBgFill="1">
-        <p:nvSpPr>
-          <p:cNvPr id="8" name="Rectangle 7">
-            <a:extLst>
-              <a:ext uri="{FF2B5EF4-FFF2-40B4-BE49-F238E27FC236}">
-                <a16:creationId xmlns:a16="http://schemas.microsoft.com/office/drawing/2014/main" id="{603AE127-802C-459A-A612-DB85B67F0DC0}"/>
-              </a:ext>
-              <a:ext uri="{C183D7F6-B498-43B3-948B-1728B52AA6E4}">
-                <adec:decorative xmlns:adec="http://schemas.microsoft.com/office/drawing/2017/decorative" val="1"/>
-              </a:ext>
-            </a:extLst>
-          </p:cNvPr>
-          <p:cNvSpPr>
-            <a:spLocks noGrp="1" noRot="1" noChangeAspect="1" noMove="1" noResize="1" noEditPoints="1" noAdjustHandles="1" noChangeArrowheads="1" noChangeShapeType="1" noTextEdit="1"/>
-          </p:cNvSpPr>
-          <p:nvPr>
-            <p:extLst>
-              <p:ext uri="{386F3935-93C4-4BCD-93E2-E3B085C9AB24}">
-                <p16:designElem xmlns:p16="http://schemas.microsoft.com/office/powerpoint/2015/main" val="1"/>
-              </p:ext>
-            </p:extLst>
-          </p:nvPr>
-        </p:nvSpPr>
-        <p:spPr>
-          <a:xfrm>
-            <a:off x="0" y="0"/>
-            <a:ext cx="12192000" cy="6858000"/>
-          </a:xfrm>
-          <a:prstGeom prst="rect">
-            <a:avLst/>
-          </a:prstGeom>
-          <a:ln>
-            <a:noFill/>
-          </a:ln>
-        </p:spPr>
-        <p:style>
-          <a:lnRef idx="2">
-            <a:schemeClr val="accent1">
-              <a:shade val="50000"/>
-            </a:schemeClr>
-          </a:lnRef>
-          <a:fillRef idx="1">
-            <a:schemeClr val="accent1"/>
-          </a:fillRef>
-          <a:effectRef idx="0">
-            <a:schemeClr val="accent1"/>
-          </a:effectRef>
-          <a:fontRef idx="minor">
-            <a:schemeClr val="lt1"/>
-          </a:fontRef>
-        </p:style>
-        <p:txBody>
-          <a:bodyPr rtlCol="0" anchor="ctr"/>
-          <a:lstStyle/>
-          <a:p>
-            <a:pPr algn="ctr"/>
-            <a:endParaRPr lang="en-US"/>
-          </a:p>
-        </p:txBody>
-      </p:sp>
-      <p:sp>
-        <p:nvSpPr>
-          <p:cNvPr id="2" name="Title 1">
-            <a:extLst>
-              <a:ext uri="{FF2B5EF4-FFF2-40B4-BE49-F238E27FC236}">
-                <a16:creationId xmlns:a16="http://schemas.microsoft.com/office/drawing/2014/main" id="{9EC5983D-A135-4881-4777-8D51A4490ACD}"/>
-              </a:ext>
-            </a:extLst>
-          </p:cNvPr>
-          <p:cNvSpPr>
-            <a:spLocks noGrp="1"/>
-          </p:cNvSpPr>
-          <p:nvPr>
-            <p:ph type="title"/>
-          </p:nvPr>
-        </p:nvSpPr>
-        <p:spPr>
-          <a:xfrm>
-            <a:off x="1043950" y="1179151"/>
-            <a:ext cx="3300646" cy="4463889"/>
-          </a:xfrm>
-        </p:spPr>
-        <p:txBody>
-          <a:bodyPr anchor="ctr">
-            <a:normAutofit/>
-          </a:bodyPr>
-          <a:lstStyle/>
-          <a:p>
-            <a:r>
-              <a:rPr lang="pl-PL" dirty="0"/>
-              <a:t>Adobe PDF Reader</a:t>
-            </a:r>
-            <a:endParaRPr lang="en-GB" dirty="0"/>
-          </a:p>
-        </p:txBody>
-      </p:sp>
-      <p:sp>
-        <p:nvSpPr>
-          <p:cNvPr id="10" name="Isosceles Triangle 9">
-            <a:extLst>
-              <a:ext uri="{FF2B5EF4-FFF2-40B4-BE49-F238E27FC236}">
-                <a16:creationId xmlns:a16="http://schemas.microsoft.com/office/drawing/2014/main" id="{9323D83D-50D6-4040-A58B-FCEA340F886A}"/>
-              </a:ext>
-              <a:ext uri="{C183D7F6-B498-43B3-948B-1728B52AA6E4}">
-                <adec:decorative xmlns:adec="http://schemas.microsoft.com/office/drawing/2017/decorative" val="1"/>
-              </a:ext>
-            </a:extLst>
-          </p:cNvPr>
-          <p:cNvSpPr>
-            <a:spLocks noGrp="1" noRot="1" noChangeAspect="1" noMove="1" noResize="1" noEditPoints="1" noAdjustHandles="1" noChangeArrowheads="1" noChangeShapeType="1" noTextEdit="1"/>
-          </p:cNvSpPr>
-          <p:nvPr>
-            <p:extLst>
-              <p:ext uri="{386F3935-93C4-4BCD-93E2-E3B085C9AB24}">
-                <p16:designElem xmlns:p16="http://schemas.microsoft.com/office/powerpoint/2015/main" val="1"/>
-              </p:ext>
-            </p:extLst>
-          </p:nvPr>
-        </p:nvSpPr>
-        <p:spPr>
-          <a:xfrm>
-            <a:off x="0" y="4013200"/>
-            <a:ext cx="448733" cy="2844800"/>
-          </a:xfrm>
-          <a:prstGeom prst="triangle">
-            <a:avLst>
-              <a:gd name="adj" fmla="val 0"/>
-            </a:avLst>
-          </a:prstGeom>
-          <a:solidFill>
-            <a:schemeClr val="accent1"/>
-          </a:solidFill>
-          <a:ln>
-            <a:noFill/>
-          </a:ln>
-          <a:effectLst/>
-        </p:spPr>
-        <p:style>
-          <a:lnRef idx="1">
-            <a:schemeClr val="accent1"/>
-          </a:lnRef>
-          <a:fillRef idx="3">
-            <a:schemeClr val="accent1"/>
-          </a:fillRef>
-          <a:effectRef idx="2">
-            <a:schemeClr val="accent1"/>
-          </a:effectRef>
-          <a:fontRef idx="minor">
-            <a:schemeClr val="lt1"/>
-          </a:fontRef>
-        </p:style>
-        <p:txBody>
-          <a:bodyPr/>
-          <a:lstStyle/>
-          <a:p>
-            <a:endParaRPr lang="en-GB"/>
-          </a:p>
-        </p:txBody>
-      </p:sp>
-      <p:cxnSp>
-        <p:nvCxnSpPr>
-          <p:cNvPr id="12" name="Straight Connector 11">
-            <a:extLst>
-              <a:ext uri="{FF2B5EF4-FFF2-40B4-BE49-F238E27FC236}">
-                <a16:creationId xmlns:a16="http://schemas.microsoft.com/office/drawing/2014/main" id="{1A1FE6BB-DFB2-4080-9B5E-076EF5DDE67B}"/>
-              </a:ext>
-              <a:ext uri="{C183D7F6-B498-43B3-948B-1728B52AA6E4}">
-                <adec:decorative xmlns:adec="http://schemas.microsoft.com/office/drawing/2017/decorative" val="1"/>
-              </a:ext>
-            </a:extLst>
-          </p:cNvPr>
-          <p:cNvCxnSpPr>
-            <a:cxnSpLocks noGrp="1" noRot="1" noChangeAspect="1" noMove="1" noResize="1" noEditPoints="1" noAdjustHandles="1" noChangeArrowheads="1" noChangeShapeType="1"/>
-          </p:cNvCxnSpPr>
-          <p:nvPr>
-            <p:extLst>
-              <p:ext uri="{386F3935-93C4-4BCD-93E2-E3B085C9AB24}">
-                <p16:designElem xmlns:p16="http://schemas.microsoft.com/office/powerpoint/2015/main" val="1"/>
-              </p:ext>
-            </p:extLst>
-          </p:nvPr>
-        </p:nvCxnSpPr>
-        <p:spPr>
-          <a:xfrm>
-            <a:off x="4656670" y="1442595"/>
-            <a:ext cx="0" cy="3937000"/>
-          </a:xfrm>
-          <a:prstGeom prst="line">
-            <a:avLst/>
-          </a:prstGeom>
-        </p:spPr>
-        <p:style>
-          <a:lnRef idx="1">
-            <a:schemeClr val="accent1"/>
-          </a:lnRef>
-          <a:fillRef idx="0">
-            <a:schemeClr val="accent1"/>
-          </a:fillRef>
-          <a:effectRef idx="0">
-            <a:schemeClr val="accent1"/>
-          </a:effectRef>
-          <a:fontRef idx="minor">
-            <a:schemeClr val="tx1"/>
-          </a:fontRef>
-        </p:style>
-      </p:cxnSp>
-      <p:sp>
-        <p:nvSpPr>
-          <p:cNvPr id="3" name="Content Placeholder 2">
-            <a:extLst>
-              <a:ext uri="{FF2B5EF4-FFF2-40B4-BE49-F238E27FC236}">
-                <a16:creationId xmlns:a16="http://schemas.microsoft.com/office/drawing/2014/main" id="{E3837BD5-DA5C-5F7B-85CF-CC8A6822E6C3}"/>
-              </a:ext>
-            </a:extLst>
-          </p:cNvPr>
-          <p:cNvSpPr>
-            <a:spLocks noGrp="1"/>
-          </p:cNvSpPr>
-          <p:nvPr>
-            <p:ph idx="1"/>
-          </p:nvPr>
-        </p:nvSpPr>
-        <p:spPr>
-          <a:xfrm>
-            <a:off x="4978918" y="1109145"/>
-            <a:ext cx="6341016" cy="4603900"/>
-          </a:xfrm>
-        </p:spPr>
-        <p:txBody>
-          <a:bodyPr anchor="ctr">
-            <a:normAutofit/>
-          </a:bodyPr>
-          <a:lstStyle/>
-          <a:p>
-            <a:r>
-              <a:rPr lang="pl-PL" dirty="0"/>
-              <a:t>Trzy sztuczki:</a:t>
-            </a:r>
-          </a:p>
-          <a:p>
-            <a:pPr lvl="1"/>
-            <a:r>
-              <a:rPr lang="pl-PL" dirty="0"/>
-              <a:t>Zaznaczanie z przyciskiem ALT – pomaga przy kopiowaniu tabel.</a:t>
-            </a:r>
-          </a:p>
-          <a:p>
-            <a:pPr lvl="1"/>
-            <a:r>
-              <a:rPr lang="pl-PL" dirty="0"/>
-              <a:t>Robienie zdjęć: </a:t>
-            </a:r>
-          </a:p>
-          <a:p>
-            <a:pPr lvl="2"/>
-            <a:r>
-              <a:rPr lang="pl-PL" dirty="0"/>
-              <a:t>Windows + SHIFT + S</a:t>
-            </a:r>
-          </a:p>
-          <a:p>
-            <a:pPr lvl="2"/>
-            <a:r>
-              <a:rPr lang="pl-PL" dirty="0"/>
-              <a:t>Ewentualnie narzędzie wycinanie</a:t>
-            </a:r>
-          </a:p>
-          <a:p>
-            <a:pPr lvl="1"/>
-            <a:r>
-              <a:rPr lang="pl-PL" dirty="0"/>
-              <a:t>Wypełnianie informacji / modyfikowanie treści </a:t>
-            </a:r>
-          </a:p>
-          <a:p>
-            <a:pPr lvl="1"/>
-            <a:endParaRPr lang="pl-PL" dirty="0"/>
-          </a:p>
-          <a:p>
-            <a:r>
-              <a:rPr lang="pl-PL" dirty="0"/>
-              <a:t>Przykład: </a:t>
-            </a:r>
-            <a:r>
-              <a:rPr lang="pl-PL" dirty="0">
-                <a:hlinkClick r:id="rId2"/>
-              </a:rPr>
-              <a:t>Strona Komisji Europejskiej </a:t>
-            </a:r>
-            <a:endParaRPr lang="en-GB" dirty="0"/>
-          </a:p>
-        </p:txBody>
-      </p:sp>
-      <p:sp>
-        <p:nvSpPr>
-          <p:cNvPr id="14" name="Isosceles Triangle 13">
-            <a:extLst>
-              <a:ext uri="{FF2B5EF4-FFF2-40B4-BE49-F238E27FC236}">
-                <a16:creationId xmlns:a16="http://schemas.microsoft.com/office/drawing/2014/main" id="{F10FD715-4DCE-4779-B634-EC78315EA213}"/>
-              </a:ext>
-              <a:ext uri="{C183D7F6-B498-43B3-948B-1728B52AA6E4}">
-                <adec:decorative xmlns:adec="http://schemas.microsoft.com/office/drawing/2017/decorative" val="1"/>
-              </a:ext>
-            </a:extLst>
-          </p:cNvPr>
-          <p:cNvSpPr>
-            <a:spLocks noGrp="1" noRot="1" noChangeAspect="1" noMove="1" noResize="1" noEditPoints="1" noAdjustHandles="1" noChangeArrowheads="1" noChangeShapeType="1" noTextEdit="1"/>
-          </p:cNvSpPr>
-          <p:nvPr>
-            <p:extLst>
-              <p:ext uri="{386F3935-93C4-4BCD-93E2-E3B085C9AB24}">
-                <p16:designElem xmlns:p16="http://schemas.microsoft.com/office/powerpoint/2015/main" val="1"/>
-              </p:ext>
-            </p:extLst>
-          </p:nvPr>
-        </p:nvSpPr>
-        <p:spPr>
-          <a:xfrm rot="10800000" flipH="1">
-            <a:off x="11364139" y="0"/>
-            <a:ext cx="842596" cy="4616289"/>
-          </a:xfrm>
-          <a:prstGeom prst="triangle">
-            <a:avLst>
-              <a:gd name="adj" fmla="val 100000"/>
-            </a:avLst>
-          </a:prstGeom>
-          <a:solidFill>
-            <a:schemeClr val="accent2"/>
-          </a:solidFill>
-          <a:ln>
-            <a:noFill/>
-          </a:ln>
-          <a:effectLst/>
-        </p:spPr>
-        <p:style>
-          <a:lnRef idx="1">
-            <a:schemeClr val="accent1"/>
-          </a:lnRef>
-          <a:fillRef idx="3">
-            <a:schemeClr val="accent1"/>
-          </a:fillRef>
-          <a:effectRef idx="2">
-            <a:schemeClr val="accent1"/>
-          </a:effectRef>
-          <a:fontRef idx="minor">
-            <a:schemeClr val="lt1"/>
-          </a:fontRef>
-        </p:style>
-        <p:txBody>
-          <a:bodyPr/>
-          <a:lstStyle/>
-          <a:p>
-            <a:endParaRPr lang="en-GB"/>
-          </a:p>
-        </p:txBody>
-      </p:sp>
-    </p:spTree>
-    <p:extLst>
-      <p:ext uri="{BB962C8B-B14F-4D97-AF65-F5344CB8AC3E}">
-        <p14:creationId xmlns:p14="http://schemas.microsoft.com/office/powerpoint/2010/main" val="2323342976"/>
-      </p:ext>
-    </p:extLst>
-  </p:cSld>
-  <p:clrMapOvr>
-    <a:masterClrMapping/>
-  </p:clrMapOvr>
-</p:sld>
-</file>
-
-<file path=ppt/slides/slide9.xml><?xml version="1.0" encoding="utf-8"?>
-<p:sld xmlns:a="http://schemas.openxmlformats.org/drawingml/2006/main" xmlns:r="http://schemas.openxmlformats.org/officeDocument/2006/relationships" xmlns:p="http://schemas.openxmlformats.org/presentationml/2006/main">
-  <p:cSld>
-    <p:bg>
-      <p:bgPr>
-        <a:solidFill>
-          <a:schemeClr val="bg2"/>
-        </a:solidFill>
-        <a:effectLst/>
-      </p:bgPr>
-    </p:bg>
-    <p:spTree>
-      <p:nvGrpSpPr>
-        <p:cNvPr id="1" name=""/>
-        <p:cNvGrpSpPr/>
-        <p:nvPr/>
-      </p:nvGrpSpPr>
-      <p:grpSpPr>
-        <a:xfrm>
-          <a:off x="0" y="0"/>
-          <a:ext cx="0" cy="0"/>
-          <a:chOff x="0" y="0"/>
-          <a:chExt cx="0" cy="0"/>
-        </a:xfrm>
-      </p:grpSpPr>
-      <p:sp>
-        <p:nvSpPr>
-          <p:cNvPr id="14" name="Rectangle 8">
-            <a:extLst>
-              <a:ext uri="{FF2B5EF4-FFF2-40B4-BE49-F238E27FC236}">
-                <a16:creationId xmlns:a16="http://schemas.microsoft.com/office/drawing/2014/main" id="{D94A7024-D948-494D-8920-BBA2DA07D15B}"/>
-              </a:ext>
-              <a:ext uri="{C183D7F6-B498-43B3-948B-1728B52AA6E4}">
-                <adec:decorative xmlns:adec="http://schemas.microsoft.com/office/drawing/2017/decorative" val="1"/>
-              </a:ext>
-            </a:extLst>
-          </p:cNvPr>
-          <p:cNvSpPr>
-            <a:spLocks noGrp="1" noRot="1" noChangeAspect="1" noMove="1" noResize="1" noEditPoints="1" noAdjustHandles="1" noChangeArrowheads="1" noChangeShapeType="1" noTextEdit="1"/>
-          </p:cNvSpPr>
-          <p:nvPr>
-            <p:extLst>
-              <p:ext uri="{386F3935-93C4-4BCD-93E2-E3B085C9AB24}">
-                <p16:designElem xmlns:p16="http://schemas.microsoft.com/office/powerpoint/2015/main" val="1"/>
-              </p:ext>
-            </p:extLst>
-          </p:nvPr>
-        </p:nvSpPr>
-        <p:spPr>
-          <a:xfrm>
-            <a:off x="0" y="0"/>
-            <a:ext cx="12192000" cy="6858000"/>
-          </a:xfrm>
-          <a:prstGeom prst="rect">
-            <a:avLst/>
-          </a:prstGeom>
-          <a:solidFill>
-            <a:srgbClr val="000000"/>
-          </a:solidFill>
-          <a:ln>
-            <a:noFill/>
-          </a:ln>
-        </p:spPr>
-        <p:style>
-          <a:lnRef idx="2">
-            <a:schemeClr val="accent1">
-              <a:shade val="50000"/>
-            </a:schemeClr>
-          </a:lnRef>
-          <a:fillRef idx="1">
-            <a:schemeClr val="accent1"/>
-          </a:fillRef>
-          <a:effectRef idx="0">
-            <a:schemeClr val="accent1"/>
-          </a:effectRef>
-          <a:fontRef idx="minor">
-            <a:schemeClr val="lt1"/>
-          </a:fontRef>
-        </p:style>
-        <p:txBody>
-          <a:bodyPr rtlCol="0" anchor="ctr"/>
-          <a:lstStyle/>
-          <a:p>
-            <a:pPr algn="ctr"/>
-            <a:endParaRPr lang="en-US"/>
-          </a:p>
-        </p:txBody>
-      </p:sp>
-      <p:pic>
-        <p:nvPicPr>
-          <p:cNvPr id="15" name="Picture 4" descr="Biurko z przyborami biurowymi">
-            <a:extLst>
-              <a:ext uri="{FF2B5EF4-FFF2-40B4-BE49-F238E27FC236}">
-                <a16:creationId xmlns:a16="http://schemas.microsoft.com/office/drawing/2014/main" id="{BE2212B7-3FEC-A1DB-EF1F-CF2BB526C3AF}"/>
-              </a:ext>
-            </a:extLst>
-          </p:cNvPr>
-          <p:cNvPicPr>
-            <a:picLocks noChangeAspect="1"/>
-          </p:cNvPicPr>
-          <p:nvPr/>
-        </p:nvPicPr>
-        <p:blipFill rotWithShape="1">
-          <a:blip r:embed="rId2">
-            <a:duotone>
-              <a:prstClr val="black"/>
-              <a:schemeClr val="tx2">
-                <a:tint val="45000"/>
-                <a:satMod val="400000"/>
-              </a:schemeClr>
-            </a:duotone>
-            <a:alphaModFix amt="40000"/>
-          </a:blip>
-          <a:srcRect b="15730"/>
-          <a:stretch/>
-        </p:blipFill>
-        <p:spPr>
-          <a:xfrm>
-            <a:off x="20" y="10"/>
-            <a:ext cx="12191980" cy="6857990"/>
-          </a:xfrm>
-          <a:prstGeom prst="rect">
-            <a:avLst/>
-          </a:prstGeom>
-        </p:spPr>
-      </p:pic>
-      <p:sp>
-        <p:nvSpPr>
-          <p:cNvPr id="2" name="Title 1">
-            <a:extLst>
-              <a:ext uri="{FF2B5EF4-FFF2-40B4-BE49-F238E27FC236}">
-                <a16:creationId xmlns:a16="http://schemas.microsoft.com/office/drawing/2014/main" id="{83D54A5A-99BF-1236-3C06-B810F1F1CA75}"/>
-              </a:ext>
-            </a:extLst>
-          </p:cNvPr>
-          <p:cNvSpPr>
-            <a:spLocks noGrp="1"/>
-          </p:cNvSpPr>
-          <p:nvPr>
-            <p:ph type="title"/>
-          </p:nvPr>
-        </p:nvSpPr>
-        <p:spPr>
-          <a:xfrm>
-            <a:off x="677334" y="609600"/>
-            <a:ext cx="8596668" cy="1320800"/>
-          </a:xfrm>
-        </p:spPr>
-        <p:txBody>
-          <a:bodyPr>
-            <a:normAutofit/>
-          </a:bodyPr>
-          <a:lstStyle/>
-          <a:p>
-            <a:r>
-              <a:rPr lang="pl-PL" dirty="0"/>
-              <a:t>Statystyka publiczna - GUS</a:t>
-            </a:r>
-            <a:endParaRPr lang="en-GB" dirty="0"/>
-          </a:p>
-        </p:txBody>
-      </p:sp>
-      <p:sp>
-        <p:nvSpPr>
-          <p:cNvPr id="3" name="Content Placeholder 2">
-            <a:extLst>
-              <a:ext uri="{FF2B5EF4-FFF2-40B4-BE49-F238E27FC236}">
-                <a16:creationId xmlns:a16="http://schemas.microsoft.com/office/drawing/2014/main" id="{84ACF378-3F01-CAFA-1DA1-C9C88A4EB9C8}"/>
-              </a:ext>
-            </a:extLst>
-          </p:cNvPr>
-          <p:cNvSpPr>
-            <a:spLocks noGrp="1"/>
-          </p:cNvSpPr>
-          <p:nvPr>
-            <p:ph idx="1"/>
-          </p:nvPr>
-        </p:nvSpPr>
-        <p:spPr>
-          <a:xfrm>
-            <a:off x="677334" y="2160589"/>
-            <a:ext cx="8596668" cy="3880773"/>
-          </a:xfrm>
-        </p:spPr>
-        <p:txBody>
-          <a:bodyPr>
-            <a:normAutofit/>
-          </a:bodyPr>
-          <a:lstStyle/>
-          <a:p>
-            <a:r>
-              <a:rPr lang="pl-PL" dirty="0">
-                <a:solidFill>
-                  <a:srgbClr val="FFFFFF"/>
-                </a:solidFill>
-              </a:rPr>
-              <a:t>Sztandarowe </a:t>
-            </a:r>
-            <a:r>
-              <a:rPr lang="pl-PL" dirty="0">
-                <a:solidFill>
-                  <a:srgbClr val="FFFFFF"/>
-                </a:solidFill>
-                <a:hlinkClick r:id="rId3"/>
-              </a:rPr>
-              <a:t>publikacje</a:t>
-            </a:r>
-            <a:r>
-              <a:rPr lang="pl-PL" dirty="0">
-                <a:solidFill>
-                  <a:srgbClr val="FFFFFF"/>
-                </a:solidFill>
-              </a:rPr>
-              <a:t>:</a:t>
-            </a:r>
-          </a:p>
-          <a:p>
-            <a:pPr lvl="1"/>
-            <a:r>
-              <a:rPr lang="pl-PL" dirty="0">
-                <a:solidFill>
-                  <a:srgbClr val="FFFFFF"/>
-                </a:solidFill>
-              </a:rPr>
-              <a:t> Biuletyn Statystyczny GUS</a:t>
-            </a:r>
-          </a:p>
-          <a:p>
-            <a:pPr lvl="1"/>
-            <a:r>
-              <a:rPr lang="pl-PL" dirty="0">
-                <a:solidFill>
-                  <a:srgbClr val="FFFFFF"/>
-                </a:solidFill>
-              </a:rPr>
-              <a:t> Sytuacja społeczno-gospodarcza</a:t>
-            </a:r>
-          </a:p>
-          <a:p>
-            <a:endParaRPr lang="pl-PL" dirty="0">
-              <a:solidFill>
-                <a:srgbClr val="FFFFFF"/>
-              </a:solidFill>
-            </a:endParaRPr>
-          </a:p>
-          <a:p>
-            <a:r>
-              <a:rPr lang="pl-PL" dirty="0">
-                <a:solidFill>
-                  <a:srgbClr val="FFFFFF"/>
-                </a:solidFill>
-              </a:rPr>
-              <a:t>Bazy tematyczne:</a:t>
-            </a:r>
-          </a:p>
-          <a:p>
-            <a:pPr lvl="1"/>
-            <a:r>
-              <a:rPr lang="pl-PL" dirty="0">
-                <a:solidFill>
-                  <a:srgbClr val="FFFFFF"/>
-                </a:solidFill>
-              </a:rPr>
-              <a:t>Bank danych makroekonomicznych – </a:t>
-            </a:r>
-            <a:r>
-              <a:rPr lang="pl-PL" dirty="0">
-                <a:solidFill>
-                  <a:srgbClr val="FFFFFF"/>
-                </a:solidFill>
-                <a:hlinkClick r:id="rId4"/>
-              </a:rPr>
-              <a:t>baza</a:t>
-            </a:r>
-            <a:r>
-              <a:rPr lang="pl-PL" dirty="0">
-                <a:solidFill>
-                  <a:srgbClr val="FFFFFF"/>
-                </a:solidFill>
-              </a:rPr>
-              <a:t>, pliki </a:t>
-            </a:r>
-            <a:r>
-              <a:rPr lang="pl-PL" dirty="0">
-                <a:solidFill>
-                  <a:srgbClr val="FFFFFF"/>
-                </a:solidFill>
-                <a:hlinkClick r:id="rId5"/>
-              </a:rPr>
-              <a:t>xls</a:t>
-            </a:r>
-            <a:r>
-              <a:rPr lang="pl-PL" dirty="0">
-                <a:solidFill>
-                  <a:srgbClr val="FFFFFF"/>
-                </a:solidFill>
-              </a:rPr>
-              <a:t>.</a:t>
-            </a:r>
-          </a:p>
-          <a:p>
-            <a:pPr lvl="1"/>
-            <a:r>
-              <a:rPr lang="pl-PL" dirty="0">
-                <a:solidFill>
-                  <a:srgbClr val="FFFFFF"/>
-                </a:solidFill>
-              </a:rPr>
-              <a:t>Statystyki regionalne – </a:t>
-            </a:r>
-            <a:r>
-              <a:rPr lang="pl-PL" dirty="0">
-                <a:solidFill>
-                  <a:srgbClr val="FFFFFF"/>
-                </a:solidFill>
-                <a:hlinkClick r:id="rId6"/>
-              </a:rPr>
-              <a:t>BDL</a:t>
-            </a:r>
-            <a:endParaRPr lang="pl-PL" dirty="0">
-              <a:solidFill>
-                <a:srgbClr val="FFFFFF"/>
-              </a:solidFill>
-            </a:endParaRPr>
-          </a:p>
-          <a:p>
-            <a:pPr lvl="1"/>
-            <a:r>
-              <a:rPr lang="pl-PL" dirty="0">
-                <a:solidFill>
-                  <a:srgbClr val="FFFFFF"/>
-                </a:solidFill>
-              </a:rPr>
-              <a:t>Dziedzinowe Bazy Wiedzy – </a:t>
-            </a:r>
-            <a:r>
-              <a:rPr lang="pl-PL" dirty="0">
-                <a:solidFill>
-                  <a:srgbClr val="FFFFFF"/>
-                </a:solidFill>
-                <a:hlinkClick r:id="rId7"/>
-              </a:rPr>
-              <a:t>SWAID</a:t>
-            </a:r>
-            <a:endParaRPr lang="pl-PL" dirty="0">
-              <a:solidFill>
-                <a:srgbClr val="FFFFFF"/>
-              </a:solidFill>
-            </a:endParaRPr>
-          </a:p>
-        </p:txBody>
-      </p:sp>
-    </p:spTree>
-    <p:extLst>
-      <p:ext uri="{BB962C8B-B14F-4D97-AF65-F5344CB8AC3E}">
-        <p14:creationId xmlns:p14="http://schemas.microsoft.com/office/powerpoint/2010/main" val="1867555530"/>
       </p:ext>
     </p:extLst>
   </p:cSld>
